--- a/document.pptx
+++ b/document.pptx
@@ -9,8 +9,15 @@
     <p:sldId id="257" r:id="rId3"/>
     <p:sldId id="262" r:id="rId4"/>
     <p:sldId id="263" r:id="rId5"/>
-    <p:sldId id="264" r:id="rId6"/>
-    <p:sldId id="265" r:id="rId7"/>
+    <p:sldId id="267" r:id="rId6"/>
+    <p:sldId id="268" r:id="rId7"/>
+    <p:sldId id="269" r:id="rId8"/>
+    <p:sldId id="270" r:id="rId9"/>
+    <p:sldId id="271" r:id="rId10"/>
+    <p:sldId id="272" r:id="rId11"/>
+    <p:sldId id="264" r:id="rId12"/>
+    <p:sldId id="265" r:id="rId13"/>
+    <p:sldId id="266" r:id="rId14"/>
   </p:sldIdLst>
   <p:sldSz cx="12192000" cy="6858000"/>
   <p:notesSz cx="6858000" cy="9144000"/>
@@ -897,8 +904,12 @@
         <a:lstStyle/>
         <a:p>
           <a:r>
+            <a:rPr lang="zh-TW" altLang="en-US" sz="1400" dirty="0" smtClean="0"/>
+            <a:t>首頁</a:t>
+          </a:r>
+          <a:r>
             <a:rPr lang="en-US" altLang="zh-TW" sz="3200" dirty="0" smtClean="0"/>
-            <a:t>Home</a:t>
+            <a:t/>
           </a:r>
           <a:br>
             <a:rPr lang="en-US" altLang="zh-TW" sz="3200" dirty="0" smtClean="0"/>
@@ -908,12 +919,8 @@
             <a:t>(</a:t>
           </a:r>
           <a:r>
-            <a:rPr lang="en-US" altLang="zh-TW" sz="1400" dirty="0" smtClean="0"/>
-            <a:t>FB , Twitter </a:t>
-          </a:r>
-          <a:r>
             <a:rPr lang="zh-TW" altLang="en-US" sz="1400" dirty="0" smtClean="0"/>
-            <a:t>連結</a:t>
+            <a:t>海大簡介</a:t>
           </a:r>
           <a:r>
             <a:rPr lang="en-US" altLang="zh-TW" sz="1400" dirty="0" smtClean="0"/>
@@ -973,7 +980,7 @@
           </a:r>
           <a:r>
             <a:rPr lang="zh-TW" altLang="en-US" sz="1400" dirty="0" smtClean="0"/>
-            <a:t>學校餐廳、附近美食</a:t>
+            <a:t>學校附近美食</a:t>
           </a:r>
           <a:r>
             <a:rPr lang="en-US" altLang="zh-TW" sz="1400" dirty="0" smtClean="0"/>
@@ -1033,7 +1040,7 @@
           </a:r>
           <a:r>
             <a:rPr lang="zh-TW" altLang="en-US" sz="1400" dirty="0" smtClean="0"/>
-            <a:t>教學務系統中租屋資訊的再呈現</a:t>
+            <a:t>租屋資訊</a:t>
           </a:r>
           <a:r>
             <a:rPr lang="en-US" altLang="zh-TW" sz="1400" dirty="0" smtClean="0"/>
@@ -1089,7 +1096,7 @@
           </a:r>
           <a:r>
             <a:rPr lang="zh-TW" altLang="en-US" sz="1400" dirty="0" smtClean="0"/>
-            <a:t>當下天氣、公車動態資訊</a:t>
+            <a:t>海大公車資訊</a:t>
           </a:r>
           <a:r>
             <a:rPr lang="en-US" altLang="zh-TW" sz="1400" dirty="0" smtClean="0"/>
@@ -1121,22 +1128,41 @@
         </a:p>
       </dgm:t>
     </dgm:pt>
-    <dgm:pt modelId="{E44E4E02-C06B-4177-BB8B-58B49D7FD26A}">
-      <dgm:prSet phldrT="[文字]" custT="1"/>
+    <dgm:pt modelId="{69526314-59DB-4649-AE1F-C6EFE4309CA3}">
+      <dgm:prSet custT="1"/>
       <dgm:spPr/>
       <dgm:t>
         <a:bodyPr/>
         <a:lstStyle/>
         <a:p>
           <a:r>
-            <a:rPr lang="zh-TW" altLang="en-US" sz="1600" dirty="0" smtClean="0"/>
+            <a:rPr lang="zh-TW" altLang="en-US" sz="1400" dirty="0" smtClean="0"/>
             <a:t>海大行事曆</a:t>
           </a:r>
-          <a:endParaRPr lang="zh-TW" altLang="en-US" sz="1600" dirty="0"/>
+          <a:r>
+            <a:rPr lang="en-US" altLang="zh-TW" sz="1400" dirty="0" smtClean="0"/>
+            <a:t/>
+          </a:r>
+          <a:br>
+            <a:rPr lang="en-US" altLang="zh-TW" sz="1400" dirty="0" smtClean="0"/>
+          </a:br>
+          <a:r>
+            <a:rPr lang="en-US" altLang="zh-TW" sz="1400" dirty="0" smtClean="0"/>
+            <a:t>(</a:t>
+          </a:r>
+          <a:r>
+            <a:rPr lang="zh-TW" altLang="en-US" sz="1400" dirty="0" smtClean="0"/>
+            <a:t>當年度行事曆</a:t>
+          </a:r>
+          <a:r>
+            <a:rPr lang="en-US" altLang="zh-TW" sz="1400" dirty="0" smtClean="0"/>
+            <a:t>)</a:t>
+          </a:r>
+          <a:endParaRPr lang="zh-TW" altLang="en-US" sz="1400" dirty="0"/>
         </a:p>
       </dgm:t>
     </dgm:pt>
-    <dgm:pt modelId="{14F046B9-62EC-4D3E-8CAC-3F5AA7746ACF}" type="parTrans" cxnId="{32DCDCD3-A0C7-4FB1-A43F-C3F384CF0D14}">
+    <dgm:pt modelId="{C95517A0-0F59-4A35-88B1-96619C4D2077}" type="parTrans" cxnId="{B6E7EA15-09D7-440B-830D-DB57B180A9F1}">
       <dgm:prSet/>
       <dgm:spPr/>
       <dgm:t>
@@ -1147,7 +1173,100 @@
         </a:p>
       </dgm:t>
     </dgm:pt>
-    <dgm:pt modelId="{811F62A5-F1C0-40EC-AFEF-446DE031E650}" type="sibTrans" cxnId="{32DCDCD3-A0C7-4FB1-A43F-C3F384CF0D14}">
+    <dgm:pt modelId="{AE30E983-859E-4364-843F-95FEE54C6406}" type="sibTrans" cxnId="{B6E7EA15-09D7-440B-830D-DB57B180A9F1}">
+      <dgm:prSet/>
+      <dgm:spPr/>
+      <dgm:t>
+        <a:bodyPr/>
+        <a:lstStyle/>
+        <a:p>
+          <a:endParaRPr lang="zh-TW" altLang="en-US"/>
+        </a:p>
+      </dgm:t>
+    </dgm:pt>
+    <dgm:pt modelId="{2E8AC861-DC0B-48A7-9B97-8A7D080F85A8}">
+      <dgm:prSet custT="1"/>
+      <dgm:spPr/>
+      <dgm:t>
+        <a:bodyPr/>
+        <a:lstStyle/>
+        <a:p>
+          <a:r>
+            <a:rPr lang="zh-TW" altLang="en-US" sz="2400" dirty="0" smtClean="0"/>
+            <a:t>網站架構</a:t>
+          </a:r>
+          <a:endParaRPr lang="zh-TW" altLang="en-US" sz="2400" dirty="0"/>
+        </a:p>
+      </dgm:t>
+    </dgm:pt>
+    <dgm:pt modelId="{8B0BDAA5-F6BF-4A3F-AAE5-48CE7ACCCC3B}" type="parTrans" cxnId="{B2EF61F8-A78F-4BF6-B757-A880E1785412}">
+      <dgm:prSet/>
+      <dgm:spPr/>
+      <dgm:t>
+        <a:bodyPr/>
+        <a:lstStyle/>
+        <a:p>
+          <a:endParaRPr lang="zh-TW" altLang="en-US"/>
+        </a:p>
+      </dgm:t>
+    </dgm:pt>
+    <dgm:pt modelId="{0802B24D-77F5-443C-A606-2B89D4780E46}" type="sibTrans" cxnId="{B2EF61F8-A78F-4BF6-B757-A880E1785412}">
+      <dgm:prSet/>
+      <dgm:spPr/>
+      <dgm:t>
+        <a:bodyPr/>
+        <a:lstStyle/>
+        <a:p>
+          <a:endParaRPr lang="zh-TW" altLang="en-US"/>
+        </a:p>
+      </dgm:t>
+    </dgm:pt>
+    <dgm:pt modelId="{3AA0E0EA-B8A3-4487-A83F-D28BB0D1A0FE}">
+      <dgm:prSet custT="1"/>
+      <dgm:spPr/>
+      <dgm:t>
+        <a:bodyPr/>
+        <a:lstStyle/>
+        <a:p>
+          <a:r>
+            <a:rPr lang="zh-TW" altLang="en-US" sz="1400" dirty="0" smtClean="0"/>
+            <a:t>旅遊</a:t>
+          </a:r>
+          <a:r>
+            <a:rPr lang="en-US" altLang="zh-TW" sz="1400" dirty="0" smtClean="0"/>
+            <a:t/>
+          </a:r>
+          <a:br>
+            <a:rPr lang="en-US" altLang="zh-TW" sz="1400" dirty="0" smtClean="0"/>
+          </a:br>
+          <a:r>
+            <a:rPr lang="en-US" altLang="zh-TW" sz="1400" dirty="0" smtClean="0"/>
+            <a:t>(</a:t>
+          </a:r>
+          <a:r>
+            <a:rPr lang="zh-TW" altLang="en-US" sz="1400" dirty="0" smtClean="0"/>
+            <a:t>基隆有名景點</a:t>
+          </a:r>
+          <a:r>
+            <a:rPr lang="en-US" altLang="zh-TW" sz="1400" dirty="0" smtClean="0"/>
+            <a:t>)</a:t>
+          </a:r>
+          <a:endParaRPr lang="zh-TW" altLang="en-US" sz="1400" dirty="0"/>
+        </a:p>
+      </dgm:t>
+    </dgm:pt>
+    <dgm:pt modelId="{EE9D80BF-1CCF-4866-96C3-DEF1EDF82061}" type="parTrans" cxnId="{D4810D1D-A5B0-4B5D-9212-A889AC4D914F}">
+      <dgm:prSet/>
+      <dgm:spPr/>
+      <dgm:t>
+        <a:bodyPr/>
+        <a:lstStyle/>
+        <a:p>
+          <a:endParaRPr lang="zh-TW" altLang="en-US"/>
+        </a:p>
+      </dgm:t>
+    </dgm:pt>
+    <dgm:pt modelId="{A39FDA19-E76C-4C2D-BB8D-888EB9A37819}" type="sibTrans" cxnId="{D4810D1D-A5B0-4B5D-9212-A889AC4D914F}">
       <dgm:prSet/>
       <dgm:spPr/>
       <dgm:t>
@@ -1170,21 +1289,28 @@
         </dgm:presLayoutVars>
       </dgm:prSet>
       <dgm:spPr/>
+      <dgm:t>
+        <a:bodyPr/>
+        <a:lstStyle/>
+        <a:p>
+          <a:endParaRPr lang="zh-TW" altLang="en-US"/>
+        </a:p>
+      </dgm:t>
     </dgm:pt>
-    <dgm:pt modelId="{C24F75B6-5369-44BE-8A60-2372406A7BF8}" type="pres">
-      <dgm:prSet presAssocID="{E32D30CD-500C-46E2-9142-B496406C7277}" presName="hierRoot1" presStyleCnt="0">
+    <dgm:pt modelId="{C455DF5C-DC8A-47A4-84B7-720BFD6C5C86}" type="pres">
+      <dgm:prSet presAssocID="{2E8AC861-DC0B-48A7-9B97-8A7D080F85A8}" presName="hierRoot1" presStyleCnt="0">
         <dgm:presLayoutVars>
           <dgm:hierBranch val="init"/>
         </dgm:presLayoutVars>
       </dgm:prSet>
       <dgm:spPr/>
     </dgm:pt>
-    <dgm:pt modelId="{B751F1DD-7A9A-4495-865D-E36DBA32ED5E}" type="pres">
-      <dgm:prSet presAssocID="{E32D30CD-500C-46E2-9142-B496406C7277}" presName="rootComposite1" presStyleCnt="0"/>
+    <dgm:pt modelId="{3BAE593D-7E9E-4A1C-9E80-B9B2AEACDAE9}" type="pres">
+      <dgm:prSet presAssocID="{2E8AC861-DC0B-48A7-9B97-8A7D080F85A8}" presName="rootComposite1" presStyleCnt="0"/>
       <dgm:spPr/>
     </dgm:pt>
-    <dgm:pt modelId="{FBFC13A7-9616-4D94-95D1-80C619F3C73D}" type="pres">
-      <dgm:prSet presAssocID="{E32D30CD-500C-46E2-9142-B496406C7277}" presName="rootText1" presStyleLbl="node0" presStyleIdx="0" presStyleCnt="1" custLinFactNeighborX="-568" custLinFactNeighborY="-1101">
+    <dgm:pt modelId="{EF09773A-9064-45E7-B31C-BD5E458A9496}" type="pres">
+      <dgm:prSet presAssocID="{2E8AC861-DC0B-48A7-9B97-8A7D080F85A8}" presName="rootText1" presStyleLbl="node0" presStyleIdx="0" presStyleCnt="1">
         <dgm:presLayoutVars>
           <dgm:chPref val="3"/>
         </dgm:presLayoutVars>
@@ -1198,17 +1324,88 @@
         </a:p>
       </dgm:t>
     </dgm:pt>
-    <dgm:pt modelId="{8C9F0FB8-845A-4EAD-B8B0-83B4AFBAB99B}" type="pres">
-      <dgm:prSet presAssocID="{E32D30CD-500C-46E2-9142-B496406C7277}" presName="rootConnector1" presStyleLbl="node1" presStyleIdx="0" presStyleCnt="0"/>
+    <dgm:pt modelId="{A7086EE2-7254-43D3-B7A9-6347421F20FE}" type="pres">
+      <dgm:prSet presAssocID="{2E8AC861-DC0B-48A7-9B97-8A7D080F85A8}" presName="rootConnector1" presStyleLbl="node1" presStyleIdx="0" presStyleCnt="0"/>
+      <dgm:spPr/>
+      <dgm:t>
+        <a:bodyPr/>
+        <a:lstStyle/>
+        <a:p>
+          <a:endParaRPr lang="zh-TW" altLang="en-US"/>
+        </a:p>
+      </dgm:t>
+    </dgm:pt>
+    <dgm:pt modelId="{7748C1F6-644B-467A-9FA2-052E4821742F}" type="pres">
+      <dgm:prSet presAssocID="{2E8AC861-DC0B-48A7-9B97-8A7D080F85A8}" presName="hierChild2" presStyleCnt="0"/>
       <dgm:spPr/>
     </dgm:pt>
-    <dgm:pt modelId="{0082E709-0794-4C29-9318-1A325E6992C0}" type="pres">
-      <dgm:prSet presAssocID="{E32D30CD-500C-46E2-9142-B496406C7277}" presName="hierChild2" presStyleCnt="0"/>
+    <dgm:pt modelId="{B5BC34DB-018C-4A62-963B-A48FBF5439C5}" type="pres">
+      <dgm:prSet presAssocID="{D15C4ACF-81E3-459C-88AA-4D51EDA002C0}" presName="Name37" presStyleLbl="parChTrans1D2" presStyleIdx="0" presStyleCnt="6"/>
+      <dgm:spPr/>
+      <dgm:t>
+        <a:bodyPr/>
+        <a:lstStyle/>
+        <a:p>
+          <a:endParaRPr lang="zh-TW" altLang="en-US"/>
+        </a:p>
+      </dgm:t>
+    </dgm:pt>
+    <dgm:pt modelId="{D57BEC49-DBF1-41D0-A611-1B83ADBE911D}" type="pres">
+      <dgm:prSet presAssocID="{E32D30CD-500C-46E2-9142-B496406C7277}" presName="hierRoot2" presStyleCnt="0">
+        <dgm:presLayoutVars>
+          <dgm:hierBranch val="init"/>
+        </dgm:presLayoutVars>
+      </dgm:prSet>
+      <dgm:spPr/>
+    </dgm:pt>
+    <dgm:pt modelId="{647E4314-D0C1-4A55-9A1E-9058073ACFDA}" type="pres">
+      <dgm:prSet presAssocID="{E32D30CD-500C-46E2-9142-B496406C7277}" presName="rootComposite" presStyleCnt="0"/>
+      <dgm:spPr/>
+    </dgm:pt>
+    <dgm:pt modelId="{C9414637-4C3E-4C04-AD8D-393CDDA64A19}" type="pres">
+      <dgm:prSet presAssocID="{E32D30CD-500C-46E2-9142-B496406C7277}" presName="rootText" presStyleLbl="node2" presStyleIdx="0" presStyleCnt="6" custLinFactNeighborX="-485" custLinFactNeighborY="51362">
+        <dgm:presLayoutVars>
+          <dgm:chPref val="3"/>
+        </dgm:presLayoutVars>
+      </dgm:prSet>
+      <dgm:spPr/>
+      <dgm:t>
+        <a:bodyPr/>
+        <a:lstStyle/>
+        <a:p>
+          <a:endParaRPr lang="zh-TW" altLang="en-US"/>
+        </a:p>
+      </dgm:t>
+    </dgm:pt>
+    <dgm:pt modelId="{EFB98CF6-7830-4E73-BD18-E9DC8B6A6E04}" type="pres">
+      <dgm:prSet presAssocID="{E32D30CD-500C-46E2-9142-B496406C7277}" presName="rootConnector" presStyleLbl="node2" presStyleIdx="0" presStyleCnt="6"/>
+      <dgm:spPr/>
+      <dgm:t>
+        <a:bodyPr/>
+        <a:lstStyle/>
+        <a:p>
+          <a:endParaRPr lang="zh-TW" altLang="en-US"/>
+        </a:p>
+      </dgm:t>
+    </dgm:pt>
+    <dgm:pt modelId="{7D6CEF3B-56CE-450B-B2DB-0BDA8DFB2579}" type="pres">
+      <dgm:prSet presAssocID="{E32D30CD-500C-46E2-9142-B496406C7277}" presName="hierChild4" presStyleCnt="0"/>
+      <dgm:spPr/>
+    </dgm:pt>
+    <dgm:pt modelId="{B5D7AD5B-7882-4E27-9A7E-4D270FB91287}" type="pres">
+      <dgm:prSet presAssocID="{E32D30CD-500C-46E2-9142-B496406C7277}" presName="hierChild5" presStyleCnt="0"/>
       <dgm:spPr/>
     </dgm:pt>
     <dgm:pt modelId="{45948BA5-B8E4-42FA-9246-8A27DB4F6F15}" type="pres">
-      <dgm:prSet presAssocID="{4E8886B8-5869-4C30-84E4-0CB8A297727C}" presName="Name37" presStyleLbl="parChTrans1D2" presStyleIdx="0" presStyleCnt="4"/>
+      <dgm:prSet presAssocID="{4E8886B8-5869-4C30-84E4-0CB8A297727C}" presName="Name37" presStyleLbl="parChTrans1D2" presStyleIdx="1" presStyleCnt="6"/>
       <dgm:spPr/>
+      <dgm:t>
+        <a:bodyPr/>
+        <a:lstStyle/>
+        <a:p>
+          <a:endParaRPr lang="zh-TW" altLang="en-US"/>
+        </a:p>
+      </dgm:t>
     </dgm:pt>
     <dgm:pt modelId="{7D04B4FF-0B89-412F-9710-7977C34261DD}" type="pres">
       <dgm:prSet presAssocID="{902F89F5-C0AD-4C92-9DB7-E55F227F3694}" presName="hierRoot2" presStyleCnt="0">
@@ -1223,7 +1420,7 @@
       <dgm:spPr/>
     </dgm:pt>
     <dgm:pt modelId="{E0EB96A7-03E4-4690-80AD-28F30E00DB22}" type="pres">
-      <dgm:prSet presAssocID="{902F89F5-C0AD-4C92-9DB7-E55F227F3694}" presName="rootText" presStyleLbl="node2" presStyleIdx="0" presStyleCnt="4" custLinFactNeighborY="51851">
+      <dgm:prSet presAssocID="{902F89F5-C0AD-4C92-9DB7-E55F227F3694}" presName="rootText" presStyleLbl="node2" presStyleIdx="1" presStyleCnt="6" custLinFactNeighborY="51851">
         <dgm:presLayoutVars>
           <dgm:chPref val="3"/>
         </dgm:presLayoutVars>
@@ -1238,8 +1435,15 @@
       </dgm:t>
     </dgm:pt>
     <dgm:pt modelId="{C4584425-41F2-482D-BAF5-7DF0EE5066FD}" type="pres">
-      <dgm:prSet presAssocID="{902F89F5-C0AD-4C92-9DB7-E55F227F3694}" presName="rootConnector" presStyleLbl="node2" presStyleIdx="0" presStyleCnt="4"/>
+      <dgm:prSet presAssocID="{902F89F5-C0AD-4C92-9DB7-E55F227F3694}" presName="rootConnector" presStyleLbl="node2" presStyleIdx="1" presStyleCnt="6"/>
       <dgm:spPr/>
+      <dgm:t>
+        <a:bodyPr/>
+        <a:lstStyle/>
+        <a:p>
+          <a:endParaRPr lang="zh-TW" altLang="en-US"/>
+        </a:p>
+      </dgm:t>
     </dgm:pt>
     <dgm:pt modelId="{D377AE8F-97F2-4EA9-8F32-E93109CD6C29}" type="pres">
       <dgm:prSet presAssocID="{902F89F5-C0AD-4C92-9DB7-E55F227F3694}" presName="hierChild4" presStyleCnt="0"/>
@@ -1250,8 +1454,15 @@
       <dgm:spPr/>
     </dgm:pt>
     <dgm:pt modelId="{338F4282-948E-4269-A687-04439903067B}" type="pres">
-      <dgm:prSet presAssocID="{E91A2D29-61A1-43A9-86E8-B5984E5A3956}" presName="Name37" presStyleLbl="parChTrans1D2" presStyleIdx="1" presStyleCnt="4"/>
+      <dgm:prSet presAssocID="{E91A2D29-61A1-43A9-86E8-B5984E5A3956}" presName="Name37" presStyleLbl="parChTrans1D2" presStyleIdx="2" presStyleCnt="6"/>
       <dgm:spPr/>
+      <dgm:t>
+        <a:bodyPr/>
+        <a:lstStyle/>
+        <a:p>
+          <a:endParaRPr lang="zh-TW" altLang="en-US"/>
+        </a:p>
+      </dgm:t>
     </dgm:pt>
     <dgm:pt modelId="{AEDF8AC6-AB37-4C58-B340-F322FAD2386A}" type="pres">
       <dgm:prSet presAssocID="{2BA3B5D8-8640-4F3D-99CB-5293AC178F91}" presName="hierRoot2" presStyleCnt="0">
@@ -1266,7 +1477,7 @@
       <dgm:spPr/>
     </dgm:pt>
     <dgm:pt modelId="{671B9302-A755-428C-AECC-BA9B35E19CDC}" type="pres">
-      <dgm:prSet presAssocID="{2BA3B5D8-8640-4F3D-99CB-5293AC178F91}" presName="rootText" presStyleLbl="node2" presStyleIdx="1" presStyleCnt="4" custLinFactNeighborY="51851">
+      <dgm:prSet presAssocID="{2BA3B5D8-8640-4F3D-99CB-5293AC178F91}" presName="rootText" presStyleLbl="node2" presStyleIdx="2" presStyleCnt="6" custLinFactNeighborY="51851">
         <dgm:presLayoutVars>
           <dgm:chPref val="3"/>
         </dgm:presLayoutVars>
@@ -1281,8 +1492,15 @@
       </dgm:t>
     </dgm:pt>
     <dgm:pt modelId="{6C398403-6C3E-4E20-AF51-9D1386086FF0}" type="pres">
-      <dgm:prSet presAssocID="{2BA3B5D8-8640-4F3D-99CB-5293AC178F91}" presName="rootConnector" presStyleLbl="node2" presStyleIdx="1" presStyleCnt="4"/>
+      <dgm:prSet presAssocID="{2BA3B5D8-8640-4F3D-99CB-5293AC178F91}" presName="rootConnector" presStyleLbl="node2" presStyleIdx="2" presStyleCnt="6"/>
       <dgm:spPr/>
+      <dgm:t>
+        <a:bodyPr/>
+        <a:lstStyle/>
+        <a:p>
+          <a:endParaRPr lang="zh-TW" altLang="en-US"/>
+        </a:p>
+      </dgm:t>
     </dgm:pt>
     <dgm:pt modelId="{AB1525A3-3CE7-4DA2-9937-F1066094CCFB}" type="pres">
       <dgm:prSet presAssocID="{2BA3B5D8-8640-4F3D-99CB-5293AC178F91}" presName="hierChild4" presStyleCnt="0"/>
@@ -1293,8 +1511,15 @@
       <dgm:spPr/>
     </dgm:pt>
     <dgm:pt modelId="{2DDE91B6-B9C6-4437-8A72-3B1CD1705ABF}" type="pres">
-      <dgm:prSet presAssocID="{464025C8-345D-4C07-8A39-2FE4A5CEC9D1}" presName="Name37" presStyleLbl="parChTrans1D2" presStyleIdx="2" presStyleCnt="4"/>
+      <dgm:prSet presAssocID="{464025C8-345D-4C07-8A39-2FE4A5CEC9D1}" presName="Name37" presStyleLbl="parChTrans1D2" presStyleIdx="3" presStyleCnt="6"/>
       <dgm:spPr/>
+      <dgm:t>
+        <a:bodyPr/>
+        <a:lstStyle/>
+        <a:p>
+          <a:endParaRPr lang="zh-TW" altLang="en-US"/>
+        </a:p>
+      </dgm:t>
     </dgm:pt>
     <dgm:pt modelId="{18558480-40DD-40BA-983A-137708EFA60F}" type="pres">
       <dgm:prSet presAssocID="{0A0FD11B-C4B6-4F11-A592-0BFD22550881}" presName="hierRoot2" presStyleCnt="0">
@@ -1309,7 +1534,7 @@
       <dgm:spPr/>
     </dgm:pt>
     <dgm:pt modelId="{0B7746AF-9222-473E-ADCA-FC9B62CA4FA8}" type="pres">
-      <dgm:prSet presAssocID="{0A0FD11B-C4B6-4F11-A592-0BFD22550881}" presName="rootText" presStyleLbl="node2" presStyleIdx="2" presStyleCnt="4" custLinFactNeighborY="51851">
+      <dgm:prSet presAssocID="{0A0FD11B-C4B6-4F11-A592-0BFD22550881}" presName="rootText" presStyleLbl="node2" presStyleIdx="3" presStyleCnt="6" custLinFactNeighborY="51851">
         <dgm:presLayoutVars>
           <dgm:chPref val="3"/>
         </dgm:presLayoutVars>
@@ -1324,8 +1549,15 @@
       </dgm:t>
     </dgm:pt>
     <dgm:pt modelId="{CF2FBC4E-1410-41F9-B2AD-E6B33F0564CA}" type="pres">
-      <dgm:prSet presAssocID="{0A0FD11B-C4B6-4F11-A592-0BFD22550881}" presName="rootConnector" presStyleLbl="node2" presStyleIdx="2" presStyleCnt="4"/>
+      <dgm:prSet presAssocID="{0A0FD11B-C4B6-4F11-A592-0BFD22550881}" presName="rootConnector" presStyleLbl="node2" presStyleIdx="3" presStyleCnt="6"/>
       <dgm:spPr/>
+      <dgm:t>
+        <a:bodyPr/>
+        <a:lstStyle/>
+        <a:p>
+          <a:endParaRPr lang="zh-TW" altLang="en-US"/>
+        </a:p>
+      </dgm:t>
     </dgm:pt>
     <dgm:pt modelId="{D576F044-14B0-48F5-9D8B-4C01CA5320C1}" type="pres">
       <dgm:prSet presAssocID="{0A0FD11B-C4B6-4F11-A592-0BFD22550881}" presName="hierChild4" presStyleCnt="0"/>
@@ -1335,24 +1567,31 @@
       <dgm:prSet presAssocID="{0A0FD11B-C4B6-4F11-A592-0BFD22550881}" presName="hierChild5" presStyleCnt="0"/>
       <dgm:spPr/>
     </dgm:pt>
-    <dgm:pt modelId="{A6320DD9-730C-4D8C-B24F-F63272D83D4E}" type="pres">
-      <dgm:prSet presAssocID="{14F046B9-62EC-4D3E-8CAC-3F5AA7746ACF}" presName="Name37" presStyleLbl="parChTrans1D2" presStyleIdx="3" presStyleCnt="4"/>
+    <dgm:pt modelId="{28D9CCBA-3EEA-429C-B355-98B6E167DE71}" type="pres">
+      <dgm:prSet presAssocID="{EE9D80BF-1CCF-4866-96C3-DEF1EDF82061}" presName="Name37" presStyleLbl="parChTrans1D2" presStyleIdx="4" presStyleCnt="6"/>
       <dgm:spPr/>
+      <dgm:t>
+        <a:bodyPr/>
+        <a:lstStyle/>
+        <a:p>
+          <a:endParaRPr lang="zh-TW" altLang="en-US"/>
+        </a:p>
+      </dgm:t>
     </dgm:pt>
-    <dgm:pt modelId="{9EECA088-D2DF-4579-B872-113CB7B08968}" type="pres">
-      <dgm:prSet presAssocID="{E44E4E02-C06B-4177-BB8B-58B49D7FD26A}" presName="hierRoot2" presStyleCnt="0">
+    <dgm:pt modelId="{E5CFAF9A-8E82-4A65-ADC8-E688B47EF468}" type="pres">
+      <dgm:prSet presAssocID="{3AA0E0EA-B8A3-4487-A83F-D28BB0D1A0FE}" presName="hierRoot2" presStyleCnt="0">
         <dgm:presLayoutVars>
           <dgm:hierBranch val="init"/>
         </dgm:presLayoutVars>
       </dgm:prSet>
       <dgm:spPr/>
     </dgm:pt>
-    <dgm:pt modelId="{C5DB592B-F9F8-48E9-8409-AC474ECAAB32}" type="pres">
-      <dgm:prSet presAssocID="{E44E4E02-C06B-4177-BB8B-58B49D7FD26A}" presName="rootComposite" presStyleCnt="0"/>
+    <dgm:pt modelId="{F9524393-25C7-406D-B91E-0B5A4942CF9A}" type="pres">
+      <dgm:prSet presAssocID="{3AA0E0EA-B8A3-4487-A83F-D28BB0D1A0FE}" presName="rootComposite" presStyleCnt="0"/>
       <dgm:spPr/>
     </dgm:pt>
-    <dgm:pt modelId="{75FF2271-D1B7-42AF-B8F3-845679B94B68}" type="pres">
-      <dgm:prSet presAssocID="{E44E4E02-C06B-4177-BB8B-58B49D7FD26A}" presName="rootText" presStyleLbl="node2" presStyleIdx="3" presStyleCnt="4" custLinFactNeighborY="51851">
+    <dgm:pt modelId="{4A54EB2C-BBBA-40AE-A886-50D780179212}" type="pres">
+      <dgm:prSet presAssocID="{3AA0E0EA-B8A3-4487-A83F-D28BB0D1A0FE}" presName="rootText" presStyleLbl="node2" presStyleIdx="4" presStyleCnt="6" custLinFactNeighborX="1756" custLinFactNeighborY="51498">
         <dgm:presLayoutVars>
           <dgm:chPref val="3"/>
         </dgm:presLayoutVars>
@@ -1366,78 +1605,164 @@
         </a:p>
       </dgm:t>
     </dgm:pt>
-    <dgm:pt modelId="{372BD43A-58F6-4343-B88B-898F12FDD55C}" type="pres">
-      <dgm:prSet presAssocID="{E44E4E02-C06B-4177-BB8B-58B49D7FD26A}" presName="rootConnector" presStyleLbl="node2" presStyleIdx="3" presStyleCnt="4"/>
+    <dgm:pt modelId="{8FCC8372-BB88-4D58-B24D-985D6D9000BD}" type="pres">
+      <dgm:prSet presAssocID="{3AA0E0EA-B8A3-4487-A83F-D28BB0D1A0FE}" presName="rootConnector" presStyleLbl="node2" presStyleIdx="4" presStyleCnt="6"/>
+      <dgm:spPr/>
+      <dgm:t>
+        <a:bodyPr/>
+        <a:lstStyle/>
+        <a:p>
+          <a:endParaRPr lang="zh-TW" altLang="en-US"/>
+        </a:p>
+      </dgm:t>
+    </dgm:pt>
+    <dgm:pt modelId="{BC577FDA-D0D0-4E38-8EE8-D4A6D13540DC}" type="pres">
+      <dgm:prSet presAssocID="{3AA0E0EA-B8A3-4487-A83F-D28BB0D1A0FE}" presName="hierChild4" presStyleCnt="0"/>
       <dgm:spPr/>
     </dgm:pt>
-    <dgm:pt modelId="{8036197D-0FB3-4AE1-9938-80F67BA435CB}" type="pres">
-      <dgm:prSet presAssocID="{E44E4E02-C06B-4177-BB8B-58B49D7FD26A}" presName="hierChild4" presStyleCnt="0"/>
+    <dgm:pt modelId="{6D639006-A493-49EF-9A1C-21EC6774A011}" type="pres">
+      <dgm:prSet presAssocID="{3AA0E0EA-B8A3-4487-A83F-D28BB0D1A0FE}" presName="hierChild5" presStyleCnt="0"/>
       <dgm:spPr/>
     </dgm:pt>
-    <dgm:pt modelId="{7CBFF264-A6AA-429B-AA20-585B91A12AA2}" type="pres">
-      <dgm:prSet presAssocID="{E44E4E02-C06B-4177-BB8B-58B49D7FD26A}" presName="hierChild5" presStyleCnt="0"/>
+    <dgm:pt modelId="{BFD332D0-E2AB-4382-8B88-F32D648965EA}" type="pres">
+      <dgm:prSet presAssocID="{C95517A0-0F59-4A35-88B1-96619C4D2077}" presName="Name37" presStyleLbl="parChTrans1D2" presStyleIdx="5" presStyleCnt="6"/>
+      <dgm:spPr/>
+      <dgm:t>
+        <a:bodyPr/>
+        <a:lstStyle/>
+        <a:p>
+          <a:endParaRPr lang="zh-TW" altLang="en-US"/>
+        </a:p>
+      </dgm:t>
+    </dgm:pt>
+    <dgm:pt modelId="{2690D845-38C7-458C-8795-C65635EF3E0B}" type="pres">
+      <dgm:prSet presAssocID="{69526314-59DB-4649-AE1F-C6EFE4309CA3}" presName="hierRoot2" presStyleCnt="0">
+        <dgm:presLayoutVars>
+          <dgm:hierBranch val="init"/>
+        </dgm:presLayoutVars>
+      </dgm:prSet>
       <dgm:spPr/>
     </dgm:pt>
-    <dgm:pt modelId="{21507BD5-F76D-4693-9F81-C557CABF2922}" type="pres">
-      <dgm:prSet presAssocID="{E32D30CD-500C-46E2-9142-B496406C7277}" presName="hierChild3" presStyleCnt="0"/>
+    <dgm:pt modelId="{A67E5423-B957-46CE-AB1C-B9131BC14445}" type="pres">
+      <dgm:prSet presAssocID="{69526314-59DB-4649-AE1F-C6EFE4309CA3}" presName="rootComposite" presStyleCnt="0"/>
+      <dgm:spPr/>
+    </dgm:pt>
+    <dgm:pt modelId="{64EA9517-9A88-4858-977F-393065092BB2}" type="pres">
+      <dgm:prSet presAssocID="{69526314-59DB-4649-AE1F-C6EFE4309CA3}" presName="rootText" presStyleLbl="node2" presStyleIdx="5" presStyleCnt="6" custLinFactNeighborY="51161">
+        <dgm:presLayoutVars>
+          <dgm:chPref val="3"/>
+        </dgm:presLayoutVars>
+      </dgm:prSet>
+      <dgm:spPr/>
+      <dgm:t>
+        <a:bodyPr/>
+        <a:lstStyle/>
+        <a:p>
+          <a:endParaRPr lang="zh-TW" altLang="en-US"/>
+        </a:p>
+      </dgm:t>
+    </dgm:pt>
+    <dgm:pt modelId="{3DB3D66A-F85D-45D3-BD20-325F40E5DA27}" type="pres">
+      <dgm:prSet presAssocID="{69526314-59DB-4649-AE1F-C6EFE4309CA3}" presName="rootConnector" presStyleLbl="node2" presStyleIdx="5" presStyleCnt="6"/>
+      <dgm:spPr/>
+      <dgm:t>
+        <a:bodyPr/>
+        <a:lstStyle/>
+        <a:p>
+          <a:endParaRPr lang="zh-TW" altLang="en-US"/>
+        </a:p>
+      </dgm:t>
+    </dgm:pt>
+    <dgm:pt modelId="{AF50564E-FFE2-48EF-A017-FAAEA7AD15A1}" type="pres">
+      <dgm:prSet presAssocID="{69526314-59DB-4649-AE1F-C6EFE4309CA3}" presName="hierChild4" presStyleCnt="0"/>
+      <dgm:spPr/>
+    </dgm:pt>
+    <dgm:pt modelId="{07CEEEB4-8F5D-4658-AB1D-6FA312E8C59E}" type="pres">
+      <dgm:prSet presAssocID="{69526314-59DB-4649-AE1F-C6EFE4309CA3}" presName="hierChild5" presStyleCnt="0"/>
+      <dgm:spPr/>
+    </dgm:pt>
+    <dgm:pt modelId="{92DB41C2-F528-482F-BA51-0A5C61D15BD9}" type="pres">
+      <dgm:prSet presAssocID="{2E8AC861-DC0B-48A7-9B97-8A7D080F85A8}" presName="hierChild3" presStyleCnt="0"/>
       <dgm:spPr/>
     </dgm:pt>
   </dgm:ptLst>
   <dgm:cxnLst>
-    <dgm:cxn modelId="{1C61375E-9AC8-493F-BF81-7C1C84198CFC}" type="presOf" srcId="{464025C8-345D-4C07-8A39-2FE4A5CEC9D1}" destId="{2DDE91B6-B9C6-4437-8A72-3B1CD1705ABF}" srcOrd="0" destOrd="0" presId="urn:microsoft.com/office/officeart/2005/8/layout/orgChart1"/>
-    <dgm:cxn modelId="{B3E87B35-C092-4508-A775-31D57012FD6B}" type="presOf" srcId="{2BA3B5D8-8640-4F3D-99CB-5293AC178F91}" destId="{6C398403-6C3E-4E20-AF51-9D1386086FF0}" srcOrd="1" destOrd="0" presId="urn:microsoft.com/office/officeart/2005/8/layout/orgChart1"/>
-    <dgm:cxn modelId="{F8C7A5B9-2B8F-4E3F-BF36-E4C858E92E6B}" srcId="{E32D30CD-500C-46E2-9142-B496406C7277}" destId="{902F89F5-C0AD-4C92-9DB7-E55F227F3694}" srcOrd="0" destOrd="0" parTransId="{4E8886B8-5869-4C30-84E4-0CB8A297727C}" sibTransId="{54082911-429B-4776-BB8C-A65590E0C83D}"/>
-    <dgm:cxn modelId="{6A5BC5DB-9AC1-449D-BEE2-CF714454C728}" srcId="{E32D30CD-500C-46E2-9142-B496406C7277}" destId="{0A0FD11B-C4B6-4F11-A592-0BFD22550881}" srcOrd="2" destOrd="0" parTransId="{464025C8-345D-4C07-8A39-2FE4A5CEC9D1}" sibTransId="{44FEB760-0F60-4CD5-8372-686A8147F5E4}"/>
+    <dgm:cxn modelId="{8F6EE3B9-2E32-4A9D-A72D-622F10473070}" type="presOf" srcId="{4E8886B8-5869-4C30-84E4-0CB8A297727C}" destId="{45948BA5-B8E4-42FA-9246-8A27DB4F6F15}" srcOrd="0" destOrd="0" presId="urn:microsoft.com/office/officeart/2005/8/layout/orgChart1"/>
+    <dgm:cxn modelId="{B6E7EA15-09D7-440B-830D-DB57B180A9F1}" srcId="{2E8AC861-DC0B-48A7-9B97-8A7D080F85A8}" destId="{69526314-59DB-4649-AE1F-C6EFE4309CA3}" srcOrd="5" destOrd="0" parTransId="{C95517A0-0F59-4A35-88B1-96619C4D2077}" sibTransId="{AE30E983-859E-4364-843F-95FEE54C6406}"/>
+    <dgm:cxn modelId="{FA3C3455-D6CB-43DD-AFCE-80DE9580DBF8}" type="presOf" srcId="{E32D30CD-500C-46E2-9142-B496406C7277}" destId="{EFB98CF6-7830-4E73-BD18-E9DC8B6A6E04}" srcOrd="1" destOrd="0" presId="urn:microsoft.com/office/officeart/2005/8/layout/orgChart1"/>
+    <dgm:cxn modelId="{6A5BC5DB-9AC1-449D-BEE2-CF714454C728}" srcId="{2E8AC861-DC0B-48A7-9B97-8A7D080F85A8}" destId="{0A0FD11B-C4B6-4F11-A592-0BFD22550881}" srcOrd="3" destOrd="0" parTransId="{464025C8-345D-4C07-8A39-2FE4A5CEC9D1}" sibTransId="{44FEB760-0F60-4CD5-8372-686A8147F5E4}"/>
+    <dgm:cxn modelId="{F8C7A5B9-2B8F-4E3F-BF36-E4C858E92E6B}" srcId="{2E8AC861-DC0B-48A7-9B97-8A7D080F85A8}" destId="{902F89F5-C0AD-4C92-9DB7-E55F227F3694}" srcOrd="1" destOrd="0" parTransId="{4E8886B8-5869-4C30-84E4-0CB8A297727C}" sibTransId="{54082911-429B-4776-BB8C-A65590E0C83D}"/>
+    <dgm:cxn modelId="{911F2F72-89EB-4CFA-8F13-A030A9C64A9A}" type="presOf" srcId="{2BA3B5D8-8640-4F3D-99CB-5293AC178F91}" destId="{671B9302-A755-428C-AECC-BA9B35E19CDC}" srcOrd="0" destOrd="0" presId="urn:microsoft.com/office/officeart/2005/8/layout/orgChart1"/>
+    <dgm:cxn modelId="{437F7C1D-E9A7-4927-AD3E-5D4027259CF1}" type="presOf" srcId="{E91A2D29-61A1-43A9-86E8-B5984E5A3956}" destId="{338F4282-948E-4269-A687-04439903067B}" srcOrd="0" destOrd="0" presId="urn:microsoft.com/office/officeart/2005/8/layout/orgChart1"/>
     <dgm:cxn modelId="{74B06590-2D90-4FBB-BCDF-CB1CC79602DF}" type="presOf" srcId="{76B426B9-0D98-448C-8223-34D3A06E0E58}" destId="{55F4AF9F-43E4-44D4-815C-D348D6CFF4F7}" srcOrd="0" destOrd="0" presId="urn:microsoft.com/office/officeart/2005/8/layout/orgChart1"/>
-    <dgm:cxn modelId="{DF40DDB6-C8ED-4F3A-B1EB-0FF7A94A10B8}" type="presOf" srcId="{E44E4E02-C06B-4177-BB8B-58B49D7FD26A}" destId="{75FF2271-D1B7-42AF-B8F3-845679B94B68}" srcOrd="0" destOrd="0" presId="urn:microsoft.com/office/officeart/2005/8/layout/orgChart1"/>
-    <dgm:cxn modelId="{45EC7DF5-3196-4BDD-8841-5F1A83E71D2E}" type="presOf" srcId="{902F89F5-C0AD-4C92-9DB7-E55F227F3694}" destId="{C4584425-41F2-482D-BAF5-7DF0EE5066FD}" srcOrd="1" destOrd="0" presId="urn:microsoft.com/office/officeart/2005/8/layout/orgChart1"/>
-    <dgm:cxn modelId="{F00EB272-A22E-4618-A4CD-34EE2AAC4D5B}" type="presOf" srcId="{E32D30CD-500C-46E2-9142-B496406C7277}" destId="{FBFC13A7-9616-4D94-95D1-80C619F3C73D}" srcOrd="0" destOrd="0" presId="urn:microsoft.com/office/officeart/2005/8/layout/orgChart1"/>
-    <dgm:cxn modelId="{5CF924B5-B991-4EAB-8FA6-8E9243BE5926}" srcId="{E32D30CD-500C-46E2-9142-B496406C7277}" destId="{2BA3B5D8-8640-4F3D-99CB-5293AC178F91}" srcOrd="1" destOrd="0" parTransId="{E91A2D29-61A1-43A9-86E8-B5984E5A3956}" sibTransId="{43C43E31-5BD6-482F-8778-25D40DC43CD8}"/>
-    <dgm:cxn modelId="{D326992C-6D11-4721-95D6-F57B94F6E791}" type="presOf" srcId="{E91A2D29-61A1-43A9-86E8-B5984E5A3956}" destId="{338F4282-948E-4269-A687-04439903067B}" srcOrd="0" destOrd="0" presId="urn:microsoft.com/office/officeart/2005/8/layout/orgChart1"/>
-    <dgm:cxn modelId="{697A5633-4EA9-4EFA-AD09-962CF17596EB}" type="presOf" srcId="{902F89F5-C0AD-4C92-9DB7-E55F227F3694}" destId="{E0EB96A7-03E4-4690-80AD-28F30E00DB22}" srcOrd="0" destOrd="0" presId="urn:microsoft.com/office/officeart/2005/8/layout/orgChart1"/>
-    <dgm:cxn modelId="{7D14BC55-4A78-4858-AF53-1D37B607169D}" type="presOf" srcId="{2BA3B5D8-8640-4F3D-99CB-5293AC178F91}" destId="{671B9302-A755-428C-AECC-BA9B35E19CDC}" srcOrd="0" destOrd="0" presId="urn:microsoft.com/office/officeart/2005/8/layout/orgChart1"/>
-    <dgm:cxn modelId="{32DCDCD3-A0C7-4FB1-A43F-C3F384CF0D14}" srcId="{E32D30CD-500C-46E2-9142-B496406C7277}" destId="{E44E4E02-C06B-4177-BB8B-58B49D7FD26A}" srcOrd="3" destOrd="0" parTransId="{14F046B9-62EC-4D3E-8CAC-3F5AA7746ACF}" sibTransId="{811F62A5-F1C0-40EC-AFEF-446DE031E650}"/>
-    <dgm:cxn modelId="{7107139E-39B5-42C1-8841-F59F17D2C621}" type="presOf" srcId="{0A0FD11B-C4B6-4F11-A592-0BFD22550881}" destId="{CF2FBC4E-1410-41F9-B2AD-E6B33F0564CA}" srcOrd="1" destOrd="0" presId="urn:microsoft.com/office/officeart/2005/8/layout/orgChart1"/>
-    <dgm:cxn modelId="{50E283B2-BD18-4A57-BF23-DCA2D98F2463}" type="presOf" srcId="{0A0FD11B-C4B6-4F11-A592-0BFD22550881}" destId="{0B7746AF-9222-473E-ADCA-FC9B62CA4FA8}" srcOrd="0" destOrd="0" presId="urn:microsoft.com/office/officeart/2005/8/layout/orgChart1"/>
-    <dgm:cxn modelId="{15E8325A-8B9D-494D-A046-6F340E610D64}" type="presOf" srcId="{14F046B9-62EC-4D3E-8CAC-3F5AA7746ACF}" destId="{A6320DD9-730C-4D8C-B24F-F63272D83D4E}" srcOrd="0" destOrd="0" presId="urn:microsoft.com/office/officeart/2005/8/layout/orgChart1"/>
-    <dgm:cxn modelId="{5899CF75-E0C9-4D40-890B-6702ABC1359A}" type="presOf" srcId="{4E8886B8-5869-4C30-84E4-0CB8A297727C}" destId="{45948BA5-B8E4-42FA-9246-8A27DB4F6F15}" srcOrd="0" destOrd="0" presId="urn:microsoft.com/office/officeart/2005/8/layout/orgChart1"/>
-    <dgm:cxn modelId="{1362C93C-1BB5-4200-87DF-80F19D6BFFC9}" srcId="{76B426B9-0D98-448C-8223-34D3A06E0E58}" destId="{E32D30CD-500C-46E2-9142-B496406C7277}" srcOrd="0" destOrd="0" parTransId="{D15C4ACF-81E3-459C-88AA-4D51EDA002C0}" sibTransId="{A08D0CDD-225B-48F1-BFC5-21B9E13A71F2}"/>
-    <dgm:cxn modelId="{5C5AFD70-5B54-43DD-9A7C-89AECA95B3D3}" type="presOf" srcId="{E44E4E02-C06B-4177-BB8B-58B49D7FD26A}" destId="{372BD43A-58F6-4343-B88B-898F12FDD55C}" srcOrd="1" destOrd="0" presId="urn:microsoft.com/office/officeart/2005/8/layout/orgChart1"/>
-    <dgm:cxn modelId="{9AD86715-D6ED-4522-9798-44B67A345228}" type="presOf" srcId="{E32D30CD-500C-46E2-9142-B496406C7277}" destId="{8C9F0FB8-845A-4EAD-B8B0-83B4AFBAB99B}" srcOrd="1" destOrd="0" presId="urn:microsoft.com/office/officeart/2005/8/layout/orgChart1"/>
-    <dgm:cxn modelId="{95F8B1B8-1130-4A8F-B832-A1657B3ED8B5}" type="presParOf" srcId="{55F4AF9F-43E4-44D4-815C-D348D6CFF4F7}" destId="{C24F75B6-5369-44BE-8A60-2372406A7BF8}" srcOrd="0" destOrd="0" presId="urn:microsoft.com/office/officeart/2005/8/layout/orgChart1"/>
-    <dgm:cxn modelId="{8EEF8F10-C4F9-448A-BE57-E41676F0A69A}" type="presParOf" srcId="{C24F75B6-5369-44BE-8A60-2372406A7BF8}" destId="{B751F1DD-7A9A-4495-865D-E36DBA32ED5E}" srcOrd="0" destOrd="0" presId="urn:microsoft.com/office/officeart/2005/8/layout/orgChart1"/>
-    <dgm:cxn modelId="{8DFC96A5-1ADD-4388-AFAB-2488A61A749E}" type="presParOf" srcId="{B751F1DD-7A9A-4495-865D-E36DBA32ED5E}" destId="{FBFC13A7-9616-4D94-95D1-80C619F3C73D}" srcOrd="0" destOrd="0" presId="urn:microsoft.com/office/officeart/2005/8/layout/orgChart1"/>
-    <dgm:cxn modelId="{86DDC58C-BE69-4CE5-B51B-ADB086571B06}" type="presParOf" srcId="{B751F1DD-7A9A-4495-865D-E36DBA32ED5E}" destId="{8C9F0FB8-845A-4EAD-B8B0-83B4AFBAB99B}" srcOrd="1" destOrd="0" presId="urn:microsoft.com/office/officeart/2005/8/layout/orgChart1"/>
-    <dgm:cxn modelId="{1F2E8AFA-E9B9-4F38-AB8F-C6FCB4B8BF61}" type="presParOf" srcId="{C24F75B6-5369-44BE-8A60-2372406A7BF8}" destId="{0082E709-0794-4C29-9318-1A325E6992C0}" srcOrd="1" destOrd="0" presId="urn:microsoft.com/office/officeart/2005/8/layout/orgChart1"/>
-    <dgm:cxn modelId="{F2DFDF35-E9F1-4ED7-AFB1-661FF239CEB2}" type="presParOf" srcId="{0082E709-0794-4C29-9318-1A325E6992C0}" destId="{45948BA5-B8E4-42FA-9246-8A27DB4F6F15}" srcOrd="0" destOrd="0" presId="urn:microsoft.com/office/officeart/2005/8/layout/orgChart1"/>
-    <dgm:cxn modelId="{CA4D4102-0D86-4BEB-B684-8AB5705FB703}" type="presParOf" srcId="{0082E709-0794-4C29-9318-1A325E6992C0}" destId="{7D04B4FF-0B89-412F-9710-7977C34261DD}" srcOrd="1" destOrd="0" presId="urn:microsoft.com/office/officeart/2005/8/layout/orgChart1"/>
-    <dgm:cxn modelId="{D9508BA8-6127-4C3E-9CF4-FB229C38DFA1}" type="presParOf" srcId="{7D04B4FF-0B89-412F-9710-7977C34261DD}" destId="{DB03BC9E-83B2-4785-A268-334DF6D9C47F}" srcOrd="0" destOrd="0" presId="urn:microsoft.com/office/officeart/2005/8/layout/orgChart1"/>
-    <dgm:cxn modelId="{210CFEC3-A7B3-4153-88DD-172ADEC8D2AC}" type="presParOf" srcId="{DB03BC9E-83B2-4785-A268-334DF6D9C47F}" destId="{E0EB96A7-03E4-4690-80AD-28F30E00DB22}" srcOrd="0" destOrd="0" presId="urn:microsoft.com/office/officeart/2005/8/layout/orgChart1"/>
-    <dgm:cxn modelId="{8EA7C809-A2FB-4FE6-A3EF-972172BEC004}" type="presParOf" srcId="{DB03BC9E-83B2-4785-A268-334DF6D9C47F}" destId="{C4584425-41F2-482D-BAF5-7DF0EE5066FD}" srcOrd="1" destOrd="0" presId="urn:microsoft.com/office/officeart/2005/8/layout/orgChart1"/>
-    <dgm:cxn modelId="{27911B91-0A5B-4E9E-9CE2-ED75F47AD766}" type="presParOf" srcId="{7D04B4FF-0B89-412F-9710-7977C34261DD}" destId="{D377AE8F-97F2-4EA9-8F32-E93109CD6C29}" srcOrd="1" destOrd="0" presId="urn:microsoft.com/office/officeart/2005/8/layout/orgChart1"/>
-    <dgm:cxn modelId="{949335FE-6F3E-4564-BB5C-1630854C70F6}" type="presParOf" srcId="{7D04B4FF-0B89-412F-9710-7977C34261DD}" destId="{00A3918D-014A-48DF-B0A4-F81DBCD93446}" srcOrd="2" destOrd="0" presId="urn:microsoft.com/office/officeart/2005/8/layout/orgChart1"/>
-    <dgm:cxn modelId="{E15203EC-8832-4663-A529-685F4C78D3CC}" type="presParOf" srcId="{0082E709-0794-4C29-9318-1A325E6992C0}" destId="{338F4282-948E-4269-A687-04439903067B}" srcOrd="2" destOrd="0" presId="urn:microsoft.com/office/officeart/2005/8/layout/orgChart1"/>
-    <dgm:cxn modelId="{9A4BBD88-0884-4CD6-B047-DA72A338DDBF}" type="presParOf" srcId="{0082E709-0794-4C29-9318-1A325E6992C0}" destId="{AEDF8AC6-AB37-4C58-B340-F322FAD2386A}" srcOrd="3" destOrd="0" presId="urn:microsoft.com/office/officeart/2005/8/layout/orgChart1"/>
-    <dgm:cxn modelId="{42314BB6-56BF-41D2-B9EE-7CE19AD99141}" type="presParOf" srcId="{AEDF8AC6-AB37-4C58-B340-F322FAD2386A}" destId="{5603B487-7650-47AC-8639-C74853DF9B1F}" srcOrd="0" destOrd="0" presId="urn:microsoft.com/office/officeart/2005/8/layout/orgChart1"/>
-    <dgm:cxn modelId="{DBD90DB6-7155-4DDB-8C30-B0770649325D}" type="presParOf" srcId="{5603B487-7650-47AC-8639-C74853DF9B1F}" destId="{671B9302-A755-428C-AECC-BA9B35E19CDC}" srcOrd="0" destOrd="0" presId="urn:microsoft.com/office/officeart/2005/8/layout/orgChart1"/>
-    <dgm:cxn modelId="{D3436B7E-F497-43D6-952D-0095F0209BB9}" type="presParOf" srcId="{5603B487-7650-47AC-8639-C74853DF9B1F}" destId="{6C398403-6C3E-4E20-AF51-9D1386086FF0}" srcOrd="1" destOrd="0" presId="urn:microsoft.com/office/officeart/2005/8/layout/orgChart1"/>
-    <dgm:cxn modelId="{E93BAFB2-C573-4D96-8C76-A4085027C8C8}" type="presParOf" srcId="{AEDF8AC6-AB37-4C58-B340-F322FAD2386A}" destId="{AB1525A3-3CE7-4DA2-9937-F1066094CCFB}" srcOrd="1" destOrd="0" presId="urn:microsoft.com/office/officeart/2005/8/layout/orgChart1"/>
-    <dgm:cxn modelId="{101B557C-6552-4934-A0A0-981FD0866D5A}" type="presParOf" srcId="{AEDF8AC6-AB37-4C58-B340-F322FAD2386A}" destId="{5B620195-6434-4EF8-9819-9AA1D2AA6680}" srcOrd="2" destOrd="0" presId="urn:microsoft.com/office/officeart/2005/8/layout/orgChart1"/>
-    <dgm:cxn modelId="{37B8504B-5EEA-4640-9293-A7C1829E82ED}" type="presParOf" srcId="{0082E709-0794-4C29-9318-1A325E6992C0}" destId="{2DDE91B6-B9C6-4437-8A72-3B1CD1705ABF}" srcOrd="4" destOrd="0" presId="urn:microsoft.com/office/officeart/2005/8/layout/orgChart1"/>
-    <dgm:cxn modelId="{A3375F94-2ECB-4ED4-918C-685F8BF87BB8}" type="presParOf" srcId="{0082E709-0794-4C29-9318-1A325E6992C0}" destId="{18558480-40DD-40BA-983A-137708EFA60F}" srcOrd="5" destOrd="0" presId="urn:microsoft.com/office/officeart/2005/8/layout/orgChart1"/>
-    <dgm:cxn modelId="{E7A3BFFB-879D-461A-A800-3A4B6A957C80}" type="presParOf" srcId="{18558480-40DD-40BA-983A-137708EFA60F}" destId="{486FE069-4B29-4353-8FFB-AF2DEEC3E307}" srcOrd="0" destOrd="0" presId="urn:microsoft.com/office/officeart/2005/8/layout/orgChart1"/>
-    <dgm:cxn modelId="{A040ACAA-C12C-4564-A8DF-40FEE52D418A}" type="presParOf" srcId="{486FE069-4B29-4353-8FFB-AF2DEEC3E307}" destId="{0B7746AF-9222-473E-ADCA-FC9B62CA4FA8}" srcOrd="0" destOrd="0" presId="urn:microsoft.com/office/officeart/2005/8/layout/orgChart1"/>
-    <dgm:cxn modelId="{755E04E0-CB98-4569-AFC6-2637074EE1EC}" type="presParOf" srcId="{486FE069-4B29-4353-8FFB-AF2DEEC3E307}" destId="{CF2FBC4E-1410-41F9-B2AD-E6B33F0564CA}" srcOrd="1" destOrd="0" presId="urn:microsoft.com/office/officeart/2005/8/layout/orgChart1"/>
-    <dgm:cxn modelId="{3663D4BC-A29E-46D9-BFDC-047092BF1021}" type="presParOf" srcId="{18558480-40DD-40BA-983A-137708EFA60F}" destId="{D576F044-14B0-48F5-9D8B-4C01CA5320C1}" srcOrd="1" destOrd="0" presId="urn:microsoft.com/office/officeart/2005/8/layout/orgChart1"/>
-    <dgm:cxn modelId="{1A356EF4-1CA0-46F7-A3F4-C62F6895BD6E}" type="presParOf" srcId="{18558480-40DD-40BA-983A-137708EFA60F}" destId="{BD5B9152-F687-4C09-B342-174A34D907DF}" srcOrd="2" destOrd="0" presId="urn:microsoft.com/office/officeart/2005/8/layout/orgChart1"/>
-    <dgm:cxn modelId="{92153A84-0A64-49B5-A984-F510EE80186E}" type="presParOf" srcId="{0082E709-0794-4C29-9318-1A325E6992C0}" destId="{A6320DD9-730C-4D8C-B24F-F63272D83D4E}" srcOrd="6" destOrd="0" presId="urn:microsoft.com/office/officeart/2005/8/layout/orgChart1"/>
-    <dgm:cxn modelId="{E9CC55A9-7647-440B-985D-DD48819B06D8}" type="presParOf" srcId="{0082E709-0794-4C29-9318-1A325E6992C0}" destId="{9EECA088-D2DF-4579-B872-113CB7B08968}" srcOrd="7" destOrd="0" presId="urn:microsoft.com/office/officeart/2005/8/layout/orgChart1"/>
-    <dgm:cxn modelId="{F9DB3CCA-7EB9-4BFA-9D48-5208DA268F12}" type="presParOf" srcId="{9EECA088-D2DF-4579-B872-113CB7B08968}" destId="{C5DB592B-F9F8-48E9-8409-AC474ECAAB32}" srcOrd="0" destOrd="0" presId="urn:microsoft.com/office/officeart/2005/8/layout/orgChart1"/>
-    <dgm:cxn modelId="{4F1CE3BC-E2DE-4EF4-B359-2A121A610C6D}" type="presParOf" srcId="{C5DB592B-F9F8-48E9-8409-AC474ECAAB32}" destId="{75FF2271-D1B7-42AF-B8F3-845679B94B68}" srcOrd="0" destOrd="0" presId="urn:microsoft.com/office/officeart/2005/8/layout/orgChart1"/>
-    <dgm:cxn modelId="{63041115-EE20-453F-8DA9-621E763064A6}" type="presParOf" srcId="{C5DB592B-F9F8-48E9-8409-AC474ECAAB32}" destId="{372BD43A-58F6-4343-B88B-898F12FDD55C}" srcOrd="1" destOrd="0" presId="urn:microsoft.com/office/officeart/2005/8/layout/orgChart1"/>
-    <dgm:cxn modelId="{CD1E7F78-432C-4695-AFE1-57503F469007}" type="presParOf" srcId="{9EECA088-D2DF-4579-B872-113CB7B08968}" destId="{8036197D-0FB3-4AE1-9938-80F67BA435CB}" srcOrd="1" destOrd="0" presId="urn:microsoft.com/office/officeart/2005/8/layout/orgChart1"/>
-    <dgm:cxn modelId="{DC7E845F-D15C-4562-AD22-008523A76109}" type="presParOf" srcId="{9EECA088-D2DF-4579-B872-113CB7B08968}" destId="{7CBFF264-A6AA-429B-AA20-585B91A12AA2}" srcOrd="2" destOrd="0" presId="urn:microsoft.com/office/officeart/2005/8/layout/orgChart1"/>
-    <dgm:cxn modelId="{CBB1FAC4-7EB5-415F-9F84-A2A3ED719C8E}" type="presParOf" srcId="{C24F75B6-5369-44BE-8A60-2372406A7BF8}" destId="{21507BD5-F76D-4693-9F81-C557CABF2922}" srcOrd="2" destOrd="0" presId="urn:microsoft.com/office/officeart/2005/8/layout/orgChart1"/>
+    <dgm:cxn modelId="{D9D43F19-1F8E-4045-A936-7B2E38B2053D}" type="presOf" srcId="{2E8AC861-DC0B-48A7-9B97-8A7D080F85A8}" destId="{A7086EE2-7254-43D3-B7A9-6347421F20FE}" srcOrd="1" destOrd="0" presId="urn:microsoft.com/office/officeart/2005/8/layout/orgChart1"/>
+    <dgm:cxn modelId="{D4810D1D-A5B0-4B5D-9212-A889AC4D914F}" srcId="{2E8AC861-DC0B-48A7-9B97-8A7D080F85A8}" destId="{3AA0E0EA-B8A3-4487-A83F-D28BB0D1A0FE}" srcOrd="4" destOrd="0" parTransId="{EE9D80BF-1CCF-4866-96C3-DEF1EDF82061}" sibTransId="{A39FDA19-E76C-4C2D-BB8D-888EB9A37819}"/>
+    <dgm:cxn modelId="{07914DBC-7450-456E-8E38-704C45E2C581}" type="presOf" srcId="{69526314-59DB-4649-AE1F-C6EFE4309CA3}" destId="{3DB3D66A-F85D-45D3-BD20-325F40E5DA27}" srcOrd="1" destOrd="0" presId="urn:microsoft.com/office/officeart/2005/8/layout/orgChart1"/>
+    <dgm:cxn modelId="{5A04FD75-AC6E-46CF-AF84-3974AEBA18F3}" type="presOf" srcId="{E32D30CD-500C-46E2-9142-B496406C7277}" destId="{C9414637-4C3E-4C04-AD8D-393CDDA64A19}" srcOrd="0" destOrd="0" presId="urn:microsoft.com/office/officeart/2005/8/layout/orgChart1"/>
+    <dgm:cxn modelId="{3B6B9114-2459-488C-BDE6-5E6977411A7E}" type="presOf" srcId="{69526314-59DB-4649-AE1F-C6EFE4309CA3}" destId="{64EA9517-9A88-4858-977F-393065092BB2}" srcOrd="0" destOrd="0" presId="urn:microsoft.com/office/officeart/2005/8/layout/orgChart1"/>
+    <dgm:cxn modelId="{437940CA-A9BB-4F90-ADA5-263A3814A4DF}" type="presOf" srcId="{C95517A0-0F59-4A35-88B1-96619C4D2077}" destId="{BFD332D0-E2AB-4382-8B88-F32D648965EA}" srcOrd="0" destOrd="0" presId="urn:microsoft.com/office/officeart/2005/8/layout/orgChart1"/>
+    <dgm:cxn modelId="{8F55C6A8-85B0-4DB0-BA47-189A18E04553}" type="presOf" srcId="{D15C4ACF-81E3-459C-88AA-4D51EDA002C0}" destId="{B5BC34DB-018C-4A62-963B-A48FBF5439C5}" srcOrd="0" destOrd="0" presId="urn:microsoft.com/office/officeart/2005/8/layout/orgChart1"/>
+    <dgm:cxn modelId="{2797B8BD-FC49-48D4-84DD-5AE4CB9791A6}" type="presOf" srcId="{EE9D80BF-1CCF-4866-96C3-DEF1EDF82061}" destId="{28D9CCBA-3EEA-429C-B355-98B6E167DE71}" srcOrd="0" destOrd="0" presId="urn:microsoft.com/office/officeart/2005/8/layout/orgChart1"/>
+    <dgm:cxn modelId="{4F995AFC-CE5C-44AA-8365-C00303B8AF5C}" type="presOf" srcId="{0A0FD11B-C4B6-4F11-A592-0BFD22550881}" destId="{CF2FBC4E-1410-41F9-B2AD-E6B33F0564CA}" srcOrd="1" destOrd="0" presId="urn:microsoft.com/office/officeart/2005/8/layout/orgChart1"/>
+    <dgm:cxn modelId="{56366E53-C1B3-4B73-BEB4-6A3A259072AA}" type="presOf" srcId="{3AA0E0EA-B8A3-4487-A83F-D28BB0D1A0FE}" destId="{4A54EB2C-BBBA-40AE-A886-50D780179212}" srcOrd="0" destOrd="0" presId="urn:microsoft.com/office/officeart/2005/8/layout/orgChart1"/>
+    <dgm:cxn modelId="{1AF30059-E185-4D69-866D-2C140765BBEF}" type="presOf" srcId="{464025C8-345D-4C07-8A39-2FE4A5CEC9D1}" destId="{2DDE91B6-B9C6-4437-8A72-3B1CD1705ABF}" srcOrd="0" destOrd="0" presId="urn:microsoft.com/office/officeart/2005/8/layout/orgChart1"/>
+    <dgm:cxn modelId="{5CF924B5-B991-4EAB-8FA6-8E9243BE5926}" srcId="{2E8AC861-DC0B-48A7-9B97-8A7D080F85A8}" destId="{2BA3B5D8-8640-4F3D-99CB-5293AC178F91}" srcOrd="2" destOrd="0" parTransId="{E91A2D29-61A1-43A9-86E8-B5984E5A3956}" sibTransId="{43C43E31-5BD6-482F-8778-25D40DC43CD8}"/>
+    <dgm:cxn modelId="{10D68F68-B1E7-4615-A948-A1DEE9206E5D}" type="presOf" srcId="{902F89F5-C0AD-4C92-9DB7-E55F227F3694}" destId="{C4584425-41F2-482D-BAF5-7DF0EE5066FD}" srcOrd="1" destOrd="0" presId="urn:microsoft.com/office/officeart/2005/8/layout/orgChart1"/>
+    <dgm:cxn modelId="{8BF00994-135A-42B1-85FC-5C2BCA55A5D9}" type="presOf" srcId="{2BA3B5D8-8640-4F3D-99CB-5293AC178F91}" destId="{6C398403-6C3E-4E20-AF51-9D1386086FF0}" srcOrd="1" destOrd="0" presId="urn:microsoft.com/office/officeart/2005/8/layout/orgChart1"/>
+    <dgm:cxn modelId="{B2EF61F8-A78F-4BF6-B757-A880E1785412}" srcId="{76B426B9-0D98-448C-8223-34D3A06E0E58}" destId="{2E8AC861-DC0B-48A7-9B97-8A7D080F85A8}" srcOrd="0" destOrd="0" parTransId="{8B0BDAA5-F6BF-4A3F-AAE5-48CE7ACCCC3B}" sibTransId="{0802B24D-77F5-443C-A606-2B89D4780E46}"/>
+    <dgm:cxn modelId="{9AD4EBE7-600A-40CE-BD47-C1DDE1F46EDB}" type="presOf" srcId="{3AA0E0EA-B8A3-4487-A83F-D28BB0D1A0FE}" destId="{8FCC8372-BB88-4D58-B24D-985D6D9000BD}" srcOrd="1" destOrd="0" presId="urn:microsoft.com/office/officeart/2005/8/layout/orgChart1"/>
+    <dgm:cxn modelId="{DEC75A2F-A963-4B92-B312-093BD1505FF4}" type="presOf" srcId="{902F89F5-C0AD-4C92-9DB7-E55F227F3694}" destId="{E0EB96A7-03E4-4690-80AD-28F30E00DB22}" srcOrd="0" destOrd="0" presId="urn:microsoft.com/office/officeart/2005/8/layout/orgChart1"/>
+    <dgm:cxn modelId="{E382A5A8-CEBE-4052-B863-B67775C97FF6}" type="presOf" srcId="{2E8AC861-DC0B-48A7-9B97-8A7D080F85A8}" destId="{EF09773A-9064-45E7-B31C-BD5E458A9496}" srcOrd="0" destOrd="0" presId="urn:microsoft.com/office/officeart/2005/8/layout/orgChart1"/>
+    <dgm:cxn modelId="{1362C93C-1BB5-4200-87DF-80F19D6BFFC9}" srcId="{2E8AC861-DC0B-48A7-9B97-8A7D080F85A8}" destId="{E32D30CD-500C-46E2-9142-B496406C7277}" srcOrd="0" destOrd="0" parTransId="{D15C4ACF-81E3-459C-88AA-4D51EDA002C0}" sibTransId="{A08D0CDD-225B-48F1-BFC5-21B9E13A71F2}"/>
+    <dgm:cxn modelId="{487E1A5E-2E35-4217-9463-639F69C251F7}" type="presOf" srcId="{0A0FD11B-C4B6-4F11-A592-0BFD22550881}" destId="{0B7746AF-9222-473E-ADCA-FC9B62CA4FA8}" srcOrd="0" destOrd="0" presId="urn:microsoft.com/office/officeart/2005/8/layout/orgChart1"/>
+    <dgm:cxn modelId="{1E0DD1DA-7F0E-4184-AAC5-B804EAA2182A}" type="presParOf" srcId="{55F4AF9F-43E4-44D4-815C-D348D6CFF4F7}" destId="{C455DF5C-DC8A-47A4-84B7-720BFD6C5C86}" srcOrd="0" destOrd="0" presId="urn:microsoft.com/office/officeart/2005/8/layout/orgChart1"/>
+    <dgm:cxn modelId="{9B1D41BD-4E78-424C-94F9-D6A05692B3F2}" type="presParOf" srcId="{C455DF5C-DC8A-47A4-84B7-720BFD6C5C86}" destId="{3BAE593D-7E9E-4A1C-9E80-B9B2AEACDAE9}" srcOrd="0" destOrd="0" presId="urn:microsoft.com/office/officeart/2005/8/layout/orgChart1"/>
+    <dgm:cxn modelId="{6419446F-A3EE-4407-850A-D317A4F73081}" type="presParOf" srcId="{3BAE593D-7E9E-4A1C-9E80-B9B2AEACDAE9}" destId="{EF09773A-9064-45E7-B31C-BD5E458A9496}" srcOrd="0" destOrd="0" presId="urn:microsoft.com/office/officeart/2005/8/layout/orgChart1"/>
+    <dgm:cxn modelId="{E11026CA-2173-4722-BFC9-F56B376B0C76}" type="presParOf" srcId="{3BAE593D-7E9E-4A1C-9E80-B9B2AEACDAE9}" destId="{A7086EE2-7254-43D3-B7A9-6347421F20FE}" srcOrd="1" destOrd="0" presId="urn:microsoft.com/office/officeart/2005/8/layout/orgChart1"/>
+    <dgm:cxn modelId="{C37EAC13-5F4D-430D-B187-E8013B34FC7B}" type="presParOf" srcId="{C455DF5C-DC8A-47A4-84B7-720BFD6C5C86}" destId="{7748C1F6-644B-467A-9FA2-052E4821742F}" srcOrd="1" destOrd="0" presId="urn:microsoft.com/office/officeart/2005/8/layout/orgChart1"/>
+    <dgm:cxn modelId="{FA65F800-FF9F-4DC6-B802-359E8CF1DDA9}" type="presParOf" srcId="{7748C1F6-644B-467A-9FA2-052E4821742F}" destId="{B5BC34DB-018C-4A62-963B-A48FBF5439C5}" srcOrd="0" destOrd="0" presId="urn:microsoft.com/office/officeart/2005/8/layout/orgChart1"/>
+    <dgm:cxn modelId="{B0B5A30B-AFB1-4BAB-8B77-521223E334F5}" type="presParOf" srcId="{7748C1F6-644B-467A-9FA2-052E4821742F}" destId="{D57BEC49-DBF1-41D0-A611-1B83ADBE911D}" srcOrd="1" destOrd="0" presId="urn:microsoft.com/office/officeart/2005/8/layout/orgChart1"/>
+    <dgm:cxn modelId="{C3F73F6D-DC8F-4EA9-8599-F7C628AFC45B}" type="presParOf" srcId="{D57BEC49-DBF1-41D0-A611-1B83ADBE911D}" destId="{647E4314-D0C1-4A55-9A1E-9058073ACFDA}" srcOrd="0" destOrd="0" presId="urn:microsoft.com/office/officeart/2005/8/layout/orgChart1"/>
+    <dgm:cxn modelId="{D07E85E7-6E93-49F8-A982-0B3B9E13CE0D}" type="presParOf" srcId="{647E4314-D0C1-4A55-9A1E-9058073ACFDA}" destId="{C9414637-4C3E-4C04-AD8D-393CDDA64A19}" srcOrd="0" destOrd="0" presId="urn:microsoft.com/office/officeart/2005/8/layout/orgChart1"/>
+    <dgm:cxn modelId="{EEBA23BF-CA8C-47BF-83F9-5B101F7171D6}" type="presParOf" srcId="{647E4314-D0C1-4A55-9A1E-9058073ACFDA}" destId="{EFB98CF6-7830-4E73-BD18-E9DC8B6A6E04}" srcOrd="1" destOrd="0" presId="urn:microsoft.com/office/officeart/2005/8/layout/orgChart1"/>
+    <dgm:cxn modelId="{FE4C502B-1137-41A0-9167-4491840A7851}" type="presParOf" srcId="{D57BEC49-DBF1-41D0-A611-1B83ADBE911D}" destId="{7D6CEF3B-56CE-450B-B2DB-0BDA8DFB2579}" srcOrd="1" destOrd="0" presId="urn:microsoft.com/office/officeart/2005/8/layout/orgChart1"/>
+    <dgm:cxn modelId="{1871BA60-BA4D-43E1-8C77-41A9C0A2BD2D}" type="presParOf" srcId="{D57BEC49-DBF1-41D0-A611-1B83ADBE911D}" destId="{B5D7AD5B-7882-4E27-9A7E-4D270FB91287}" srcOrd="2" destOrd="0" presId="urn:microsoft.com/office/officeart/2005/8/layout/orgChart1"/>
+    <dgm:cxn modelId="{B4530D60-4B31-4049-80D2-ACA082555203}" type="presParOf" srcId="{7748C1F6-644B-467A-9FA2-052E4821742F}" destId="{45948BA5-B8E4-42FA-9246-8A27DB4F6F15}" srcOrd="2" destOrd="0" presId="urn:microsoft.com/office/officeart/2005/8/layout/orgChart1"/>
+    <dgm:cxn modelId="{2D13C313-C6B4-4068-9CBB-F6C506739DB4}" type="presParOf" srcId="{7748C1F6-644B-467A-9FA2-052E4821742F}" destId="{7D04B4FF-0B89-412F-9710-7977C34261DD}" srcOrd="3" destOrd="0" presId="urn:microsoft.com/office/officeart/2005/8/layout/orgChart1"/>
+    <dgm:cxn modelId="{F1EB85F5-63B4-405F-97CF-23E263E3AC1A}" type="presParOf" srcId="{7D04B4FF-0B89-412F-9710-7977C34261DD}" destId="{DB03BC9E-83B2-4785-A268-334DF6D9C47F}" srcOrd="0" destOrd="0" presId="urn:microsoft.com/office/officeart/2005/8/layout/orgChart1"/>
+    <dgm:cxn modelId="{2F8F61F2-6C0A-4CDC-BD4E-633A32158C3E}" type="presParOf" srcId="{DB03BC9E-83B2-4785-A268-334DF6D9C47F}" destId="{E0EB96A7-03E4-4690-80AD-28F30E00DB22}" srcOrd="0" destOrd="0" presId="urn:microsoft.com/office/officeart/2005/8/layout/orgChart1"/>
+    <dgm:cxn modelId="{8B27236C-67A9-4980-9379-BEE4D4524F3A}" type="presParOf" srcId="{DB03BC9E-83B2-4785-A268-334DF6D9C47F}" destId="{C4584425-41F2-482D-BAF5-7DF0EE5066FD}" srcOrd="1" destOrd="0" presId="urn:microsoft.com/office/officeart/2005/8/layout/orgChart1"/>
+    <dgm:cxn modelId="{569DF2B7-0353-44BA-9A4F-33F479361792}" type="presParOf" srcId="{7D04B4FF-0B89-412F-9710-7977C34261DD}" destId="{D377AE8F-97F2-4EA9-8F32-E93109CD6C29}" srcOrd="1" destOrd="0" presId="urn:microsoft.com/office/officeart/2005/8/layout/orgChart1"/>
+    <dgm:cxn modelId="{B60C5D36-834B-426A-BAE7-CFCBA0CDEA2A}" type="presParOf" srcId="{7D04B4FF-0B89-412F-9710-7977C34261DD}" destId="{00A3918D-014A-48DF-B0A4-F81DBCD93446}" srcOrd="2" destOrd="0" presId="urn:microsoft.com/office/officeart/2005/8/layout/orgChart1"/>
+    <dgm:cxn modelId="{C0813236-46F2-4BC4-A797-1DC3E4760979}" type="presParOf" srcId="{7748C1F6-644B-467A-9FA2-052E4821742F}" destId="{338F4282-948E-4269-A687-04439903067B}" srcOrd="4" destOrd="0" presId="urn:microsoft.com/office/officeart/2005/8/layout/orgChart1"/>
+    <dgm:cxn modelId="{F19D5DED-5985-42B6-92CF-490FA1D89600}" type="presParOf" srcId="{7748C1F6-644B-467A-9FA2-052E4821742F}" destId="{AEDF8AC6-AB37-4C58-B340-F322FAD2386A}" srcOrd="5" destOrd="0" presId="urn:microsoft.com/office/officeart/2005/8/layout/orgChart1"/>
+    <dgm:cxn modelId="{BBC5EA1C-0029-4EB4-9A88-1687BD5DFB58}" type="presParOf" srcId="{AEDF8AC6-AB37-4C58-B340-F322FAD2386A}" destId="{5603B487-7650-47AC-8639-C74853DF9B1F}" srcOrd="0" destOrd="0" presId="urn:microsoft.com/office/officeart/2005/8/layout/orgChart1"/>
+    <dgm:cxn modelId="{03E1A508-6E17-4673-A78C-1DE21D24988D}" type="presParOf" srcId="{5603B487-7650-47AC-8639-C74853DF9B1F}" destId="{671B9302-A755-428C-AECC-BA9B35E19CDC}" srcOrd="0" destOrd="0" presId="urn:microsoft.com/office/officeart/2005/8/layout/orgChart1"/>
+    <dgm:cxn modelId="{E5CEAE6E-0BE6-4032-94AE-621E92B30D60}" type="presParOf" srcId="{5603B487-7650-47AC-8639-C74853DF9B1F}" destId="{6C398403-6C3E-4E20-AF51-9D1386086FF0}" srcOrd="1" destOrd="0" presId="urn:microsoft.com/office/officeart/2005/8/layout/orgChart1"/>
+    <dgm:cxn modelId="{3CB80644-B842-4D2C-87B1-382200AA81B1}" type="presParOf" srcId="{AEDF8AC6-AB37-4C58-B340-F322FAD2386A}" destId="{AB1525A3-3CE7-4DA2-9937-F1066094CCFB}" srcOrd="1" destOrd="0" presId="urn:microsoft.com/office/officeart/2005/8/layout/orgChart1"/>
+    <dgm:cxn modelId="{D178D906-A9CA-4E16-BA76-50A0DA1E1CDF}" type="presParOf" srcId="{AEDF8AC6-AB37-4C58-B340-F322FAD2386A}" destId="{5B620195-6434-4EF8-9819-9AA1D2AA6680}" srcOrd="2" destOrd="0" presId="urn:microsoft.com/office/officeart/2005/8/layout/orgChart1"/>
+    <dgm:cxn modelId="{24C7272C-9CDA-464E-A690-D9BCC2EE1D30}" type="presParOf" srcId="{7748C1F6-644B-467A-9FA2-052E4821742F}" destId="{2DDE91B6-B9C6-4437-8A72-3B1CD1705ABF}" srcOrd="6" destOrd="0" presId="urn:microsoft.com/office/officeart/2005/8/layout/orgChart1"/>
+    <dgm:cxn modelId="{F159A90E-AD25-41AA-9DEB-E7230833AFFB}" type="presParOf" srcId="{7748C1F6-644B-467A-9FA2-052E4821742F}" destId="{18558480-40DD-40BA-983A-137708EFA60F}" srcOrd="7" destOrd="0" presId="urn:microsoft.com/office/officeart/2005/8/layout/orgChart1"/>
+    <dgm:cxn modelId="{93851FE1-5B44-4AF3-9114-3112C31E095D}" type="presParOf" srcId="{18558480-40DD-40BA-983A-137708EFA60F}" destId="{486FE069-4B29-4353-8FFB-AF2DEEC3E307}" srcOrd="0" destOrd="0" presId="urn:microsoft.com/office/officeart/2005/8/layout/orgChart1"/>
+    <dgm:cxn modelId="{11DF5819-0964-4682-8772-7A832807E99B}" type="presParOf" srcId="{486FE069-4B29-4353-8FFB-AF2DEEC3E307}" destId="{0B7746AF-9222-473E-ADCA-FC9B62CA4FA8}" srcOrd="0" destOrd="0" presId="urn:microsoft.com/office/officeart/2005/8/layout/orgChart1"/>
+    <dgm:cxn modelId="{FF01BC99-0F49-44FE-8755-5510E47C0DA8}" type="presParOf" srcId="{486FE069-4B29-4353-8FFB-AF2DEEC3E307}" destId="{CF2FBC4E-1410-41F9-B2AD-E6B33F0564CA}" srcOrd="1" destOrd="0" presId="urn:microsoft.com/office/officeart/2005/8/layout/orgChart1"/>
+    <dgm:cxn modelId="{4308F7EE-FD84-4665-BD2F-CBF675159FFD}" type="presParOf" srcId="{18558480-40DD-40BA-983A-137708EFA60F}" destId="{D576F044-14B0-48F5-9D8B-4C01CA5320C1}" srcOrd="1" destOrd="0" presId="urn:microsoft.com/office/officeart/2005/8/layout/orgChart1"/>
+    <dgm:cxn modelId="{416DA267-FEB2-4EE7-B77F-B058D1BACDC6}" type="presParOf" srcId="{18558480-40DD-40BA-983A-137708EFA60F}" destId="{BD5B9152-F687-4C09-B342-174A34D907DF}" srcOrd="2" destOrd="0" presId="urn:microsoft.com/office/officeart/2005/8/layout/orgChart1"/>
+    <dgm:cxn modelId="{467BCD4A-0D21-49CD-B446-3A7BDD091771}" type="presParOf" srcId="{7748C1F6-644B-467A-9FA2-052E4821742F}" destId="{28D9CCBA-3EEA-429C-B355-98B6E167DE71}" srcOrd="8" destOrd="0" presId="urn:microsoft.com/office/officeart/2005/8/layout/orgChart1"/>
+    <dgm:cxn modelId="{8F7B6D5A-048A-46E1-B7BD-5C7CAE2F5606}" type="presParOf" srcId="{7748C1F6-644B-467A-9FA2-052E4821742F}" destId="{E5CFAF9A-8E82-4A65-ADC8-E688B47EF468}" srcOrd="9" destOrd="0" presId="urn:microsoft.com/office/officeart/2005/8/layout/orgChart1"/>
+    <dgm:cxn modelId="{78400DEA-A479-4933-B47D-A182F85984D1}" type="presParOf" srcId="{E5CFAF9A-8E82-4A65-ADC8-E688B47EF468}" destId="{F9524393-25C7-406D-B91E-0B5A4942CF9A}" srcOrd="0" destOrd="0" presId="urn:microsoft.com/office/officeart/2005/8/layout/orgChart1"/>
+    <dgm:cxn modelId="{116C809A-CC0F-48FC-B1B7-682A9EF360B1}" type="presParOf" srcId="{F9524393-25C7-406D-B91E-0B5A4942CF9A}" destId="{4A54EB2C-BBBA-40AE-A886-50D780179212}" srcOrd="0" destOrd="0" presId="urn:microsoft.com/office/officeart/2005/8/layout/orgChart1"/>
+    <dgm:cxn modelId="{CB7D3694-FDA1-437D-B0C0-0DBE339AF33A}" type="presParOf" srcId="{F9524393-25C7-406D-B91E-0B5A4942CF9A}" destId="{8FCC8372-BB88-4D58-B24D-985D6D9000BD}" srcOrd="1" destOrd="0" presId="urn:microsoft.com/office/officeart/2005/8/layout/orgChart1"/>
+    <dgm:cxn modelId="{E81F1A37-E422-4A05-AF72-60863524B097}" type="presParOf" srcId="{E5CFAF9A-8E82-4A65-ADC8-E688B47EF468}" destId="{BC577FDA-D0D0-4E38-8EE8-D4A6D13540DC}" srcOrd="1" destOrd="0" presId="urn:microsoft.com/office/officeart/2005/8/layout/orgChart1"/>
+    <dgm:cxn modelId="{13F6F99B-5948-47E0-9444-5BC1222B3F0B}" type="presParOf" srcId="{E5CFAF9A-8E82-4A65-ADC8-E688B47EF468}" destId="{6D639006-A493-49EF-9A1C-21EC6774A011}" srcOrd="2" destOrd="0" presId="urn:microsoft.com/office/officeart/2005/8/layout/orgChart1"/>
+    <dgm:cxn modelId="{0F8526CB-E888-416E-B7D4-C3E0B92DCDEB}" type="presParOf" srcId="{7748C1F6-644B-467A-9FA2-052E4821742F}" destId="{BFD332D0-E2AB-4382-8B88-F32D648965EA}" srcOrd="10" destOrd="0" presId="urn:microsoft.com/office/officeart/2005/8/layout/orgChart1"/>
+    <dgm:cxn modelId="{214EE290-35E0-4271-811D-4A1271E82758}" type="presParOf" srcId="{7748C1F6-644B-467A-9FA2-052E4821742F}" destId="{2690D845-38C7-458C-8795-C65635EF3E0B}" srcOrd="11" destOrd="0" presId="urn:microsoft.com/office/officeart/2005/8/layout/orgChart1"/>
+    <dgm:cxn modelId="{623FE158-47D9-4079-BE44-F452CDD660BA}" type="presParOf" srcId="{2690D845-38C7-458C-8795-C65635EF3E0B}" destId="{A67E5423-B957-46CE-AB1C-B9131BC14445}" srcOrd="0" destOrd="0" presId="urn:microsoft.com/office/officeart/2005/8/layout/orgChart1"/>
+    <dgm:cxn modelId="{C801031A-A21C-4663-9D87-D57B5EA03273}" type="presParOf" srcId="{A67E5423-B957-46CE-AB1C-B9131BC14445}" destId="{64EA9517-9A88-4858-977F-393065092BB2}" srcOrd="0" destOrd="0" presId="urn:microsoft.com/office/officeart/2005/8/layout/orgChart1"/>
+    <dgm:cxn modelId="{FD1B73A1-B7C4-41D5-A1B1-9A02FF34B1C7}" type="presParOf" srcId="{A67E5423-B957-46CE-AB1C-B9131BC14445}" destId="{3DB3D66A-F85D-45D3-BD20-325F40E5DA27}" srcOrd="1" destOrd="0" presId="urn:microsoft.com/office/officeart/2005/8/layout/orgChart1"/>
+    <dgm:cxn modelId="{1B076CAC-D3E8-4DED-BF1F-60E5C8EC0FDD}" type="presParOf" srcId="{2690D845-38C7-458C-8795-C65635EF3E0B}" destId="{AF50564E-FFE2-48EF-A017-FAAEA7AD15A1}" srcOrd="1" destOrd="0" presId="urn:microsoft.com/office/officeart/2005/8/layout/orgChart1"/>
+    <dgm:cxn modelId="{29A9213E-14FD-4844-A137-6F8322CA9395}" type="presParOf" srcId="{2690D845-38C7-458C-8795-C65635EF3E0B}" destId="{07CEEEB4-8F5D-4658-AB1D-6FA312E8C59E}" srcOrd="2" destOrd="0" presId="urn:microsoft.com/office/officeart/2005/8/layout/orgChart1"/>
+    <dgm:cxn modelId="{25F6AA9D-9E94-46C0-BADA-5005E487D5BA}" type="presParOf" srcId="{C455DF5C-DC8A-47A4-84B7-720BFD6C5C86}" destId="{92DB41C2-F528-482F-BA51-0A5C61D15BD9}" srcOrd="2" destOrd="0" presId="urn:microsoft.com/office/officeart/2005/8/layout/orgChart1"/>
   </dgm:cxnLst>
   <dgm:bg/>
   <dgm:whole/>
@@ -1457,15 +1782,15 @@
       <dsp:cNvGrpSpPr/>
     </dsp:nvGrpSpPr>
     <dsp:grpSpPr/>
-    <dsp:sp modelId="{A6320DD9-730C-4D8C-B24F-F63272D83D4E}">
+    <dsp:sp modelId="{BFD332D0-E2AB-4382-8B88-F32D648965EA}">
       <dsp:nvSpPr>
         <dsp:cNvPr id="0" name=""/>
         <dsp:cNvSpPr/>
       </dsp:nvSpPr>
       <dsp:spPr>
         <a:xfrm>
-          <a:off x="5138194" y="2188114"/>
-          <a:ext cx="4046778" cy="1055236"/>
+          <a:off x="5559038" y="2268247"/>
+          <a:ext cx="4767501" cy="734124"/>
         </a:xfrm>
         <a:custGeom>
           <a:avLst/>
@@ -1479,13 +1804,74 @@
                 <a:pt x="0" y="0"/>
               </a:moveTo>
               <a:lnTo>
-                <a:pt x="0" y="821856"/>
+                <a:pt x="0" y="568640"/>
               </a:lnTo>
               <a:lnTo>
-                <a:pt x="4046778" y="821856"/>
+                <a:pt x="4767501" y="568640"/>
               </a:lnTo>
               <a:lnTo>
-                <a:pt x="4046778" y="1055236"/>
+                <a:pt x="4767501" y="734124"/>
+              </a:lnTo>
+            </a:path>
+          </a:pathLst>
+        </a:custGeom>
+        <a:noFill/>
+        <a:ln w="15875" cap="rnd" cmpd="sng" algn="ctr">
+          <a:solidFill>
+            <a:schemeClr val="accent1">
+              <a:shade val="60000"/>
+              <a:hueOff val="0"/>
+              <a:satOff val="0"/>
+              <a:lumOff val="0"/>
+              <a:alphaOff val="0"/>
+            </a:schemeClr>
+          </a:solidFill>
+          <a:prstDash val="solid"/>
+        </a:ln>
+        <a:effectLst/>
+      </dsp:spPr>
+      <dsp:style>
+        <a:lnRef idx="2">
+          <a:scrgbClr r="0" g="0" b="0"/>
+        </a:lnRef>
+        <a:fillRef idx="0">
+          <a:scrgbClr r="0" g="0" b="0"/>
+        </a:fillRef>
+        <a:effectRef idx="0">
+          <a:scrgbClr r="0" g="0" b="0"/>
+        </a:effectRef>
+        <a:fontRef idx="minor"/>
+      </dsp:style>
+    </dsp:sp>
+    <dsp:sp modelId="{28D9CCBA-3EEA-429C-B355-98B6E167DE71}">
+      <dsp:nvSpPr>
+        <dsp:cNvPr id="0" name=""/>
+        <dsp:cNvSpPr/>
+      </dsp:nvSpPr>
+      <dsp:spPr>
+        <a:xfrm>
+          <a:off x="5559038" y="2268247"/>
+          <a:ext cx="2888176" cy="736779"/>
+        </a:xfrm>
+        <a:custGeom>
+          <a:avLst/>
+          <a:gdLst/>
+          <a:ahLst/>
+          <a:cxnLst/>
+          <a:rect l="0" t="0" r="0" b="0"/>
+          <a:pathLst>
+            <a:path>
+              <a:moveTo>
+                <a:pt x="0" y="0"/>
+              </a:moveTo>
+              <a:lnTo>
+                <a:pt x="0" y="571296"/>
+              </a:lnTo>
+              <a:lnTo>
+                <a:pt x="2888176" y="571296"/>
+              </a:lnTo>
+              <a:lnTo>
+                <a:pt x="2888176" y="736779"/>
               </a:lnTo>
             </a:path>
           </a:pathLst>
@@ -1525,8 +1911,8 @@
       </dsp:nvSpPr>
       <dsp:spPr>
         <a:xfrm>
-          <a:off x="5138194" y="2188114"/>
-          <a:ext cx="1357342" cy="1055236"/>
+          <a:off x="5559038" y="2268247"/>
+          <a:ext cx="953500" cy="739561"/>
         </a:xfrm>
         <a:custGeom>
           <a:avLst/>
@@ -1540,13 +1926,13 @@
                 <a:pt x="0" y="0"/>
               </a:moveTo>
               <a:lnTo>
-                <a:pt x="0" y="821856"/>
+                <a:pt x="0" y="574078"/>
               </a:lnTo>
               <a:lnTo>
-                <a:pt x="1357342" y="821856"/>
+                <a:pt x="953500" y="574078"/>
               </a:lnTo>
               <a:lnTo>
-                <a:pt x="1357342" y="1055236"/>
+                <a:pt x="953500" y="739561"/>
               </a:lnTo>
             </a:path>
           </a:pathLst>
@@ -1586,8 +1972,8 @@
       </dsp:nvSpPr>
       <dsp:spPr>
         <a:xfrm>
-          <a:off x="3806101" y="2188114"/>
-          <a:ext cx="1332093" cy="1055236"/>
+          <a:off x="4605538" y="2268247"/>
+          <a:ext cx="953500" cy="739561"/>
         </a:xfrm>
         <a:custGeom>
           <a:avLst/>
@@ -1598,16 +1984,16 @@
           <a:pathLst>
             <a:path>
               <a:moveTo>
-                <a:pt x="1332093" y="0"/>
+                <a:pt x="953500" y="0"/>
               </a:moveTo>
               <a:lnTo>
-                <a:pt x="1332093" y="821856"/>
+                <a:pt x="953500" y="574078"/>
               </a:lnTo>
               <a:lnTo>
-                <a:pt x="0" y="821856"/>
+                <a:pt x="0" y="574078"/>
               </a:lnTo>
               <a:lnTo>
-                <a:pt x="0" y="1055236"/>
+                <a:pt x="0" y="739561"/>
               </a:lnTo>
             </a:path>
           </a:pathLst>
@@ -1647,8 +2033,8 @@
       </dsp:nvSpPr>
       <dsp:spPr>
         <a:xfrm>
-          <a:off x="1116665" y="2188114"/>
-          <a:ext cx="4021528" cy="1055236"/>
+          <a:off x="2698537" y="2268247"/>
+          <a:ext cx="2860500" cy="739561"/>
         </a:xfrm>
         <a:custGeom>
           <a:avLst/>
@@ -1659,16 +2045,16 @@
           <a:pathLst>
             <a:path>
               <a:moveTo>
-                <a:pt x="4021528" y="0"/>
+                <a:pt x="2860500" y="0"/>
               </a:moveTo>
               <a:lnTo>
-                <a:pt x="4021528" y="821856"/>
+                <a:pt x="2860500" y="574078"/>
               </a:lnTo>
               <a:lnTo>
-                <a:pt x="0" y="821856"/>
+                <a:pt x="0" y="574078"/>
               </a:lnTo>
               <a:lnTo>
-                <a:pt x="0" y="1055236"/>
+                <a:pt x="0" y="739561"/>
               </a:lnTo>
             </a:path>
           </a:pathLst>
@@ -1701,15 +2087,76 @@
         <a:fontRef idx="minor"/>
       </dsp:style>
     </dsp:sp>
-    <dsp:sp modelId="{FBFC13A7-9616-4D94-95D1-80C619F3C73D}">
+    <dsp:sp modelId="{B5BC34DB-018C-4A62-963B-A48FBF5439C5}">
       <dsp:nvSpPr>
         <dsp:cNvPr id="0" name=""/>
         <dsp:cNvSpPr/>
       </dsp:nvSpPr>
       <dsp:spPr>
         <a:xfrm>
-          <a:off x="4026857" y="1076777"/>
-          <a:ext cx="2222674" cy="1111337"/>
+          <a:off x="788016" y="2268247"/>
+          <a:ext cx="4771021" cy="735708"/>
+        </a:xfrm>
+        <a:custGeom>
+          <a:avLst/>
+          <a:gdLst/>
+          <a:ahLst/>
+          <a:cxnLst/>
+          <a:rect l="0" t="0" r="0" b="0"/>
+          <a:pathLst>
+            <a:path>
+              <a:moveTo>
+                <a:pt x="4771021" y="0"/>
+              </a:moveTo>
+              <a:lnTo>
+                <a:pt x="4771021" y="570224"/>
+              </a:lnTo>
+              <a:lnTo>
+                <a:pt x="0" y="570224"/>
+              </a:lnTo>
+              <a:lnTo>
+                <a:pt x="0" y="735708"/>
+              </a:lnTo>
+            </a:path>
+          </a:pathLst>
+        </a:custGeom>
+        <a:noFill/>
+        <a:ln w="15875" cap="rnd" cmpd="sng" algn="ctr">
+          <a:solidFill>
+            <a:schemeClr val="accent1">
+              <a:shade val="60000"/>
+              <a:hueOff val="0"/>
+              <a:satOff val="0"/>
+              <a:lumOff val="0"/>
+              <a:alphaOff val="0"/>
+            </a:schemeClr>
+          </a:solidFill>
+          <a:prstDash val="solid"/>
+        </a:ln>
+        <a:effectLst/>
+      </dsp:spPr>
+      <dsp:style>
+        <a:lnRef idx="2">
+          <a:scrgbClr r="0" g="0" b="0"/>
+        </a:lnRef>
+        <a:fillRef idx="0">
+          <a:scrgbClr r="0" g="0" b="0"/>
+        </a:fillRef>
+        <a:effectRef idx="0">
+          <a:scrgbClr r="0" g="0" b="0"/>
+        </a:effectRef>
+        <a:fontRef idx="minor"/>
+      </dsp:style>
+    </dsp:sp>
+    <dsp:sp modelId="{EF09773A-9064-45E7-B31C-BD5E458A9496}">
+      <dsp:nvSpPr>
+        <dsp:cNvPr id="0" name=""/>
+        <dsp:cNvSpPr/>
+      </dsp:nvSpPr>
+      <dsp:spPr>
+        <a:xfrm>
+          <a:off x="4771021" y="1480231"/>
+          <a:ext cx="1576033" cy="788016"/>
         </a:xfrm>
         <a:prstGeom prst="rect">
           <a:avLst/>
@@ -1750,12 +2197,12 @@
         </a:fontRef>
       </dsp:style>
       <dsp:txBody>
-        <a:bodyPr spcFirstLastPara="0" vert="horz" wrap="square" lIns="20320" tIns="20320" rIns="20320" bIns="20320" numCol="1" spcCol="1270" anchor="ctr" anchorCtr="0">
+        <a:bodyPr spcFirstLastPara="0" vert="horz" wrap="square" lIns="15240" tIns="15240" rIns="15240" bIns="15240" numCol="1" spcCol="1270" anchor="ctr" anchorCtr="0">
           <a:noAutofit/>
         </a:bodyPr>
         <a:lstStyle/>
         <a:p>
-          <a:pPr lvl="0" algn="ctr" defTabSz="1422400">
+          <a:pPr lvl="0" algn="ctr" defTabSz="1066800">
             <a:lnSpc>
               <a:spcPct val="90000"/>
             </a:lnSpc>
@@ -1767,8 +2214,89 @@
             </a:spcAft>
           </a:pPr>
           <a:r>
+            <a:rPr lang="zh-TW" altLang="en-US" sz="2400" kern="1200" dirty="0" smtClean="0"/>
+            <a:t>網站架構</a:t>
+          </a:r>
+          <a:endParaRPr lang="zh-TW" altLang="en-US" sz="2400" kern="1200" dirty="0"/>
+        </a:p>
+      </dsp:txBody>
+      <dsp:txXfrm>
+        <a:off x="4771021" y="1480231"/>
+        <a:ext cx="1576033" cy="788016"/>
+      </dsp:txXfrm>
+    </dsp:sp>
+    <dsp:sp modelId="{C9414637-4C3E-4C04-AD8D-393CDDA64A19}">
+      <dsp:nvSpPr>
+        <dsp:cNvPr id="0" name=""/>
+        <dsp:cNvSpPr/>
+      </dsp:nvSpPr>
+      <dsp:spPr>
+        <a:xfrm>
+          <a:off x="0" y="3003956"/>
+          <a:ext cx="1576033" cy="788016"/>
+        </a:xfrm>
+        <a:prstGeom prst="rect">
+          <a:avLst/>
+        </a:prstGeom>
+        <a:solidFill>
+          <a:schemeClr val="accent1">
+            <a:hueOff val="0"/>
+            <a:satOff val="0"/>
+            <a:lumOff val="0"/>
+            <a:alphaOff val="0"/>
+          </a:schemeClr>
+        </a:solidFill>
+        <a:ln w="15875" cap="rnd" cmpd="sng" algn="ctr">
+          <a:solidFill>
+            <a:schemeClr val="lt1">
+              <a:hueOff val="0"/>
+              <a:satOff val="0"/>
+              <a:lumOff val="0"/>
+              <a:alphaOff val="0"/>
+            </a:schemeClr>
+          </a:solidFill>
+          <a:prstDash val="solid"/>
+        </a:ln>
+        <a:effectLst/>
+      </dsp:spPr>
+      <dsp:style>
+        <a:lnRef idx="2">
+          <a:scrgbClr r="0" g="0" b="0"/>
+        </a:lnRef>
+        <a:fillRef idx="1">
+          <a:scrgbClr r="0" g="0" b="0"/>
+        </a:fillRef>
+        <a:effectRef idx="0">
+          <a:scrgbClr r="0" g="0" b="0"/>
+        </a:effectRef>
+        <a:fontRef idx="minor">
+          <a:schemeClr val="lt1"/>
+        </a:fontRef>
+      </dsp:style>
+      <dsp:txBody>
+        <a:bodyPr spcFirstLastPara="0" vert="horz" wrap="square" lIns="8890" tIns="8890" rIns="8890" bIns="8890" numCol="1" spcCol="1270" anchor="ctr" anchorCtr="0">
+          <a:noAutofit/>
+        </a:bodyPr>
+        <a:lstStyle/>
+        <a:p>
+          <a:pPr lvl="0" algn="ctr" defTabSz="622300">
+            <a:lnSpc>
+              <a:spcPct val="90000"/>
+            </a:lnSpc>
+            <a:spcBef>
+              <a:spcPct val="0"/>
+            </a:spcBef>
+            <a:spcAft>
+              <a:spcPct val="35000"/>
+            </a:spcAft>
+          </a:pPr>
+          <a:r>
+            <a:rPr lang="zh-TW" altLang="en-US" sz="1400" kern="1200" dirty="0" smtClean="0"/>
+            <a:t>首頁</a:t>
+          </a:r>
+          <a:r>
             <a:rPr lang="en-US" altLang="zh-TW" sz="3200" kern="1200" dirty="0" smtClean="0"/>
-            <a:t>Home</a:t>
+            <a:t/>
           </a:r>
           <a:br>
             <a:rPr lang="en-US" altLang="zh-TW" sz="3200" kern="1200" dirty="0" smtClean="0"/>
@@ -1778,12 +2306,8 @@
             <a:t>(</a:t>
           </a:r>
           <a:r>
-            <a:rPr lang="en-US" altLang="zh-TW" sz="1400" kern="1200" dirty="0" smtClean="0"/>
-            <a:t>FB , Twitter </a:t>
-          </a:r>
-          <a:r>
             <a:rPr lang="zh-TW" altLang="en-US" sz="1400" kern="1200" dirty="0" smtClean="0"/>
-            <a:t>連結</a:t>
+            <a:t>海大簡介</a:t>
           </a:r>
           <a:r>
             <a:rPr lang="en-US" altLang="zh-TW" sz="1400" kern="1200" dirty="0" smtClean="0"/>
@@ -1793,8 +2317,8 @@
         </a:p>
       </dsp:txBody>
       <dsp:txXfrm>
-        <a:off x="4026857" y="1076777"/>
-        <a:ext cx="2222674" cy="1111337"/>
+        <a:off x="0" y="3003956"/>
+        <a:ext cx="1576033" cy="788016"/>
       </dsp:txXfrm>
     </dsp:sp>
     <dsp:sp modelId="{E0EB96A7-03E4-4690-80AD-28F30E00DB22}">
@@ -1804,8 +2328,8 @@
       </dsp:nvSpPr>
       <dsp:spPr>
         <a:xfrm>
-          <a:off x="5328" y="3243351"/>
-          <a:ext cx="2222674" cy="1111337"/>
+          <a:off x="1910520" y="3007809"/>
+          <a:ext cx="1576033" cy="788016"/>
         </a:xfrm>
         <a:prstGeom prst="rect">
           <a:avLst/>
@@ -1883,7 +2407,7 @@
           </a:r>
           <a:r>
             <a:rPr lang="zh-TW" altLang="en-US" sz="1400" kern="1200" dirty="0" smtClean="0"/>
-            <a:t>學校餐廳、附近美食</a:t>
+            <a:t>學校附近美食</a:t>
           </a:r>
           <a:r>
             <a:rPr lang="en-US" altLang="zh-TW" sz="1400" kern="1200" dirty="0" smtClean="0"/>
@@ -1893,8 +2417,8 @@
         </a:p>
       </dsp:txBody>
       <dsp:txXfrm>
-        <a:off x="5328" y="3243351"/>
-        <a:ext cx="2222674" cy="1111337"/>
+        <a:off x="1910520" y="3007809"/>
+        <a:ext cx="1576033" cy="788016"/>
       </dsp:txXfrm>
     </dsp:sp>
     <dsp:sp modelId="{671B9302-A755-428C-AECC-BA9B35E19CDC}">
@@ -1904,8 +2428,8 @@
       </dsp:nvSpPr>
       <dsp:spPr>
         <a:xfrm>
-          <a:off x="2694764" y="3243351"/>
-          <a:ext cx="2222674" cy="1111337"/>
+          <a:off x="3817521" y="3007809"/>
+          <a:ext cx="1576033" cy="788016"/>
         </a:xfrm>
         <a:prstGeom prst="rect">
           <a:avLst/>
@@ -1983,7 +2507,7 @@
           </a:r>
           <a:r>
             <a:rPr lang="zh-TW" altLang="en-US" sz="1400" kern="1200" dirty="0" smtClean="0"/>
-            <a:t>教學務系統中租屋資訊的再呈現</a:t>
+            <a:t>租屋資訊</a:t>
           </a:r>
           <a:r>
             <a:rPr lang="en-US" altLang="zh-TW" sz="1400" kern="1200" dirty="0" smtClean="0"/>
@@ -1993,8 +2517,8 @@
         </a:p>
       </dsp:txBody>
       <dsp:txXfrm>
-        <a:off x="2694764" y="3243351"/>
-        <a:ext cx="2222674" cy="1111337"/>
+        <a:off x="3817521" y="3007809"/>
+        <a:ext cx="1576033" cy="788016"/>
       </dsp:txXfrm>
     </dsp:sp>
     <dsp:sp modelId="{0B7746AF-9222-473E-ADCA-FC9B62CA4FA8}">
@@ -2004,8 +2528,8 @@
       </dsp:nvSpPr>
       <dsp:spPr>
         <a:xfrm>
-          <a:off x="5384200" y="3243351"/>
-          <a:ext cx="2222674" cy="1111337"/>
+          <a:off x="5724522" y="3007809"/>
+          <a:ext cx="1576033" cy="788016"/>
         </a:xfrm>
         <a:prstGeom prst="rect">
           <a:avLst/>
@@ -2079,7 +2603,7 @@
           </a:r>
           <a:r>
             <a:rPr lang="zh-TW" altLang="en-US" sz="1400" kern="1200" dirty="0" smtClean="0"/>
-            <a:t>當下天氣、公車動態資訊</a:t>
+            <a:t>海大公車資訊</a:t>
           </a:r>
           <a:r>
             <a:rPr lang="en-US" altLang="zh-TW" sz="1400" kern="1200" dirty="0" smtClean="0"/>
@@ -2089,19 +2613,19 @@
         </a:p>
       </dsp:txBody>
       <dsp:txXfrm>
-        <a:off x="5384200" y="3243351"/>
-        <a:ext cx="2222674" cy="1111337"/>
+        <a:off x="5724522" y="3007809"/>
+        <a:ext cx="1576033" cy="788016"/>
       </dsp:txXfrm>
     </dsp:sp>
-    <dsp:sp modelId="{75FF2271-D1B7-42AF-B8F3-845679B94B68}">
+    <dsp:sp modelId="{4A54EB2C-BBBA-40AE-A886-50D780179212}">
       <dsp:nvSpPr>
         <dsp:cNvPr id="0" name=""/>
         <dsp:cNvSpPr/>
       </dsp:nvSpPr>
       <dsp:spPr>
         <a:xfrm>
-          <a:off x="8073636" y="3243351"/>
-          <a:ext cx="2222674" cy="1111337"/>
+          <a:off x="7659197" y="3005027"/>
+          <a:ext cx="1576033" cy="788016"/>
         </a:xfrm>
         <a:prstGeom prst="rect">
           <a:avLst/>
@@ -2142,12 +2666,12 @@
         </a:fontRef>
       </dsp:style>
       <dsp:txBody>
-        <a:bodyPr spcFirstLastPara="0" vert="horz" wrap="square" lIns="10160" tIns="10160" rIns="10160" bIns="10160" numCol="1" spcCol="1270" anchor="ctr" anchorCtr="0">
+        <a:bodyPr spcFirstLastPara="0" vert="horz" wrap="square" lIns="8890" tIns="8890" rIns="8890" bIns="8890" numCol="1" spcCol="1270" anchor="ctr" anchorCtr="0">
           <a:noAutofit/>
         </a:bodyPr>
         <a:lstStyle/>
         <a:p>
-          <a:pPr lvl="0" algn="ctr" defTabSz="711200">
+          <a:pPr lvl="0" algn="ctr" defTabSz="622300">
             <a:lnSpc>
               <a:spcPct val="90000"/>
             </a:lnSpc>
@@ -2159,15 +2683,130 @@
             </a:spcAft>
           </a:pPr>
           <a:r>
-            <a:rPr lang="zh-TW" altLang="en-US" sz="1600" kern="1200" dirty="0" smtClean="0"/>
-            <a:t>海大行事曆</a:t>
+            <a:rPr lang="zh-TW" altLang="en-US" sz="1400" kern="1200" dirty="0" smtClean="0"/>
+            <a:t>旅遊</a:t>
           </a:r>
-          <a:endParaRPr lang="zh-TW" altLang="en-US" sz="1600" kern="1200" dirty="0"/>
+          <a:r>
+            <a:rPr lang="en-US" altLang="zh-TW" sz="1400" kern="1200" dirty="0" smtClean="0"/>
+            <a:t/>
+          </a:r>
+          <a:br>
+            <a:rPr lang="en-US" altLang="zh-TW" sz="1400" kern="1200" dirty="0" smtClean="0"/>
+          </a:br>
+          <a:r>
+            <a:rPr lang="en-US" altLang="zh-TW" sz="1400" kern="1200" dirty="0" smtClean="0"/>
+            <a:t>(</a:t>
+          </a:r>
+          <a:r>
+            <a:rPr lang="zh-TW" altLang="en-US" sz="1400" kern="1200" dirty="0" smtClean="0"/>
+            <a:t>基隆有名景點</a:t>
+          </a:r>
+          <a:r>
+            <a:rPr lang="en-US" altLang="zh-TW" sz="1400" kern="1200" dirty="0" smtClean="0"/>
+            <a:t>)</a:t>
+          </a:r>
+          <a:endParaRPr lang="zh-TW" altLang="en-US" sz="1400" kern="1200" dirty="0"/>
         </a:p>
       </dsp:txBody>
       <dsp:txXfrm>
-        <a:off x="8073636" y="3243351"/>
-        <a:ext cx="2222674" cy="1111337"/>
+        <a:off x="7659197" y="3005027"/>
+        <a:ext cx="1576033" cy="788016"/>
+      </dsp:txXfrm>
+    </dsp:sp>
+    <dsp:sp modelId="{64EA9517-9A88-4858-977F-393065092BB2}">
+      <dsp:nvSpPr>
+        <dsp:cNvPr id="0" name=""/>
+        <dsp:cNvSpPr/>
+      </dsp:nvSpPr>
+      <dsp:spPr>
+        <a:xfrm>
+          <a:off x="9538523" y="3002372"/>
+          <a:ext cx="1576033" cy="788016"/>
+        </a:xfrm>
+        <a:prstGeom prst="rect">
+          <a:avLst/>
+        </a:prstGeom>
+        <a:solidFill>
+          <a:schemeClr val="accent1">
+            <a:hueOff val="0"/>
+            <a:satOff val="0"/>
+            <a:lumOff val="0"/>
+            <a:alphaOff val="0"/>
+          </a:schemeClr>
+        </a:solidFill>
+        <a:ln w="15875" cap="rnd" cmpd="sng" algn="ctr">
+          <a:solidFill>
+            <a:schemeClr val="lt1">
+              <a:hueOff val="0"/>
+              <a:satOff val="0"/>
+              <a:lumOff val="0"/>
+              <a:alphaOff val="0"/>
+            </a:schemeClr>
+          </a:solidFill>
+          <a:prstDash val="solid"/>
+        </a:ln>
+        <a:effectLst/>
+      </dsp:spPr>
+      <dsp:style>
+        <a:lnRef idx="2">
+          <a:scrgbClr r="0" g="0" b="0"/>
+        </a:lnRef>
+        <a:fillRef idx="1">
+          <a:scrgbClr r="0" g="0" b="0"/>
+        </a:fillRef>
+        <a:effectRef idx="0">
+          <a:scrgbClr r="0" g="0" b="0"/>
+        </a:effectRef>
+        <a:fontRef idx="minor">
+          <a:schemeClr val="lt1"/>
+        </a:fontRef>
+      </dsp:style>
+      <dsp:txBody>
+        <a:bodyPr spcFirstLastPara="0" vert="horz" wrap="square" lIns="8890" tIns="8890" rIns="8890" bIns="8890" numCol="1" spcCol="1270" anchor="ctr" anchorCtr="0">
+          <a:noAutofit/>
+        </a:bodyPr>
+        <a:lstStyle/>
+        <a:p>
+          <a:pPr lvl="0" algn="ctr" defTabSz="622300">
+            <a:lnSpc>
+              <a:spcPct val="90000"/>
+            </a:lnSpc>
+            <a:spcBef>
+              <a:spcPct val="0"/>
+            </a:spcBef>
+            <a:spcAft>
+              <a:spcPct val="35000"/>
+            </a:spcAft>
+          </a:pPr>
+          <a:r>
+            <a:rPr lang="zh-TW" altLang="en-US" sz="1400" kern="1200" dirty="0" smtClean="0"/>
+            <a:t>海大行事曆</a:t>
+          </a:r>
+          <a:r>
+            <a:rPr lang="en-US" altLang="zh-TW" sz="1400" kern="1200" dirty="0" smtClean="0"/>
+            <a:t/>
+          </a:r>
+          <a:br>
+            <a:rPr lang="en-US" altLang="zh-TW" sz="1400" kern="1200" dirty="0" smtClean="0"/>
+          </a:br>
+          <a:r>
+            <a:rPr lang="en-US" altLang="zh-TW" sz="1400" kern="1200" dirty="0" smtClean="0"/>
+            <a:t>(</a:t>
+          </a:r>
+          <a:r>
+            <a:rPr lang="zh-TW" altLang="en-US" sz="1400" kern="1200" dirty="0" smtClean="0"/>
+            <a:t>當年度行事曆</a:t>
+          </a:r>
+          <a:r>
+            <a:rPr lang="en-US" altLang="zh-TW" sz="1400" kern="1200" dirty="0" smtClean="0"/>
+            <a:t>)</a:t>
+          </a:r>
+          <a:endParaRPr lang="zh-TW" altLang="en-US" sz="1400" kern="1200" dirty="0"/>
+        </a:p>
+      </dsp:txBody>
+      <dsp:txXfrm>
+        <a:off x="9538523" y="3002372"/>
+        <a:ext cx="1576033" cy="788016"/>
       </dsp:txXfrm>
     </dsp:sp>
   </dsp:spTree>
@@ -4543,7 +5182,7 @@
             <a:fld id="{8E36636D-D922-432D-A958-524484B5923D}" type="datetimeFigureOut">
               <a:rPr lang="en-US" smtClean="0"/>
               <a:pPr/>
-              <a:t>5/20/2016</a:t>
+              <a:t>6/16/2016</a:t>
             </a:fld>
             <a:endParaRPr lang="en-US" dirty="0"/>
           </a:p>
@@ -4883,7 +5522,7 @@
             <a:fld id="{8E36636D-D922-432D-A958-524484B5923D}" type="datetimeFigureOut">
               <a:rPr lang="en-US" smtClean="0"/>
               <a:pPr/>
-              <a:t>5/20/2016</a:t>
+              <a:t>6/16/2016</a:t>
             </a:fld>
             <a:endParaRPr lang="en-US" dirty="0"/>
           </a:p>
@@ -5286,7 +5925,7 @@
             <a:fld id="{8E36636D-D922-432D-A958-524484B5923D}" type="datetimeFigureOut">
               <a:rPr lang="en-US" smtClean="0"/>
               <a:pPr/>
-              <a:t>5/20/2016</a:t>
+              <a:t>6/16/2016</a:t>
             </a:fld>
             <a:endParaRPr lang="en-US" dirty="0"/>
           </a:p>
@@ -5624,7 +6263,7 @@
             <a:fld id="{8E36636D-D922-432D-A958-524484B5923D}" type="datetimeFigureOut">
               <a:rPr lang="en-US" smtClean="0"/>
               <a:pPr/>
-              <a:t>5/20/2016</a:t>
+              <a:t>6/16/2016</a:t>
             </a:fld>
             <a:endParaRPr lang="en-US" dirty="0"/>
           </a:p>
@@ -5946,7 +6585,7 @@
             <a:fld id="{8E36636D-D922-432D-A958-524484B5923D}" type="datetimeFigureOut">
               <a:rPr lang="en-US" smtClean="0"/>
               <a:pPr/>
-              <a:t>5/20/2016</a:t>
+              <a:t>6/16/2016</a:t>
             </a:fld>
             <a:endParaRPr lang="en-US" dirty="0"/>
           </a:p>
@@ -6344,7 +6983,7 @@
             <a:fld id="{8E36636D-D922-432D-A958-524484B5923D}" type="datetimeFigureOut">
               <a:rPr lang="en-US" smtClean="0"/>
               <a:pPr/>
-              <a:t>5/20/2016</a:t>
+              <a:t>6/16/2016</a:t>
             </a:fld>
             <a:endParaRPr lang="en-US" dirty="0"/>
           </a:p>
@@ -6603,7 +7242,7 @@
             <a:fld id="{8E36636D-D922-432D-A958-524484B5923D}" type="datetimeFigureOut">
               <a:rPr lang="en-US" smtClean="0"/>
               <a:pPr/>
-              <a:t>5/20/2016</a:t>
+              <a:t>6/16/2016</a:t>
             </a:fld>
             <a:endParaRPr lang="en-US" dirty="0"/>
           </a:p>
@@ -6867,7 +7506,7 @@
             <a:fld id="{8E36636D-D922-432D-A958-524484B5923D}" type="datetimeFigureOut">
               <a:rPr lang="en-US" smtClean="0"/>
               <a:pPr/>
-              <a:t>5/20/2016</a:t>
+              <a:t>6/16/2016</a:t>
             </a:fld>
             <a:endParaRPr lang="en-US" dirty="0"/>
           </a:p>
@@ -7131,7 +7770,7 @@
             <a:fld id="{8E36636D-D922-432D-A958-524484B5923D}" type="datetimeFigureOut">
               <a:rPr lang="en-US" smtClean="0"/>
               <a:pPr/>
-              <a:t>5/20/2016</a:t>
+              <a:t>6/16/2016</a:t>
             </a:fld>
             <a:endParaRPr lang="en-US" dirty="0"/>
           </a:p>
@@ -7462,7 +8101,7 @@
             <a:fld id="{8E36636D-D922-432D-A958-524484B5923D}" type="datetimeFigureOut">
               <a:rPr lang="en-US" smtClean="0"/>
               <a:pPr/>
-              <a:t>5/20/2016</a:t>
+              <a:t>6/16/2016</a:t>
             </a:fld>
             <a:endParaRPr lang="en-US" dirty="0"/>
           </a:p>
@@ -7787,7 +8426,7 @@
             <a:fld id="{8E36636D-D922-432D-A958-524484B5923D}" type="datetimeFigureOut">
               <a:rPr lang="en-US" smtClean="0"/>
               <a:pPr/>
-              <a:t>5/20/2016</a:t>
+              <a:t>6/16/2016</a:t>
             </a:fld>
             <a:endParaRPr lang="en-US" dirty="0"/>
           </a:p>
@@ -8246,7 +8885,7 @@
             <a:fld id="{8E36636D-D922-432D-A958-524484B5923D}" type="datetimeFigureOut">
               <a:rPr lang="en-US" smtClean="0"/>
               <a:pPr/>
-              <a:t>5/20/2016</a:t>
+              <a:t>6/16/2016</a:t>
             </a:fld>
             <a:endParaRPr lang="en-US" dirty="0"/>
           </a:p>
@@ -8453,7 +9092,7 @@
             <a:fld id="{8E36636D-D922-432D-A958-524484B5923D}" type="datetimeFigureOut">
               <a:rPr lang="en-US" smtClean="0"/>
               <a:pPr/>
-              <a:t>5/20/2016</a:t>
+              <a:t>6/16/2016</a:t>
             </a:fld>
             <a:endParaRPr lang="en-US" dirty="0"/>
           </a:p>
@@ -8632,7 +9271,7 @@
             <a:fld id="{8E36636D-D922-432D-A958-524484B5923D}" type="datetimeFigureOut">
               <a:rPr lang="en-US" smtClean="0"/>
               <a:pPr/>
-              <a:t>5/20/2016</a:t>
+              <a:t>6/16/2016</a:t>
             </a:fld>
             <a:endParaRPr lang="en-US" dirty="0"/>
           </a:p>
@@ -8967,7 +9606,7 @@
             <a:fld id="{8E36636D-D922-432D-A958-524484B5923D}" type="datetimeFigureOut">
               <a:rPr lang="en-US" smtClean="0"/>
               <a:pPr/>
-              <a:t>5/20/2016</a:t>
+              <a:t>6/16/2016</a:t>
             </a:fld>
             <a:endParaRPr lang="en-US" dirty="0"/>
           </a:p>
@@ -9314,7 +9953,7 @@
             <a:fld id="{8E36636D-D922-432D-A958-524484B5923D}" type="datetimeFigureOut">
               <a:rPr lang="en-US" smtClean="0"/>
               <a:pPr/>
-              <a:t>5/20/2016</a:t>
+              <a:t>6/16/2016</a:t>
             </a:fld>
             <a:endParaRPr lang="en-US" dirty="0"/>
           </a:p>
@@ -11370,7 +12009,7 @@
             <a:fld id="{8E36636D-D922-432D-A958-524484B5923D}" type="datetimeFigureOut">
               <a:rPr lang="en-US" smtClean="0"/>
               <a:pPr/>
-              <a:t>5/20/2016</a:t>
+              <a:t>6/16/2016</a:t>
             </a:fld>
             <a:endParaRPr lang="en-US" dirty="0"/>
           </a:p>
@@ -11926,7 +12565,15 @@
             </a:r>
             <a:r>
               <a:rPr lang="zh-TW" altLang="en-US" sz="4800" dirty="0" smtClean="0"/>
-              <a:t>期末專案提案</a:t>
+              <a:t>期末專案</a:t>
+            </a:r>
+            <a:r>
+              <a:rPr lang="zh-TW" altLang="en-US" sz="4800" dirty="0"/>
+              <a:t>結</a:t>
+            </a:r>
+            <a:r>
+              <a:rPr lang="zh-TW" altLang="en-US" sz="4800" dirty="0" smtClean="0"/>
+              <a:t>案</a:t>
             </a:r>
             <a:r>
               <a:rPr lang="en-US" altLang="zh-TW" sz="4800" dirty="0" smtClean="0"/>
@@ -11936,12 +12583,8 @@
               <a:rPr lang="en-US" altLang="zh-TW" sz="4800" dirty="0" smtClean="0"/>
             </a:br>
             <a:r>
-              <a:rPr lang="zh-TW" altLang="en-US" sz="4800" dirty="0" smtClean="0"/>
-              <a:t>嗨</a:t>
-            </a:r>
-            <a:r>
-              <a:rPr lang="en-US" altLang="zh-TW" sz="4800" dirty="0" smtClean="0"/>
-              <a:t>-Life</a:t>
+              <a:rPr lang="en-US" altLang="zh-TW" sz="4800" dirty="0"/>
+              <a:t>NTOU HIGH LIFE</a:t>
             </a:r>
             <a:endParaRPr lang="zh-TW" altLang="en-US" sz="4800" dirty="0"/>
           </a:p>
@@ -12044,6 +12687,620 @@
     <p:extLst>
       <p:ext uri="{BB962C8B-B14F-4D97-AF65-F5344CB8AC3E}">
         <p14:creationId xmlns:p14="http://schemas.microsoft.com/office/powerpoint/2010/main" val="3363836083"/>
+      </p:ext>
+    </p:extLst>
+  </p:cSld>
+  <p:clrMapOvr>
+    <a:masterClrMapping/>
+  </p:clrMapOvr>
+  <p:timing>
+    <p:tnLst>
+      <p:par>
+        <p:cTn id="1" dur="indefinite" restart="never" nodeType="tmRoot"/>
+      </p:par>
+    </p:tnLst>
+  </p:timing>
+</p:sld>
+</file>
+
+<file path=ppt/slides/slide10.xml><?xml version="1.0" encoding="utf-8"?>
+<p:sld xmlns:a="http://schemas.openxmlformats.org/drawingml/2006/main" xmlns:r="http://schemas.openxmlformats.org/officeDocument/2006/relationships" xmlns:p="http://schemas.openxmlformats.org/presentationml/2006/main">
+  <p:cSld>
+    <p:spTree>
+      <p:nvGrpSpPr>
+        <p:cNvPr id="1" name=""/>
+        <p:cNvGrpSpPr/>
+        <p:nvPr/>
+      </p:nvGrpSpPr>
+      <p:grpSpPr>
+        <a:xfrm>
+          <a:off x="0" y="0"/>
+          <a:ext cx="0" cy="0"/>
+          <a:chOff x="0" y="0"/>
+          <a:chExt cx="0" cy="0"/>
+        </a:xfrm>
+      </p:grpSpPr>
+      <p:sp>
+        <p:nvSpPr>
+          <p:cNvPr id="2" name="標題 1"/>
+          <p:cNvSpPr>
+            <a:spLocks noGrp="1"/>
+          </p:cNvSpPr>
+          <p:nvPr>
+            <p:ph type="title"/>
+          </p:nvPr>
+        </p:nvSpPr>
+        <p:spPr>
+          <a:xfrm>
+            <a:off x="2081217" y="576929"/>
+            <a:ext cx="8721045" cy="880315"/>
+          </a:xfrm>
+        </p:spPr>
+        <p:txBody>
+          <a:bodyPr>
+            <a:normAutofit/>
+          </a:bodyPr>
+          <a:lstStyle/>
+          <a:p>
+            <a:r>
+              <a:rPr lang="zh-TW" altLang="en-US" sz="4400" dirty="0" smtClean="0"/>
+              <a:t>網頁說明</a:t>
+            </a:r>
+            <a:r>
+              <a:rPr lang="en-US" altLang="zh-TW" sz="4400" dirty="0" smtClean="0"/>
+              <a:t>――</a:t>
+            </a:r>
+            <a:r>
+              <a:rPr lang="zh-TW" altLang="en-US" sz="4400" dirty="0" smtClean="0"/>
+              <a:t>海大行事曆</a:t>
+            </a:r>
+            <a:endParaRPr lang="zh-TW" altLang="en-US" sz="4400" dirty="0"/>
+          </a:p>
+        </p:txBody>
+      </p:sp>
+      <p:sp>
+        <p:nvSpPr>
+          <p:cNvPr id="4" name="文字方塊 3"/>
+          <p:cNvSpPr txBox="1"/>
+          <p:nvPr/>
+        </p:nvSpPr>
+        <p:spPr>
+          <a:xfrm>
+            <a:off x="2081217" y="1694750"/>
+            <a:ext cx="8566667" cy="1118255"/>
+          </a:xfrm>
+          <a:prstGeom prst="rect">
+            <a:avLst/>
+          </a:prstGeom>
+          <a:noFill/>
+        </p:spPr>
+        <p:txBody>
+          <a:bodyPr wrap="square" rtlCol="0">
+            <a:spAutoFit/>
+          </a:bodyPr>
+          <a:lstStyle/>
+          <a:p>
+            <a:pPr>
+              <a:lnSpc>
+                <a:spcPts val="4000"/>
+              </a:lnSpc>
+            </a:pPr>
+            <a:r>
+              <a:rPr lang="zh-TW" altLang="en-US" sz="2400" dirty="0" smtClean="0"/>
+              <a:t>       身為一個海大人，怎麼可以沒有海大行事曆呢</a:t>
+            </a:r>
+            <a:r>
+              <a:rPr lang="zh-TW" altLang="en-US" sz="2400" dirty="0"/>
+              <a:t>？</a:t>
+            </a:r>
+            <a:r>
+              <a:rPr lang="zh-TW" altLang="en-US" sz="2400" dirty="0" smtClean="0"/>
+              <a:t>網頁中包含了最新版的海大行事曆，使你不再遺忘重要的時辰與活動。</a:t>
+            </a:r>
+            <a:endParaRPr lang="en-US" altLang="zh-TW" sz="2400" dirty="0"/>
+          </a:p>
+        </p:txBody>
+      </p:sp>
+    </p:spTree>
+    <p:extLst>
+      <p:ext uri="{BB962C8B-B14F-4D97-AF65-F5344CB8AC3E}">
+        <p14:creationId xmlns:p14="http://schemas.microsoft.com/office/powerpoint/2010/main" val="2061657475"/>
+      </p:ext>
+    </p:extLst>
+  </p:cSld>
+  <p:clrMapOvr>
+    <a:masterClrMapping/>
+  </p:clrMapOvr>
+  <p:timing>
+    <p:tnLst>
+      <p:par>
+        <p:cTn id="1" dur="indefinite" restart="never" nodeType="tmRoot"/>
+      </p:par>
+    </p:tnLst>
+  </p:timing>
+</p:sld>
+</file>
+
+<file path=ppt/slides/slide11.xml><?xml version="1.0" encoding="utf-8"?>
+<p:sld xmlns:a="http://schemas.openxmlformats.org/drawingml/2006/main" xmlns:r="http://schemas.openxmlformats.org/officeDocument/2006/relationships" xmlns:p="http://schemas.openxmlformats.org/presentationml/2006/main">
+  <p:cSld>
+    <p:spTree>
+      <p:nvGrpSpPr>
+        <p:cNvPr id="1" name=""/>
+        <p:cNvGrpSpPr/>
+        <p:nvPr/>
+      </p:nvGrpSpPr>
+      <p:grpSpPr>
+        <a:xfrm>
+          <a:off x="0" y="0"/>
+          <a:ext cx="0" cy="0"/>
+          <a:chOff x="0" y="0"/>
+          <a:chExt cx="0" cy="0"/>
+        </a:xfrm>
+      </p:grpSpPr>
+      <p:sp>
+        <p:nvSpPr>
+          <p:cNvPr id="2" name="標題 1"/>
+          <p:cNvSpPr>
+            <a:spLocks noGrp="1"/>
+          </p:cNvSpPr>
+          <p:nvPr>
+            <p:ph type="title"/>
+          </p:nvPr>
+        </p:nvSpPr>
+        <p:spPr>
+          <a:xfrm>
+            <a:off x="2081217" y="576929"/>
+            <a:ext cx="8721045" cy="880315"/>
+          </a:xfrm>
+        </p:spPr>
+        <p:txBody>
+          <a:bodyPr>
+            <a:normAutofit/>
+          </a:bodyPr>
+          <a:lstStyle/>
+          <a:p>
+            <a:r>
+              <a:rPr lang="zh-TW" altLang="en-US" sz="4400" dirty="0" smtClean="0"/>
+              <a:t>網站應用技術</a:t>
+            </a:r>
+            <a:endParaRPr lang="zh-TW" altLang="en-US" sz="4400" dirty="0"/>
+          </a:p>
+        </p:txBody>
+      </p:sp>
+      <p:sp>
+        <p:nvSpPr>
+          <p:cNvPr id="4" name="文字方塊 3"/>
+          <p:cNvSpPr txBox="1"/>
+          <p:nvPr/>
+        </p:nvSpPr>
+        <p:spPr>
+          <a:xfrm>
+            <a:off x="2081217" y="1694750"/>
+            <a:ext cx="8566667" cy="1569660"/>
+          </a:xfrm>
+          <a:prstGeom prst="rect">
+            <a:avLst/>
+          </a:prstGeom>
+          <a:noFill/>
+        </p:spPr>
+        <p:txBody>
+          <a:bodyPr wrap="square" rtlCol="0">
+            <a:spAutoFit/>
+          </a:bodyPr>
+          <a:lstStyle/>
+          <a:p>
+            <a:pPr marL="285750" indent="-285750">
+              <a:buFont typeface="Arial" panose="020B0604020202020204" pitchFamily="34" charset="0"/>
+              <a:buChar char="•"/>
+            </a:pPr>
+            <a:r>
+              <a:rPr lang="en-US" altLang="zh-TW" sz="2400" dirty="0"/>
+              <a:t>HTML</a:t>
+            </a:r>
+          </a:p>
+          <a:p>
+            <a:pPr marL="285750" indent="-285750">
+              <a:buFont typeface="Arial" panose="020B0604020202020204" pitchFamily="34" charset="0"/>
+              <a:buChar char="•"/>
+            </a:pPr>
+            <a:r>
+              <a:rPr lang="en-US" altLang="zh-TW" sz="2400" dirty="0"/>
+              <a:t>CSS</a:t>
+            </a:r>
+          </a:p>
+          <a:p>
+            <a:pPr marL="285750" indent="-285750">
+              <a:buFont typeface="Arial" panose="020B0604020202020204" pitchFamily="34" charset="0"/>
+              <a:buChar char="•"/>
+            </a:pPr>
+            <a:r>
+              <a:rPr lang="en-US" altLang="zh-TW" sz="2400" dirty="0" smtClean="0"/>
+              <a:t>JavaScript</a:t>
+            </a:r>
+          </a:p>
+          <a:p>
+            <a:pPr marL="285750" indent="-285750">
+              <a:buFont typeface="Arial" panose="020B0604020202020204" pitchFamily="34" charset="0"/>
+              <a:buChar char="•"/>
+            </a:pPr>
+            <a:r>
+              <a:rPr lang="en-US" altLang="zh-TW" sz="2400" dirty="0" smtClean="0"/>
+              <a:t>jQuery</a:t>
+            </a:r>
+            <a:endParaRPr lang="en-US" altLang="zh-TW" sz="2400" dirty="0"/>
+          </a:p>
+        </p:txBody>
+      </p:sp>
+    </p:spTree>
+    <p:extLst>
+      <p:ext uri="{BB962C8B-B14F-4D97-AF65-F5344CB8AC3E}">
+        <p14:creationId xmlns:p14="http://schemas.microsoft.com/office/powerpoint/2010/main" val="815165868"/>
+      </p:ext>
+    </p:extLst>
+  </p:cSld>
+  <p:clrMapOvr>
+    <a:masterClrMapping/>
+  </p:clrMapOvr>
+  <p:timing>
+    <p:tnLst>
+      <p:par>
+        <p:cTn id="1" dur="indefinite" restart="never" nodeType="tmRoot"/>
+      </p:par>
+    </p:tnLst>
+  </p:timing>
+</p:sld>
+</file>
+
+<file path=ppt/slides/slide12.xml><?xml version="1.0" encoding="utf-8"?>
+<p:sld xmlns:a="http://schemas.openxmlformats.org/drawingml/2006/main" xmlns:r="http://schemas.openxmlformats.org/officeDocument/2006/relationships" xmlns:p="http://schemas.openxmlformats.org/presentationml/2006/main">
+  <p:cSld>
+    <p:spTree>
+      <p:nvGrpSpPr>
+        <p:cNvPr id="1" name=""/>
+        <p:cNvGrpSpPr/>
+        <p:nvPr/>
+      </p:nvGrpSpPr>
+      <p:grpSpPr>
+        <a:xfrm>
+          <a:off x="0" y="0"/>
+          <a:ext cx="0" cy="0"/>
+          <a:chOff x="0" y="0"/>
+          <a:chExt cx="0" cy="0"/>
+        </a:xfrm>
+      </p:grpSpPr>
+      <p:sp>
+        <p:nvSpPr>
+          <p:cNvPr id="2" name="標題 1"/>
+          <p:cNvSpPr>
+            <a:spLocks noGrp="1"/>
+          </p:cNvSpPr>
+          <p:nvPr>
+            <p:ph type="title"/>
+          </p:nvPr>
+        </p:nvSpPr>
+        <p:spPr>
+          <a:xfrm>
+            <a:off x="2081217" y="576929"/>
+            <a:ext cx="8721045" cy="880315"/>
+          </a:xfrm>
+        </p:spPr>
+        <p:txBody>
+          <a:bodyPr>
+            <a:normAutofit/>
+          </a:bodyPr>
+          <a:lstStyle/>
+          <a:p>
+            <a:r>
+              <a:rPr lang="zh-TW" altLang="en-US" sz="4400" dirty="0" smtClean="0"/>
+              <a:t>小組分工</a:t>
+            </a:r>
+            <a:endParaRPr lang="zh-TW" altLang="en-US" sz="4400" dirty="0"/>
+          </a:p>
+        </p:txBody>
+      </p:sp>
+      <p:sp>
+        <p:nvSpPr>
+          <p:cNvPr id="5" name="文字方塊 4"/>
+          <p:cNvSpPr txBox="1"/>
+          <p:nvPr/>
+        </p:nvSpPr>
+        <p:spPr>
+          <a:xfrm>
+            <a:off x="2081217" y="1694750"/>
+            <a:ext cx="8566667" cy="3139321"/>
+          </a:xfrm>
+          <a:prstGeom prst="rect">
+            <a:avLst/>
+          </a:prstGeom>
+          <a:noFill/>
+        </p:spPr>
+        <p:txBody>
+          <a:bodyPr wrap="square" rtlCol="0">
+            <a:spAutoFit/>
+          </a:bodyPr>
+          <a:lstStyle/>
+          <a:p>
+            <a:pPr marL="285750" indent="-285750">
+              <a:buFont typeface="Arial" panose="020B0604020202020204" pitchFamily="34" charset="0"/>
+              <a:buChar char="•"/>
+            </a:pPr>
+            <a:r>
+              <a:rPr lang="en-US" altLang="zh-TW" dirty="0"/>
+              <a:t>00357122</a:t>
+            </a:r>
+            <a:r>
+              <a:rPr lang="zh-TW" altLang="en-US" dirty="0"/>
+              <a:t> 吳光明 </a:t>
+            </a:r>
+            <a:r>
+              <a:rPr lang="en-US" altLang="zh-TW" dirty="0"/>
+              <a:t>:</a:t>
+            </a:r>
+            <a:r>
+              <a:rPr lang="zh-TW" altLang="en-US" dirty="0"/>
+              <a:t> </a:t>
+            </a:r>
+            <a:endParaRPr lang="en-US" altLang="zh-TW" dirty="0"/>
+          </a:p>
+          <a:p>
+            <a:pPr marL="742950" lvl="1" indent="-285750">
+              <a:buFont typeface="Arial" panose="020B0604020202020204" pitchFamily="34" charset="0"/>
+              <a:buChar char="•"/>
+            </a:pPr>
+            <a:r>
+              <a:rPr lang="zh-TW" altLang="en-US" dirty="0"/>
+              <a:t>網頁製作 </a:t>
+            </a:r>
+            <a:r>
+              <a:rPr lang="en-US" altLang="zh-TW" dirty="0"/>
+              <a:t>:</a:t>
+            </a:r>
+            <a:r>
+              <a:rPr lang="zh-TW" altLang="en-US" dirty="0"/>
+              <a:t> 首頁、食、旅遊、行事曆</a:t>
+            </a:r>
+            <a:endParaRPr lang="en-US" altLang="zh-TW" dirty="0"/>
+          </a:p>
+          <a:p>
+            <a:pPr marL="742950" lvl="1" indent="-285750">
+              <a:buFont typeface="Arial" panose="020B0604020202020204" pitchFamily="34" charset="0"/>
+              <a:buChar char="•"/>
+            </a:pPr>
+            <a:r>
+              <a:rPr lang="zh-TW" altLang="en-US" dirty="0"/>
+              <a:t>版面設計與調整 </a:t>
+            </a:r>
+            <a:r>
+              <a:rPr lang="en-US" altLang="zh-TW" dirty="0"/>
+              <a:t>:</a:t>
+            </a:r>
+            <a:r>
+              <a:rPr lang="zh-TW" altLang="en-US" dirty="0"/>
+              <a:t> 首頁、食、旅遊、</a:t>
+            </a:r>
+            <a:r>
+              <a:rPr lang="zh-TW" altLang="en-US" dirty="0" smtClean="0"/>
+              <a:t>行事曆</a:t>
+            </a:r>
+            <a:endParaRPr lang="en-US" altLang="zh-TW" dirty="0" smtClean="0"/>
+          </a:p>
+          <a:p>
+            <a:pPr marL="742950" lvl="1" indent="-285750">
+              <a:buFont typeface="Arial" panose="020B0604020202020204" pitchFamily="34" charset="0"/>
+              <a:buChar char="•"/>
+            </a:pPr>
+            <a:r>
+              <a:rPr lang="zh-TW" altLang="en-US" dirty="0" smtClean="0"/>
+              <a:t>統整與整</a:t>
+            </a:r>
+            <a:r>
+              <a:rPr lang="zh-TW" altLang="en-US" dirty="0"/>
+              <a:t>合</a:t>
+            </a:r>
+            <a:endParaRPr lang="en-US" altLang="zh-TW" dirty="0"/>
+          </a:p>
+          <a:p>
+            <a:pPr marL="285750" indent="-285750">
+              <a:buFont typeface="Arial" panose="020B0604020202020204" pitchFamily="34" charset="0"/>
+              <a:buChar char="•"/>
+            </a:pPr>
+            <a:endParaRPr lang="en-US" altLang="zh-TW" dirty="0"/>
+          </a:p>
+          <a:p>
+            <a:pPr marL="285750" indent="-285750">
+              <a:buFont typeface="Arial" panose="020B0604020202020204" pitchFamily="34" charset="0"/>
+              <a:buChar char="•"/>
+            </a:pPr>
+            <a:r>
+              <a:rPr lang="en-US" altLang="zh-TW" dirty="0"/>
+              <a:t>00357121</a:t>
+            </a:r>
+            <a:r>
+              <a:rPr lang="zh-TW" altLang="en-US" dirty="0"/>
+              <a:t> 黃炫愷 </a:t>
+            </a:r>
+            <a:r>
+              <a:rPr lang="en-US" altLang="zh-TW" dirty="0"/>
+              <a:t>:</a:t>
+            </a:r>
+            <a:r>
+              <a:rPr lang="zh-TW" altLang="en-US" dirty="0"/>
+              <a:t> </a:t>
+            </a:r>
+            <a:endParaRPr lang="en-US" altLang="zh-TW" dirty="0"/>
+          </a:p>
+          <a:p>
+            <a:pPr marL="742950" lvl="1" indent="-285750">
+              <a:buFont typeface="Arial" panose="020B0604020202020204" pitchFamily="34" charset="0"/>
+              <a:buChar char="•"/>
+            </a:pPr>
+            <a:r>
+              <a:rPr lang="zh-TW" altLang="en-US" dirty="0"/>
+              <a:t>網頁製作 </a:t>
+            </a:r>
+            <a:r>
+              <a:rPr lang="en-US" altLang="zh-TW" dirty="0"/>
+              <a:t>:</a:t>
+            </a:r>
+            <a:r>
+              <a:rPr lang="zh-TW" altLang="en-US" dirty="0"/>
+              <a:t> 住、行</a:t>
+            </a:r>
+            <a:endParaRPr lang="en-US" altLang="zh-TW" dirty="0"/>
+          </a:p>
+          <a:p>
+            <a:pPr marL="742950" lvl="1" indent="-285750">
+              <a:buFont typeface="Arial" panose="020B0604020202020204" pitchFamily="34" charset="0"/>
+              <a:buChar char="•"/>
+            </a:pPr>
+            <a:r>
+              <a:rPr lang="zh-TW" altLang="en-US" dirty="0"/>
+              <a:t>版面設計與調整 </a:t>
+            </a:r>
+            <a:r>
+              <a:rPr lang="en-US" altLang="zh-TW" dirty="0"/>
+              <a:t>:</a:t>
+            </a:r>
+            <a:r>
+              <a:rPr lang="zh-TW" altLang="en-US" dirty="0"/>
+              <a:t> 首頁、住、行</a:t>
+            </a:r>
+            <a:endParaRPr lang="en-US" altLang="zh-TW" dirty="0"/>
+          </a:p>
+          <a:p>
+            <a:pPr marL="742950" lvl="1" indent="-285750">
+              <a:buFont typeface="Arial" panose="020B0604020202020204" pitchFamily="34" charset="0"/>
+              <a:buChar char="•"/>
+            </a:pPr>
+            <a:endParaRPr lang="en-US" altLang="zh-TW" dirty="0"/>
+          </a:p>
+          <a:p>
+            <a:pPr marL="285750" indent="-285750">
+              <a:buFont typeface="Arial" panose="020B0604020202020204" pitchFamily="34" charset="0"/>
+              <a:buChar char="•"/>
+            </a:pPr>
+            <a:endParaRPr lang="en-US" altLang="zh-TW" dirty="0"/>
+          </a:p>
+          <a:p>
+            <a:pPr marL="285750" indent="-285750">
+              <a:buFont typeface="Arial" panose="020B0604020202020204" pitchFamily="34" charset="0"/>
+              <a:buChar char="•"/>
+            </a:pPr>
+            <a:endParaRPr lang="zh-TW" altLang="en-US" dirty="0"/>
+          </a:p>
+        </p:txBody>
+      </p:sp>
+    </p:spTree>
+    <p:extLst>
+      <p:ext uri="{BB962C8B-B14F-4D97-AF65-F5344CB8AC3E}">
+        <p14:creationId xmlns:p14="http://schemas.microsoft.com/office/powerpoint/2010/main" val="2809428858"/>
+      </p:ext>
+    </p:extLst>
+  </p:cSld>
+  <p:clrMapOvr>
+    <a:masterClrMapping/>
+  </p:clrMapOvr>
+  <p:timing>
+    <p:tnLst>
+      <p:par>
+        <p:cTn id="1" dur="indefinite" restart="never" nodeType="tmRoot"/>
+      </p:par>
+    </p:tnLst>
+  </p:timing>
+</p:sld>
+</file>
+
+<file path=ppt/slides/slide13.xml><?xml version="1.0" encoding="utf-8"?>
+<p:sld xmlns:a="http://schemas.openxmlformats.org/drawingml/2006/main" xmlns:r="http://schemas.openxmlformats.org/officeDocument/2006/relationships" xmlns:p="http://schemas.openxmlformats.org/presentationml/2006/main">
+  <p:cSld>
+    <p:spTree>
+      <p:nvGrpSpPr>
+        <p:cNvPr id="1" name=""/>
+        <p:cNvGrpSpPr/>
+        <p:nvPr/>
+      </p:nvGrpSpPr>
+      <p:grpSpPr>
+        <a:xfrm>
+          <a:off x="0" y="0"/>
+          <a:ext cx="0" cy="0"/>
+          <a:chOff x="0" y="0"/>
+          <a:chExt cx="0" cy="0"/>
+        </a:xfrm>
+      </p:grpSpPr>
+      <p:sp>
+        <p:nvSpPr>
+          <p:cNvPr id="2" name="標題 1"/>
+          <p:cNvSpPr>
+            <a:spLocks noGrp="1"/>
+          </p:cNvSpPr>
+          <p:nvPr>
+            <p:ph type="title"/>
+          </p:nvPr>
+        </p:nvSpPr>
+        <p:spPr>
+          <a:xfrm>
+            <a:off x="2081217" y="576929"/>
+            <a:ext cx="8721045" cy="880315"/>
+          </a:xfrm>
+        </p:spPr>
+        <p:txBody>
+          <a:bodyPr>
+            <a:normAutofit/>
+          </a:bodyPr>
+          <a:lstStyle/>
+          <a:p>
+            <a:r>
+              <a:rPr lang="zh-TW" altLang="en-US" sz="4400" dirty="0" smtClean="0"/>
+              <a:t>專案網</a:t>
+            </a:r>
+            <a:r>
+              <a:rPr lang="zh-TW" altLang="en-US" sz="4400" dirty="0"/>
+              <a:t>址</a:t>
+            </a:r>
+          </a:p>
+        </p:txBody>
+      </p:sp>
+      <p:sp>
+        <p:nvSpPr>
+          <p:cNvPr id="4" name="文字方塊 3"/>
+          <p:cNvSpPr txBox="1"/>
+          <p:nvPr/>
+        </p:nvSpPr>
+        <p:spPr>
+          <a:xfrm>
+            <a:off x="2081217" y="1694750"/>
+            <a:ext cx="8566667" cy="461665"/>
+          </a:xfrm>
+          <a:prstGeom prst="rect">
+            <a:avLst/>
+          </a:prstGeom>
+          <a:noFill/>
+        </p:spPr>
+        <p:txBody>
+          <a:bodyPr wrap="square" rtlCol="0">
+            <a:spAutoFit/>
+          </a:bodyPr>
+          <a:lstStyle/>
+          <a:p>
+            <a:pPr marL="285750" indent="-285750">
+              <a:buFont typeface="Arial" panose="020B0604020202020204" pitchFamily="34" charset="0"/>
+              <a:buChar char="•"/>
+            </a:pPr>
+            <a:r>
+              <a:rPr lang="en-US" altLang="zh-TW" sz="2400" dirty="0">
+                <a:hlinkClick r:id="rId2"/>
+              </a:rPr>
+              <a:t>http://aaron850426.github.io/home/newHome.html</a:t>
+            </a:r>
+            <a:endParaRPr lang="en-US" altLang="zh-TW" sz="2400" dirty="0"/>
+          </a:p>
+        </p:txBody>
+      </p:sp>
+    </p:spTree>
+    <p:extLst>
+      <p:ext uri="{BB962C8B-B14F-4D97-AF65-F5344CB8AC3E}">
+        <p14:creationId xmlns:p14="http://schemas.microsoft.com/office/powerpoint/2010/main" val="3004639636"/>
       </p:ext>
     </p:extLst>
   </p:cSld>
@@ -12146,7 +13403,15 @@
             </a:r>
             <a:r>
               <a:rPr lang="zh-TW" altLang="en-US" sz="2400" dirty="0" smtClean="0"/>
-              <a:t>選擇美食。各式各樣的租屋資訊、海大周邊的交通、以及即時的天氣概況。</a:t>
+              <a:t>選擇美食。各式各樣的租屋資訊、海大周邊的交通、旅</a:t>
+            </a:r>
+            <a:r>
+              <a:rPr lang="zh-TW" altLang="en-US" sz="2400" dirty="0"/>
+              <a:t>遊</a:t>
+            </a:r>
+            <a:r>
+              <a:rPr lang="zh-TW" altLang="en-US" sz="2400" dirty="0" smtClean="0"/>
+              <a:t>以及海大人必備的行事曆。</a:t>
             </a:r>
             <a:endParaRPr lang="en-US" altLang="zh-TW" sz="2400" dirty="0" smtClean="0"/>
           </a:p>
@@ -12225,14 +13490,14 @@
           <p:nvPr>
             <p:extLst>
               <p:ext uri="{D42A27DB-BD31-4B8C-83A1-F6EECF244321}">
-                <p14:modId xmlns:p14="http://schemas.microsoft.com/office/powerpoint/2010/main" val="1013571789"/>
+                <p14:modId xmlns:p14="http://schemas.microsoft.com/office/powerpoint/2010/main" val="1974797982"/>
               </p:ext>
             </p:extLst>
           </p:nvPr>
         </p:nvGraphicFramePr>
         <p:xfrm>
-          <a:off x="1055720" y="1225688"/>
-          <a:ext cx="10301639" cy="4867463"/>
+          <a:off x="623843" y="1225688"/>
+          <a:ext cx="11118077" cy="4867463"/>
         </p:xfrm>
         <a:graphic>
           <a:graphicData uri="http://schemas.openxmlformats.org/drawingml/2006/diagram">
@@ -12315,7 +13580,7 @@
         <p:spPr>
           <a:xfrm>
             <a:off x="2081217" y="1694750"/>
-            <a:ext cx="8566667" cy="1569660"/>
+            <a:ext cx="8566667" cy="2599109"/>
           </a:xfrm>
           <a:prstGeom prst="rect">
             <a:avLst/>
@@ -12329,6 +13594,9 @@
           <a:lstStyle/>
           <a:p>
             <a:pPr marL="285750" indent="-285750">
+              <a:lnSpc>
+                <a:spcPts val="4000"/>
+              </a:lnSpc>
               <a:buFont typeface="Arial" panose="020B0604020202020204" pitchFamily="34" charset="0"/>
               <a:buChar char="•"/>
             </a:pPr>
@@ -12340,12 +13608,23 @@
           </a:p>
           <a:p>
             <a:pPr marL="742950" lvl="1" indent="-285750">
+              <a:lnSpc>
+                <a:spcPts val="4000"/>
+              </a:lnSpc>
               <a:buFont typeface="Arial" panose="020B0604020202020204" pitchFamily="34" charset="0"/>
               <a:buChar char="•"/>
             </a:pPr>
             <a:r>
               <a:rPr lang="zh-TW" altLang="en-US" sz="2400" dirty="0"/>
-              <a:t>包含食、住、行、海大行事曆等等生活</a:t>
+              <a:t>包含食、住、行</a:t>
+            </a:r>
+            <a:r>
+              <a:rPr lang="zh-TW" altLang="en-US" sz="2400" dirty="0" smtClean="0"/>
+              <a:t>、旅遊、海</a:t>
+            </a:r>
+            <a:r>
+              <a:rPr lang="zh-TW" altLang="en-US" sz="2400" dirty="0"/>
+              <a:t>大行事曆等等生活</a:t>
             </a:r>
             <a:r>
               <a:rPr lang="zh-TW" altLang="en-US" sz="2400" dirty="0" smtClean="0"/>
@@ -12355,27 +13634,29 @@
           </a:p>
           <a:p>
             <a:pPr marL="285750" indent="-285750">
+              <a:lnSpc>
+                <a:spcPts val="4000"/>
+              </a:lnSpc>
               <a:buFont typeface="Arial" panose="020B0604020202020204" pitchFamily="34" charset="0"/>
               <a:buChar char="•"/>
             </a:pPr>
             <a:r>
               <a:rPr lang="zh-TW" altLang="en-US" sz="2400" dirty="0" smtClean="0"/>
-              <a:t>更方便的知道海大周邊的</a:t>
-            </a:r>
-            <a:r>
-              <a:rPr lang="zh-TW" altLang="en-US" sz="2400" dirty="0" smtClean="0"/>
-              <a:t>資訊</a:t>
+              <a:t>更方便的知道海大周邊的資訊</a:t>
             </a:r>
             <a:endParaRPr lang="en-US" altLang="zh-TW" sz="2400" dirty="0" smtClean="0"/>
           </a:p>
           <a:p>
             <a:pPr marL="285750" indent="-285750">
+              <a:lnSpc>
+                <a:spcPts val="4000"/>
+              </a:lnSpc>
               <a:buFont typeface="Arial" panose="020B0604020202020204" pitchFamily="34" charset="0"/>
               <a:buChar char="•"/>
             </a:pPr>
             <a:r>
               <a:rPr lang="zh-TW" altLang="en-US" sz="2400" dirty="0" smtClean="0"/>
-              <a:t>能有更多的資訊，來決定今晚的晚餐、下學期的租屋</a:t>
+              <a:t>能有更多的資訊，來決定今晚的晚餐、下學期的租屋、明天的行程</a:t>
             </a:r>
             <a:r>
               <a:rPr lang="en-US" altLang="zh-TW" sz="2400" dirty="0" smtClean="0"/>
@@ -12445,9 +13726,18 @@
           <a:lstStyle/>
           <a:p>
             <a:r>
-              <a:rPr lang="zh-TW" altLang="en-US" sz="4400" dirty="0"/>
-              <a:t>網站技術</a:t>
-            </a:r>
+              <a:rPr lang="zh-TW" altLang="en-US" sz="4400" dirty="0" smtClean="0"/>
+              <a:t>網頁說明</a:t>
+            </a:r>
+            <a:r>
+              <a:rPr lang="en-US" altLang="zh-TW" sz="4400" dirty="0" smtClean="0"/>
+              <a:t>――</a:t>
+            </a:r>
+            <a:r>
+              <a:rPr lang="zh-TW" altLang="en-US" sz="4400" dirty="0" smtClean="0"/>
+              <a:t>首頁</a:t>
+            </a:r>
+            <a:endParaRPr lang="zh-TW" altLang="en-US" sz="4400" dirty="0"/>
           </a:p>
         </p:txBody>
       </p:sp>
@@ -12460,7 +13750,7 @@
         <p:spPr>
           <a:xfrm>
             <a:off x="2081217" y="1694750"/>
-            <a:ext cx="8566667" cy="1200329"/>
+            <a:ext cx="8566667" cy="1631216"/>
           </a:xfrm>
           <a:prstGeom prst="rect">
             <a:avLst/>
@@ -12473,41 +13763,31 @@
           </a:bodyPr>
           <a:lstStyle/>
           <a:p>
-            <a:pPr marL="285750" indent="-285750">
-              <a:buFont typeface="Arial" panose="020B0604020202020204" pitchFamily="34" charset="0"/>
-              <a:buChar char="•"/>
+            <a:pPr>
+              <a:lnSpc>
+                <a:spcPts val="4000"/>
+              </a:lnSpc>
             </a:pPr>
             <a:r>
-              <a:rPr lang="en-US" altLang="zh-TW" sz="2400" dirty="0"/>
-              <a:t>HTML</a:t>
-            </a:r>
-          </a:p>
-          <a:p>
-            <a:pPr marL="285750" indent="-285750">
-              <a:buFont typeface="Arial" panose="020B0604020202020204" pitchFamily="34" charset="0"/>
-              <a:buChar char="•"/>
-            </a:pPr>
-            <a:r>
-              <a:rPr lang="en-US" altLang="zh-TW" sz="2400" dirty="0"/>
-              <a:t>CSS</a:t>
-            </a:r>
-          </a:p>
-          <a:p>
-            <a:pPr marL="285750" indent="-285750">
-              <a:buFont typeface="Arial" panose="020B0604020202020204" pitchFamily="34" charset="0"/>
-              <a:buChar char="•"/>
-            </a:pPr>
-            <a:r>
-              <a:rPr lang="en-US" altLang="zh-TW" sz="2400" dirty="0"/>
-              <a:t>JavaScript</a:t>
-            </a:r>
+              <a:rPr lang="zh-TW" altLang="en-US" sz="2400" dirty="0" smtClean="0"/>
+              <a:t>       網頁</a:t>
+            </a:r>
+            <a:r>
+              <a:rPr lang="zh-TW" altLang="en-US" sz="2400" dirty="0"/>
+              <a:t>中介紹了國立臺灣海洋</a:t>
+            </a:r>
+            <a:r>
+              <a:rPr lang="zh-TW" altLang="en-US" sz="2400" dirty="0" smtClean="0"/>
+              <a:t>大學得相關簡介，包含歷史、特色、照片、以及地理位址，並在網頁下方附上此網站的說明文件。</a:t>
+            </a:r>
+            <a:endParaRPr lang="en-US" altLang="zh-TW" sz="2400" dirty="0"/>
           </a:p>
         </p:txBody>
       </p:sp>
     </p:spTree>
     <p:extLst>
       <p:ext uri="{BB962C8B-B14F-4D97-AF65-F5344CB8AC3E}">
-        <p14:creationId xmlns:p14="http://schemas.microsoft.com/office/powerpoint/2010/main" val="815165868"/>
+        <p14:creationId xmlns:p14="http://schemas.microsoft.com/office/powerpoint/2010/main" val="4286333372"/>
       </p:ext>
     </p:extLst>
   </p:cSld>
@@ -12565,218 +13845,498 @@
           <a:p>
             <a:r>
               <a:rPr lang="zh-TW" altLang="en-US" sz="4400" dirty="0" smtClean="0"/>
-              <a:t>小組分工</a:t>
+              <a:t>網頁說明</a:t>
+            </a:r>
+            <a:r>
+              <a:rPr lang="en-US" altLang="zh-TW" sz="4400" dirty="0" smtClean="0"/>
+              <a:t>――</a:t>
+            </a:r>
+            <a:r>
+              <a:rPr lang="zh-TW" altLang="en-US" sz="4400" dirty="0" smtClean="0"/>
+              <a:t>食</a:t>
             </a:r>
             <a:endParaRPr lang="zh-TW" altLang="en-US" sz="4400" dirty="0"/>
           </a:p>
         </p:txBody>
       </p:sp>
-      <p:graphicFrame>
-        <p:nvGraphicFramePr>
-          <p:cNvPr id="3" name="表格 2"/>
-          <p:cNvGraphicFramePr>
-            <a:graphicFrameLocks noGrp="1"/>
-          </p:cNvGraphicFramePr>
-          <p:nvPr>
-            <p:extLst>
-              <p:ext uri="{D42A27DB-BD31-4B8C-83A1-F6EECF244321}">
-                <p14:modId xmlns:p14="http://schemas.microsoft.com/office/powerpoint/2010/main" val="663459729"/>
-              </p:ext>
-            </p:extLst>
-          </p:nvPr>
-        </p:nvGraphicFramePr>
-        <p:xfrm>
-          <a:off x="1515684" y="2354722"/>
-          <a:ext cx="8468575" cy="1107440"/>
-        </p:xfrm>
-        <a:graphic>
-          <a:graphicData uri="http://schemas.openxmlformats.org/drawingml/2006/table">
-            <a:tbl>
-              <a:tblPr firstRow="1" bandRow="1">
-                <a:tableStyleId>{5C22544A-7EE6-4342-B048-85BDC9FD1C3A}</a:tableStyleId>
-              </a:tblPr>
-              <a:tblGrid>
-                <a:gridCol w="932180"/>
-                <a:gridCol w="2303780"/>
-                <a:gridCol w="5232615"/>
-              </a:tblGrid>
-              <a:tr h="0">
-                <a:tc>
-                  <a:txBody>
-                    <a:bodyPr/>
-                    <a:lstStyle/>
-                    <a:p>
-                      <a:pPr algn="ctr"/>
-                      <a:endParaRPr lang="zh-TW" altLang="en-US" dirty="0"/>
-                    </a:p>
-                  </a:txBody>
-                  <a:tcPr/>
-                </a:tc>
-                <a:tc>
-                  <a:txBody>
-                    <a:bodyPr/>
-                    <a:lstStyle/>
-                    <a:p>
-                      <a:pPr algn="ctr"/>
-                      <a:r>
-                        <a:rPr lang="zh-TW" altLang="en-US" dirty="0" smtClean="0"/>
-                        <a:t>專題討論</a:t>
-                      </a:r>
-                      <a:endParaRPr lang="zh-TW" altLang="en-US" dirty="0"/>
-                    </a:p>
-                  </a:txBody>
-                  <a:tcPr/>
-                </a:tc>
-                <a:tc>
-                  <a:txBody>
-                    <a:bodyPr/>
-                    <a:lstStyle/>
-                    <a:p>
-                      <a:pPr algn="ctr"/>
-                      <a:r>
-                        <a:rPr lang="zh-TW" altLang="en-US" dirty="0" smtClean="0"/>
-                        <a:t>架構</a:t>
-                      </a:r>
-                      <a:endParaRPr lang="zh-TW" altLang="en-US" dirty="0"/>
-                    </a:p>
-                  </a:txBody>
-                  <a:tcPr/>
-                </a:tc>
-              </a:tr>
-              <a:tr h="370840">
-                <a:tc>
-                  <a:txBody>
-                    <a:bodyPr/>
-                    <a:lstStyle/>
-                    <a:p>
-                      <a:pPr algn="ctr"/>
-                      <a:r>
-                        <a:rPr lang="zh-TW" altLang="en-US" dirty="0" smtClean="0"/>
-                        <a:t>黃炫愷</a:t>
-                      </a:r>
-                      <a:endParaRPr lang="zh-TW" altLang="en-US" dirty="0"/>
-                    </a:p>
-                  </a:txBody>
-                  <a:tcPr/>
-                </a:tc>
-                <a:tc>
-                  <a:txBody>
-                    <a:bodyPr/>
-                    <a:lstStyle/>
-                    <a:p>
-                      <a:pPr marL="0" marR="0" indent="0" algn="ctr" defTabSz="457200" rtl="0" eaLnBrk="1" fontAlgn="auto" latinLnBrk="0" hangingPunct="1">
-                        <a:lnSpc>
-                          <a:spcPct val="100000"/>
-                        </a:lnSpc>
-                        <a:spcBef>
-                          <a:spcPts val="0"/>
-                        </a:spcBef>
-                        <a:spcAft>
-                          <a:spcPts val="0"/>
-                        </a:spcAft>
-                        <a:buClrTx/>
-                        <a:buSzTx/>
-                        <a:buFontTx/>
-                        <a:buNone/>
-                        <a:tabLst/>
-                        <a:defRPr/>
-                      </a:pPr>
-                      <a:r>
-                        <a:rPr lang="zh-TW" altLang="en-US" sz="1800" dirty="0" smtClean="0"/>
-                        <a:t>構思討論、製作簡報</a:t>
-                      </a:r>
-                      <a:endParaRPr lang="en-US" altLang="zh-TW" sz="1800" dirty="0" smtClean="0"/>
-                    </a:p>
-                  </a:txBody>
-                  <a:tcPr/>
-                </a:tc>
-                <a:tc>
-                  <a:txBody>
-                    <a:bodyPr/>
-                    <a:lstStyle/>
-                    <a:p>
-                      <a:pPr algn="ctr"/>
-                      <a:r>
-                        <a:rPr lang="zh-TW" altLang="en-US" dirty="0" smtClean="0"/>
-                        <a:t>租屋資訊、遊行娛樂的網頁功能與呈現</a:t>
-                      </a:r>
-                      <a:endParaRPr lang="zh-TW" altLang="en-US" dirty="0"/>
-                    </a:p>
-                  </a:txBody>
-                  <a:tcPr/>
-                </a:tc>
-              </a:tr>
-              <a:tr h="370840">
-                <a:tc>
-                  <a:txBody>
-                    <a:bodyPr/>
-                    <a:lstStyle/>
-                    <a:p>
-                      <a:pPr algn="ctr"/>
-                      <a:r>
-                        <a:rPr lang="zh-TW" altLang="en-US" dirty="0" smtClean="0"/>
-                        <a:t>吳光明</a:t>
-                      </a:r>
-                      <a:endParaRPr lang="zh-TW" altLang="en-US" dirty="0"/>
-                    </a:p>
-                  </a:txBody>
-                  <a:tcPr/>
-                </a:tc>
-                <a:tc>
-                  <a:txBody>
-                    <a:bodyPr/>
-                    <a:lstStyle/>
-                    <a:p>
-                      <a:pPr marL="0" marR="0" indent="0" algn="ctr" defTabSz="457200" rtl="0" eaLnBrk="1" fontAlgn="auto" latinLnBrk="0" hangingPunct="1">
-                        <a:lnSpc>
-                          <a:spcPct val="100000"/>
-                        </a:lnSpc>
-                        <a:spcBef>
-                          <a:spcPts val="0"/>
-                        </a:spcBef>
-                        <a:spcAft>
-                          <a:spcPts val="0"/>
-                        </a:spcAft>
-                        <a:buClrTx/>
-                        <a:buSzTx/>
-                        <a:buFontTx/>
-                        <a:buNone/>
-                        <a:tabLst/>
-                        <a:defRPr/>
-                      </a:pPr>
-                      <a:r>
-                        <a:rPr lang="zh-TW" altLang="en-US" sz="1800" dirty="0" smtClean="0"/>
-                        <a:t>構思討論、簡報討論</a:t>
-                      </a:r>
-                      <a:endParaRPr lang="en-US" altLang="zh-TW" sz="1800" dirty="0" smtClean="0"/>
-                    </a:p>
-                  </a:txBody>
-                  <a:tcPr/>
-                </a:tc>
-                <a:tc>
-                  <a:txBody>
-                    <a:bodyPr/>
-                    <a:lstStyle/>
-                    <a:p>
-                      <a:pPr algn="ctr"/>
-                      <a:r>
-                        <a:rPr lang="zh-TW" altLang="en-US" dirty="0" smtClean="0"/>
-                        <a:t>美食資訊、行事曆、粉絲頁連結的網頁功能與呈現</a:t>
-                      </a:r>
-                      <a:endParaRPr lang="zh-TW" altLang="en-US" dirty="0"/>
-                    </a:p>
-                  </a:txBody>
-                  <a:tcPr/>
-                </a:tc>
-              </a:tr>
-            </a:tbl>
-          </a:graphicData>
-        </a:graphic>
-      </p:graphicFrame>
+      <p:sp>
+        <p:nvSpPr>
+          <p:cNvPr id="4" name="文字方塊 3"/>
+          <p:cNvSpPr txBox="1"/>
+          <p:nvPr/>
+        </p:nvSpPr>
+        <p:spPr>
+          <a:xfrm>
+            <a:off x="2081217" y="1694750"/>
+            <a:ext cx="8566667" cy="1631216"/>
+          </a:xfrm>
+          <a:prstGeom prst="rect">
+            <a:avLst/>
+          </a:prstGeom>
+          <a:noFill/>
+        </p:spPr>
+        <p:txBody>
+          <a:bodyPr wrap="square" rtlCol="0">
+            <a:spAutoFit/>
+          </a:bodyPr>
+          <a:lstStyle/>
+          <a:p>
+            <a:pPr>
+              <a:lnSpc>
+                <a:spcPts val="4000"/>
+              </a:lnSpc>
+            </a:pPr>
+            <a:r>
+              <a:rPr lang="zh-TW" altLang="en-US" sz="2400" dirty="0" smtClean="0"/>
+              <a:t>       網頁</a:t>
+            </a:r>
+            <a:r>
+              <a:rPr lang="zh-TW" altLang="en-US" sz="2400" dirty="0"/>
+              <a:t>中介紹了國立臺灣海洋</a:t>
+            </a:r>
+            <a:r>
+              <a:rPr lang="zh-TW" altLang="en-US" sz="2400" dirty="0" smtClean="0"/>
+              <a:t>大學附近的餐廳、飲料店，提供給大家做參考，並簡單介紹了餐廳的特色、菜式、以及地理位址。</a:t>
+            </a:r>
+            <a:endParaRPr lang="en-US" altLang="zh-TW" sz="2400" dirty="0"/>
+          </a:p>
+        </p:txBody>
+      </p:sp>
     </p:spTree>
     <p:extLst>
       <p:ext uri="{BB962C8B-B14F-4D97-AF65-F5344CB8AC3E}">
-        <p14:creationId xmlns:p14="http://schemas.microsoft.com/office/powerpoint/2010/main" val="2809428858"/>
+        <p14:creationId xmlns:p14="http://schemas.microsoft.com/office/powerpoint/2010/main" val="719854530"/>
+      </p:ext>
+    </p:extLst>
+  </p:cSld>
+  <p:clrMapOvr>
+    <a:masterClrMapping/>
+  </p:clrMapOvr>
+  <p:timing>
+    <p:tnLst>
+      <p:par>
+        <p:cTn id="1" dur="indefinite" restart="never" nodeType="tmRoot"/>
+      </p:par>
+    </p:tnLst>
+  </p:timing>
+</p:sld>
+</file>
+
+<file path=ppt/slides/slide7.xml><?xml version="1.0" encoding="utf-8"?>
+<p:sld xmlns:a="http://schemas.openxmlformats.org/drawingml/2006/main" xmlns:r="http://schemas.openxmlformats.org/officeDocument/2006/relationships" xmlns:p="http://schemas.openxmlformats.org/presentationml/2006/main">
+  <p:cSld>
+    <p:spTree>
+      <p:nvGrpSpPr>
+        <p:cNvPr id="1" name=""/>
+        <p:cNvGrpSpPr/>
+        <p:nvPr/>
+      </p:nvGrpSpPr>
+      <p:grpSpPr>
+        <a:xfrm>
+          <a:off x="0" y="0"/>
+          <a:ext cx="0" cy="0"/>
+          <a:chOff x="0" y="0"/>
+          <a:chExt cx="0" cy="0"/>
+        </a:xfrm>
+      </p:grpSpPr>
+      <p:sp>
+        <p:nvSpPr>
+          <p:cNvPr id="2" name="標題 1"/>
+          <p:cNvSpPr>
+            <a:spLocks noGrp="1"/>
+          </p:cNvSpPr>
+          <p:nvPr>
+            <p:ph type="title"/>
+          </p:nvPr>
+        </p:nvSpPr>
+        <p:spPr>
+          <a:xfrm>
+            <a:off x="2081217" y="576929"/>
+            <a:ext cx="8721045" cy="880315"/>
+          </a:xfrm>
+        </p:spPr>
+        <p:txBody>
+          <a:bodyPr>
+            <a:normAutofit/>
+          </a:bodyPr>
+          <a:lstStyle/>
+          <a:p>
+            <a:r>
+              <a:rPr lang="zh-TW" altLang="en-US" sz="4400" dirty="0" smtClean="0"/>
+              <a:t>網頁說明</a:t>
+            </a:r>
+            <a:r>
+              <a:rPr lang="en-US" altLang="zh-TW" sz="4400" dirty="0" smtClean="0"/>
+              <a:t>――</a:t>
+            </a:r>
+            <a:r>
+              <a:rPr lang="zh-TW" altLang="en-US" sz="4400" dirty="0" smtClean="0"/>
+              <a:t>住</a:t>
+            </a:r>
+            <a:endParaRPr lang="zh-TW" altLang="en-US" sz="4400" dirty="0"/>
+          </a:p>
+        </p:txBody>
+      </p:sp>
+      <p:sp>
+        <p:nvSpPr>
+          <p:cNvPr id="4" name="文字方塊 3"/>
+          <p:cNvSpPr txBox="1"/>
+          <p:nvPr/>
+        </p:nvSpPr>
+        <p:spPr>
+          <a:xfrm>
+            <a:off x="2081217" y="1694750"/>
+            <a:ext cx="8566667" cy="2657138"/>
+          </a:xfrm>
+          <a:prstGeom prst="rect">
+            <a:avLst/>
+          </a:prstGeom>
+          <a:noFill/>
+        </p:spPr>
+        <p:txBody>
+          <a:bodyPr wrap="square" rtlCol="0">
+            <a:spAutoFit/>
+          </a:bodyPr>
+          <a:lstStyle/>
+          <a:p>
+            <a:pPr>
+              <a:lnSpc>
+                <a:spcPts val="4000"/>
+              </a:lnSpc>
+            </a:pPr>
+            <a:r>
+              <a:rPr lang="zh-TW" altLang="en-US" sz="2400" dirty="0" smtClean="0"/>
+              <a:t>       網頁</a:t>
+            </a:r>
+            <a:r>
+              <a:rPr lang="zh-TW" altLang="en-US" sz="2400" dirty="0"/>
+              <a:t>中介紹了國立臺灣海洋</a:t>
+            </a:r>
+            <a:r>
+              <a:rPr lang="zh-TW" altLang="en-US" sz="2400" dirty="0" smtClean="0"/>
+              <a:t>大學</a:t>
+            </a:r>
+            <a:r>
+              <a:rPr lang="zh-TW" altLang="en-US" sz="2400" dirty="0"/>
+              <a:t>附近的雅房、套房、公寓等等租屋資訊，並用表格列出包含房東</a:t>
+            </a:r>
+            <a:r>
+              <a:rPr lang="zh-TW" altLang="en-US" sz="2400" dirty="0" smtClean="0"/>
+              <a:t>資料、出租地址、聯絡電話、租金、押金、坪數、屋齡、隔間、性別限制等等房屋資訊，供大家參考。同時也可點選表格的第一列，依照該行的數值大小作排序，方便大家做比較和選擇。</a:t>
+            </a:r>
+            <a:endParaRPr lang="en-US" altLang="zh-TW" sz="2400" dirty="0"/>
+          </a:p>
+        </p:txBody>
+      </p:sp>
+      <p:sp>
+        <p:nvSpPr>
+          <p:cNvPr id="3" name="文字方塊 2"/>
+          <p:cNvSpPr txBox="1"/>
+          <p:nvPr/>
+        </p:nvSpPr>
+        <p:spPr>
+          <a:xfrm>
+            <a:off x="2081216" y="4820130"/>
+            <a:ext cx="8566667" cy="646331"/>
+          </a:xfrm>
+          <a:prstGeom prst="rect">
+            <a:avLst/>
+          </a:prstGeom>
+          <a:noFill/>
+        </p:spPr>
+        <p:txBody>
+          <a:bodyPr wrap="square" rtlCol="0">
+            <a:spAutoFit/>
+          </a:bodyPr>
+          <a:lstStyle/>
+          <a:p>
+            <a:r>
+              <a:rPr lang="zh-TW" altLang="en-US" dirty="0" smtClean="0"/>
+              <a:t>注：由於租屋資訊為動態資訊，故此表不代表當下情況，如有需要，仍須致電屋主 </a:t>
+            </a:r>
+            <a:endParaRPr lang="en-US" altLang="zh-TW" dirty="0" smtClean="0"/>
+          </a:p>
+          <a:p>
+            <a:r>
+              <a:rPr lang="zh-TW" altLang="en-US" dirty="0" smtClean="0"/>
+              <a:t>       詢問當下情形。</a:t>
+            </a:r>
+            <a:endParaRPr lang="zh-TW" altLang="en-US" dirty="0"/>
+          </a:p>
+        </p:txBody>
+      </p:sp>
+    </p:spTree>
+    <p:extLst>
+      <p:ext uri="{BB962C8B-B14F-4D97-AF65-F5344CB8AC3E}">
+        <p14:creationId xmlns:p14="http://schemas.microsoft.com/office/powerpoint/2010/main" val="3569634643"/>
+      </p:ext>
+    </p:extLst>
+  </p:cSld>
+  <p:clrMapOvr>
+    <a:masterClrMapping/>
+  </p:clrMapOvr>
+  <p:timing>
+    <p:tnLst>
+      <p:par>
+        <p:cTn id="1" dur="indefinite" restart="never" nodeType="tmRoot"/>
+      </p:par>
+    </p:tnLst>
+  </p:timing>
+</p:sld>
+</file>
+
+<file path=ppt/slides/slide8.xml><?xml version="1.0" encoding="utf-8"?>
+<p:sld xmlns:a="http://schemas.openxmlformats.org/drawingml/2006/main" xmlns:r="http://schemas.openxmlformats.org/officeDocument/2006/relationships" xmlns:p="http://schemas.openxmlformats.org/presentationml/2006/main">
+  <p:cSld>
+    <p:spTree>
+      <p:nvGrpSpPr>
+        <p:cNvPr id="1" name=""/>
+        <p:cNvGrpSpPr/>
+        <p:nvPr/>
+      </p:nvGrpSpPr>
+      <p:grpSpPr>
+        <a:xfrm>
+          <a:off x="0" y="0"/>
+          <a:ext cx="0" cy="0"/>
+          <a:chOff x="0" y="0"/>
+          <a:chExt cx="0" cy="0"/>
+        </a:xfrm>
+      </p:grpSpPr>
+      <p:sp>
+        <p:nvSpPr>
+          <p:cNvPr id="2" name="標題 1"/>
+          <p:cNvSpPr>
+            <a:spLocks noGrp="1"/>
+          </p:cNvSpPr>
+          <p:nvPr>
+            <p:ph type="title"/>
+          </p:nvPr>
+        </p:nvSpPr>
+        <p:spPr>
+          <a:xfrm>
+            <a:off x="2081217" y="576929"/>
+            <a:ext cx="8721045" cy="880315"/>
+          </a:xfrm>
+        </p:spPr>
+        <p:txBody>
+          <a:bodyPr>
+            <a:normAutofit/>
+          </a:bodyPr>
+          <a:lstStyle/>
+          <a:p>
+            <a:r>
+              <a:rPr lang="zh-TW" altLang="en-US" sz="4400" dirty="0" smtClean="0"/>
+              <a:t>網頁說明</a:t>
+            </a:r>
+            <a:r>
+              <a:rPr lang="en-US" altLang="zh-TW" sz="4400" dirty="0" smtClean="0"/>
+              <a:t>――</a:t>
+            </a:r>
+            <a:r>
+              <a:rPr lang="zh-TW" altLang="en-US" sz="4400" dirty="0" smtClean="0"/>
+              <a:t>行</a:t>
+            </a:r>
+            <a:endParaRPr lang="zh-TW" altLang="en-US" sz="4400" dirty="0"/>
+          </a:p>
+        </p:txBody>
+      </p:sp>
+      <p:sp>
+        <p:nvSpPr>
+          <p:cNvPr id="4" name="文字方塊 3"/>
+          <p:cNvSpPr txBox="1"/>
+          <p:nvPr/>
+        </p:nvSpPr>
+        <p:spPr>
+          <a:xfrm>
+            <a:off x="2081217" y="1694750"/>
+            <a:ext cx="8566667" cy="1118255"/>
+          </a:xfrm>
+          <a:prstGeom prst="rect">
+            <a:avLst/>
+          </a:prstGeom>
+          <a:noFill/>
+        </p:spPr>
+        <p:txBody>
+          <a:bodyPr wrap="square" rtlCol="0">
+            <a:spAutoFit/>
+          </a:bodyPr>
+          <a:lstStyle/>
+          <a:p>
+            <a:pPr>
+              <a:lnSpc>
+                <a:spcPts val="4000"/>
+              </a:lnSpc>
+            </a:pPr>
+            <a:r>
+              <a:rPr lang="zh-TW" altLang="en-US" sz="2400" dirty="0" smtClean="0"/>
+              <a:t>       網頁</a:t>
+            </a:r>
+            <a:r>
+              <a:rPr lang="zh-TW" altLang="en-US" sz="2400" dirty="0"/>
+              <a:t>中介紹了國立臺灣海洋</a:t>
+            </a:r>
+            <a:r>
+              <a:rPr lang="zh-TW" altLang="en-US" sz="2400" dirty="0" smtClean="0"/>
+              <a:t>大學附近的公車，提供給大家在搭車時有更多的選擇。</a:t>
+            </a:r>
+            <a:endParaRPr lang="en-US" altLang="zh-TW" sz="2400" dirty="0"/>
+          </a:p>
+        </p:txBody>
+      </p:sp>
+    </p:spTree>
+    <p:extLst>
+      <p:ext uri="{BB962C8B-B14F-4D97-AF65-F5344CB8AC3E}">
+        <p14:creationId xmlns:p14="http://schemas.microsoft.com/office/powerpoint/2010/main" val="2179194962"/>
+      </p:ext>
+    </p:extLst>
+  </p:cSld>
+  <p:clrMapOvr>
+    <a:masterClrMapping/>
+  </p:clrMapOvr>
+  <p:timing>
+    <p:tnLst>
+      <p:par>
+        <p:cTn id="1" dur="indefinite" restart="never" nodeType="tmRoot"/>
+      </p:par>
+    </p:tnLst>
+  </p:timing>
+</p:sld>
+</file>
+
+<file path=ppt/slides/slide9.xml><?xml version="1.0" encoding="utf-8"?>
+<p:sld xmlns:a="http://schemas.openxmlformats.org/drawingml/2006/main" xmlns:r="http://schemas.openxmlformats.org/officeDocument/2006/relationships" xmlns:p="http://schemas.openxmlformats.org/presentationml/2006/main">
+  <p:cSld>
+    <p:spTree>
+      <p:nvGrpSpPr>
+        <p:cNvPr id="1" name=""/>
+        <p:cNvGrpSpPr/>
+        <p:nvPr/>
+      </p:nvGrpSpPr>
+      <p:grpSpPr>
+        <a:xfrm>
+          <a:off x="0" y="0"/>
+          <a:ext cx="0" cy="0"/>
+          <a:chOff x="0" y="0"/>
+          <a:chExt cx="0" cy="0"/>
+        </a:xfrm>
+      </p:grpSpPr>
+      <p:sp>
+        <p:nvSpPr>
+          <p:cNvPr id="2" name="標題 1"/>
+          <p:cNvSpPr>
+            <a:spLocks noGrp="1"/>
+          </p:cNvSpPr>
+          <p:nvPr>
+            <p:ph type="title"/>
+          </p:nvPr>
+        </p:nvSpPr>
+        <p:spPr>
+          <a:xfrm>
+            <a:off x="2081217" y="576929"/>
+            <a:ext cx="8721045" cy="880315"/>
+          </a:xfrm>
+        </p:spPr>
+        <p:txBody>
+          <a:bodyPr>
+            <a:normAutofit/>
+          </a:bodyPr>
+          <a:lstStyle/>
+          <a:p>
+            <a:r>
+              <a:rPr lang="zh-TW" altLang="en-US" sz="4400" dirty="0" smtClean="0"/>
+              <a:t>網頁說明</a:t>
+            </a:r>
+            <a:r>
+              <a:rPr lang="en-US" altLang="zh-TW" sz="4400" dirty="0" smtClean="0"/>
+              <a:t>――</a:t>
+            </a:r>
+            <a:r>
+              <a:rPr lang="zh-TW" altLang="en-US" sz="4400" dirty="0" smtClean="0"/>
+              <a:t>旅遊</a:t>
+            </a:r>
+            <a:endParaRPr lang="zh-TW" altLang="en-US" sz="4400" dirty="0"/>
+          </a:p>
+        </p:txBody>
+      </p:sp>
+      <p:sp>
+        <p:nvSpPr>
+          <p:cNvPr id="4" name="文字方塊 3"/>
+          <p:cNvSpPr txBox="1"/>
+          <p:nvPr/>
+        </p:nvSpPr>
+        <p:spPr>
+          <a:xfrm>
+            <a:off x="2081217" y="1694750"/>
+            <a:ext cx="8566667" cy="1631216"/>
+          </a:xfrm>
+          <a:prstGeom prst="rect">
+            <a:avLst/>
+          </a:prstGeom>
+          <a:noFill/>
+        </p:spPr>
+        <p:txBody>
+          <a:bodyPr wrap="square" rtlCol="0">
+            <a:spAutoFit/>
+          </a:bodyPr>
+          <a:lstStyle/>
+          <a:p>
+            <a:pPr>
+              <a:lnSpc>
+                <a:spcPts val="4000"/>
+              </a:lnSpc>
+            </a:pPr>
+            <a:r>
+              <a:rPr lang="zh-TW" altLang="en-US" sz="2400" dirty="0" smtClean="0"/>
+              <a:t>       網頁</a:t>
+            </a:r>
+            <a:r>
+              <a:rPr lang="zh-TW" altLang="en-US" sz="2400" dirty="0"/>
+              <a:t>中介紹</a:t>
+            </a:r>
+            <a:r>
+              <a:rPr lang="zh-TW" altLang="en-US" sz="2400" dirty="0" smtClean="0"/>
+              <a:t>了基隆著名的</a:t>
+            </a:r>
+            <a:r>
+              <a:rPr lang="zh-TW" altLang="en-US" sz="2400" dirty="0"/>
+              <a:t>旅遊景點，和平</a:t>
+            </a:r>
+            <a:r>
+              <a:rPr lang="zh-TW" altLang="en-US" sz="2400" dirty="0" smtClean="0"/>
+              <a:t>島、廟</a:t>
+            </a:r>
+            <a:r>
+              <a:rPr lang="zh-TW" altLang="en-US" sz="2400" dirty="0"/>
+              <a:t>口</a:t>
+            </a:r>
+            <a:r>
+              <a:rPr lang="zh-TW" altLang="en-US" sz="2400" dirty="0" smtClean="0"/>
+              <a:t>夜市、九份老街、忘</a:t>
+            </a:r>
+            <a:r>
+              <a:rPr lang="zh-TW" altLang="en-US" sz="2400" dirty="0"/>
+              <a:t>憂</a:t>
+            </a:r>
+            <a:r>
+              <a:rPr lang="zh-TW" altLang="en-US" sz="2400" dirty="0" smtClean="0"/>
+              <a:t>谷、海</a:t>
+            </a:r>
+            <a:r>
+              <a:rPr lang="zh-TW" altLang="en-US" sz="2400" dirty="0"/>
+              <a:t>科</a:t>
+            </a:r>
+            <a:r>
+              <a:rPr lang="zh-TW" altLang="en-US" sz="2400" dirty="0" smtClean="0"/>
+              <a:t>館、基隆港等等基隆名勝古蹟，讓大家更加的認識基隆與海洋大學。</a:t>
+            </a:r>
+            <a:endParaRPr lang="en-US" altLang="zh-TW" sz="2400" dirty="0"/>
+          </a:p>
+        </p:txBody>
+      </p:sp>
+    </p:spTree>
+    <p:extLst>
+      <p:ext uri="{BB962C8B-B14F-4D97-AF65-F5344CB8AC3E}">
+        <p14:creationId xmlns:p14="http://schemas.microsoft.com/office/powerpoint/2010/main" val="814441463"/>
       </p:ext>
     </p:extLst>
   </p:cSld>

--- a/document.pptx
+++ b/document.pptx
@@ -5182,7 +5182,7 @@
             <a:fld id="{8E36636D-D922-432D-A958-524484B5923D}" type="datetimeFigureOut">
               <a:rPr lang="en-US" smtClean="0"/>
               <a:pPr/>
-              <a:t>6/16/2016</a:t>
+              <a:t>6/17/2016</a:t>
             </a:fld>
             <a:endParaRPr lang="en-US" dirty="0"/>
           </a:p>
@@ -5522,7 +5522,7 @@
             <a:fld id="{8E36636D-D922-432D-A958-524484B5923D}" type="datetimeFigureOut">
               <a:rPr lang="en-US" smtClean="0"/>
               <a:pPr/>
-              <a:t>6/16/2016</a:t>
+              <a:t>6/17/2016</a:t>
             </a:fld>
             <a:endParaRPr lang="en-US" dirty="0"/>
           </a:p>
@@ -5925,7 +5925,7 @@
             <a:fld id="{8E36636D-D922-432D-A958-524484B5923D}" type="datetimeFigureOut">
               <a:rPr lang="en-US" smtClean="0"/>
               <a:pPr/>
-              <a:t>6/16/2016</a:t>
+              <a:t>6/17/2016</a:t>
             </a:fld>
             <a:endParaRPr lang="en-US" dirty="0"/>
           </a:p>
@@ -6263,7 +6263,7 @@
             <a:fld id="{8E36636D-D922-432D-A958-524484B5923D}" type="datetimeFigureOut">
               <a:rPr lang="en-US" smtClean="0"/>
               <a:pPr/>
-              <a:t>6/16/2016</a:t>
+              <a:t>6/17/2016</a:t>
             </a:fld>
             <a:endParaRPr lang="en-US" dirty="0"/>
           </a:p>
@@ -6585,7 +6585,7 @@
             <a:fld id="{8E36636D-D922-432D-A958-524484B5923D}" type="datetimeFigureOut">
               <a:rPr lang="en-US" smtClean="0"/>
               <a:pPr/>
-              <a:t>6/16/2016</a:t>
+              <a:t>6/17/2016</a:t>
             </a:fld>
             <a:endParaRPr lang="en-US" dirty="0"/>
           </a:p>
@@ -6983,7 +6983,7 @@
             <a:fld id="{8E36636D-D922-432D-A958-524484B5923D}" type="datetimeFigureOut">
               <a:rPr lang="en-US" smtClean="0"/>
               <a:pPr/>
-              <a:t>6/16/2016</a:t>
+              <a:t>6/17/2016</a:t>
             </a:fld>
             <a:endParaRPr lang="en-US" dirty="0"/>
           </a:p>
@@ -7242,7 +7242,7 @@
             <a:fld id="{8E36636D-D922-432D-A958-524484B5923D}" type="datetimeFigureOut">
               <a:rPr lang="en-US" smtClean="0"/>
               <a:pPr/>
-              <a:t>6/16/2016</a:t>
+              <a:t>6/17/2016</a:t>
             </a:fld>
             <a:endParaRPr lang="en-US" dirty="0"/>
           </a:p>
@@ -7506,7 +7506,7 @@
             <a:fld id="{8E36636D-D922-432D-A958-524484B5923D}" type="datetimeFigureOut">
               <a:rPr lang="en-US" smtClean="0"/>
               <a:pPr/>
-              <a:t>6/16/2016</a:t>
+              <a:t>6/17/2016</a:t>
             </a:fld>
             <a:endParaRPr lang="en-US" dirty="0"/>
           </a:p>
@@ -7770,7 +7770,7 @@
             <a:fld id="{8E36636D-D922-432D-A958-524484B5923D}" type="datetimeFigureOut">
               <a:rPr lang="en-US" smtClean="0"/>
               <a:pPr/>
-              <a:t>6/16/2016</a:t>
+              <a:t>6/17/2016</a:t>
             </a:fld>
             <a:endParaRPr lang="en-US" dirty="0"/>
           </a:p>
@@ -8101,7 +8101,7 @@
             <a:fld id="{8E36636D-D922-432D-A958-524484B5923D}" type="datetimeFigureOut">
               <a:rPr lang="en-US" smtClean="0"/>
               <a:pPr/>
-              <a:t>6/16/2016</a:t>
+              <a:t>6/17/2016</a:t>
             </a:fld>
             <a:endParaRPr lang="en-US" dirty="0"/>
           </a:p>
@@ -8426,7 +8426,7 @@
             <a:fld id="{8E36636D-D922-432D-A958-524484B5923D}" type="datetimeFigureOut">
               <a:rPr lang="en-US" smtClean="0"/>
               <a:pPr/>
-              <a:t>6/16/2016</a:t>
+              <a:t>6/17/2016</a:t>
             </a:fld>
             <a:endParaRPr lang="en-US" dirty="0"/>
           </a:p>
@@ -8885,7 +8885,7 @@
             <a:fld id="{8E36636D-D922-432D-A958-524484B5923D}" type="datetimeFigureOut">
               <a:rPr lang="en-US" smtClean="0"/>
               <a:pPr/>
-              <a:t>6/16/2016</a:t>
+              <a:t>6/17/2016</a:t>
             </a:fld>
             <a:endParaRPr lang="en-US" dirty="0"/>
           </a:p>
@@ -9092,7 +9092,7 @@
             <a:fld id="{8E36636D-D922-432D-A958-524484B5923D}" type="datetimeFigureOut">
               <a:rPr lang="en-US" smtClean="0"/>
               <a:pPr/>
-              <a:t>6/16/2016</a:t>
+              <a:t>6/17/2016</a:t>
             </a:fld>
             <a:endParaRPr lang="en-US" dirty="0"/>
           </a:p>
@@ -9271,7 +9271,7 @@
             <a:fld id="{8E36636D-D922-432D-A958-524484B5923D}" type="datetimeFigureOut">
               <a:rPr lang="en-US" smtClean="0"/>
               <a:pPr/>
-              <a:t>6/16/2016</a:t>
+              <a:t>6/17/2016</a:t>
             </a:fld>
             <a:endParaRPr lang="en-US" dirty="0"/>
           </a:p>
@@ -9606,7 +9606,7 @@
             <a:fld id="{8E36636D-D922-432D-A958-524484B5923D}" type="datetimeFigureOut">
               <a:rPr lang="en-US" smtClean="0"/>
               <a:pPr/>
-              <a:t>6/16/2016</a:t>
+              <a:t>6/17/2016</a:t>
             </a:fld>
             <a:endParaRPr lang="en-US" dirty="0"/>
           </a:p>
@@ -9953,7 +9953,7 @@
             <a:fld id="{8E36636D-D922-432D-A958-524484B5923D}" type="datetimeFigureOut">
               <a:rPr lang="en-US" smtClean="0"/>
               <a:pPr/>
-              <a:t>6/16/2016</a:t>
+              <a:t>6/17/2016</a:t>
             </a:fld>
             <a:endParaRPr lang="en-US" dirty="0"/>
           </a:p>
@@ -12009,7 +12009,7 @@
             <a:fld id="{8E36636D-D922-432D-A958-524484B5923D}" type="datetimeFigureOut">
               <a:rPr lang="en-US" smtClean="0"/>
               <a:pPr/>
-              <a:t>6/16/2016</a:t>
+              <a:t>6/17/2016</a:t>
             </a:fld>
             <a:endParaRPr lang="en-US" dirty="0"/>
           </a:p>
@@ -12877,7 +12877,7 @@
         <p:spPr>
           <a:xfrm>
             <a:off x="2081217" y="1694750"/>
-            <a:ext cx="8566667" cy="1569660"/>
+            <a:ext cx="8566667" cy="2677656"/>
           </a:xfrm>
           <a:prstGeom prst="rect">
             <a:avLst/>
@@ -12927,6 +12927,48 @@
             <a:r>
               <a:rPr lang="en-US" altLang="zh-TW" sz="2400" dirty="0" smtClean="0"/>
               <a:t>jQuery</a:t>
+            </a:r>
+          </a:p>
+          <a:p>
+            <a:pPr marL="285750" indent="-285750">
+              <a:buFont typeface="Arial" panose="020B0604020202020204" pitchFamily="34" charset="0"/>
+              <a:buChar char="•"/>
+            </a:pPr>
+            <a:r>
+              <a:rPr lang="en-US" altLang="zh-TW" sz="2400" dirty="0" smtClean="0"/>
+              <a:t>Google map API</a:t>
+            </a:r>
+          </a:p>
+          <a:p>
+            <a:pPr marL="285750" indent="-285750">
+              <a:buFont typeface="Arial" panose="020B0604020202020204" pitchFamily="34" charset="0"/>
+              <a:buChar char="•"/>
+            </a:pPr>
+            <a:r>
+              <a:rPr lang="en-US" altLang="zh-TW" sz="2400" dirty="0"/>
+              <a:t>Source </a:t>
+            </a:r>
+            <a:r>
+              <a:rPr lang="en-US" altLang="zh-TW" sz="2400" dirty="0" smtClean="0"/>
+              <a:t>Icon : font-awesome-4.6.3</a:t>
+            </a:r>
+          </a:p>
+          <a:p>
+            <a:pPr marL="285750" indent="-285750">
+              <a:buFont typeface="Arial" panose="020B0604020202020204" pitchFamily="34" charset="0"/>
+              <a:buChar char="•"/>
+            </a:pPr>
+            <a:r>
+              <a:rPr lang="en-US" altLang="zh-TW" sz="2400" dirty="0" smtClean="0"/>
+              <a:t>Source </a:t>
+            </a:r>
+            <a:r>
+              <a:rPr lang="en-US" altLang="zh-TW" sz="2400" dirty="0" err="1" smtClean="0"/>
+              <a:t>css</a:t>
+            </a:r>
+            <a:r>
+              <a:rPr lang="en-US" altLang="zh-TW" sz="2400" dirty="0" smtClean="0"/>
+              <a:t> : w3.css</a:t>
             </a:r>
             <a:endParaRPr lang="en-US" altLang="zh-TW" sz="2400" dirty="0"/>
           </a:p>
@@ -13008,7 +13050,7 @@
         <p:spPr>
           <a:xfrm>
             <a:off x="2081217" y="1694750"/>
-            <a:ext cx="8566667" cy="3139321"/>
+            <a:ext cx="8566667" cy="4154984"/>
           </a:xfrm>
           <a:prstGeom prst="rect">
             <a:avLst/>
@@ -13026,22 +13068,22 @@
               <a:buChar char="•"/>
             </a:pPr>
             <a:r>
-              <a:rPr lang="en-US" altLang="zh-TW" dirty="0"/>
+              <a:rPr lang="en-US" altLang="zh-TW" sz="2400" dirty="0"/>
               <a:t>00357122</a:t>
             </a:r>
             <a:r>
-              <a:rPr lang="zh-TW" altLang="en-US" dirty="0"/>
+              <a:rPr lang="zh-TW" altLang="en-US" sz="2400" dirty="0"/>
               <a:t> 吳光明 </a:t>
             </a:r>
             <a:r>
-              <a:rPr lang="en-US" altLang="zh-TW" dirty="0"/>
+              <a:rPr lang="en-US" altLang="zh-TW" sz="2400" dirty="0"/>
               <a:t>:</a:t>
             </a:r>
             <a:r>
-              <a:rPr lang="zh-TW" altLang="en-US" dirty="0"/>
+              <a:rPr lang="zh-TW" altLang="en-US" sz="2400" dirty="0"/>
               <a:t> </a:t>
             </a:r>
-            <a:endParaRPr lang="en-US" altLang="zh-TW" dirty="0"/>
+            <a:endParaRPr lang="en-US" altLang="zh-TW" sz="2400" dirty="0"/>
           </a:p>
           <a:p>
             <a:pPr marL="742950" lvl="1" indent="-285750">
@@ -13049,18 +13091,18 @@
               <a:buChar char="•"/>
             </a:pPr>
             <a:r>
-              <a:rPr lang="zh-TW" altLang="en-US" dirty="0"/>
+              <a:rPr lang="zh-TW" altLang="en-US" sz="2400" dirty="0"/>
               <a:t>網頁製作 </a:t>
             </a:r>
             <a:r>
-              <a:rPr lang="en-US" altLang="zh-TW" dirty="0"/>
+              <a:rPr lang="en-US" altLang="zh-TW" sz="2400" dirty="0"/>
               <a:t>:</a:t>
             </a:r>
             <a:r>
-              <a:rPr lang="zh-TW" altLang="en-US" dirty="0"/>
+              <a:rPr lang="zh-TW" altLang="en-US" sz="2400" dirty="0"/>
               <a:t> 首頁、食、旅遊、行事曆</a:t>
             </a:r>
-            <a:endParaRPr lang="en-US" altLang="zh-TW" dirty="0"/>
+            <a:endParaRPr lang="en-US" altLang="zh-TW" sz="2400" dirty="0"/>
           </a:p>
           <a:p>
             <a:pPr marL="742950" lvl="1" indent="-285750">
@@ -13068,22 +13110,22 @@
               <a:buChar char="•"/>
             </a:pPr>
             <a:r>
-              <a:rPr lang="zh-TW" altLang="en-US" dirty="0"/>
+              <a:rPr lang="zh-TW" altLang="en-US" sz="2400" dirty="0"/>
               <a:t>版面設計與調整 </a:t>
             </a:r>
             <a:r>
-              <a:rPr lang="en-US" altLang="zh-TW" dirty="0"/>
+              <a:rPr lang="en-US" altLang="zh-TW" sz="2400" dirty="0"/>
               <a:t>:</a:t>
             </a:r>
             <a:r>
-              <a:rPr lang="zh-TW" altLang="en-US" dirty="0"/>
+              <a:rPr lang="zh-TW" altLang="en-US" sz="2400" dirty="0"/>
               <a:t> 首頁、食、旅遊、</a:t>
             </a:r>
             <a:r>
-              <a:rPr lang="zh-TW" altLang="en-US" dirty="0" smtClean="0"/>
+              <a:rPr lang="zh-TW" altLang="en-US" sz="2400" dirty="0" smtClean="0"/>
               <a:t>行事曆</a:t>
             </a:r>
-            <a:endParaRPr lang="en-US" altLang="zh-TW" dirty="0" smtClean="0"/>
+            <a:endParaRPr lang="en-US" altLang="zh-TW" sz="2400" dirty="0" smtClean="0"/>
           </a:p>
           <a:p>
             <a:pPr marL="742950" lvl="1" indent="-285750">
@@ -13091,21 +13133,21 @@
               <a:buChar char="•"/>
             </a:pPr>
             <a:r>
-              <a:rPr lang="zh-TW" altLang="en-US" dirty="0" smtClean="0"/>
+              <a:rPr lang="zh-TW" altLang="en-US" sz="2400" dirty="0" smtClean="0"/>
               <a:t>統整與整</a:t>
             </a:r>
             <a:r>
-              <a:rPr lang="zh-TW" altLang="en-US" dirty="0"/>
+              <a:rPr lang="zh-TW" altLang="en-US" sz="2400" dirty="0"/>
               <a:t>合</a:t>
             </a:r>
-            <a:endParaRPr lang="en-US" altLang="zh-TW" dirty="0"/>
+            <a:endParaRPr lang="en-US" altLang="zh-TW" sz="2400" dirty="0"/>
           </a:p>
           <a:p>
             <a:pPr marL="285750" indent="-285750">
               <a:buFont typeface="Arial" panose="020B0604020202020204" pitchFamily="34" charset="0"/>
               <a:buChar char="•"/>
             </a:pPr>
-            <a:endParaRPr lang="en-US" altLang="zh-TW" dirty="0"/>
+            <a:endParaRPr lang="en-US" altLang="zh-TW" sz="2400" dirty="0"/>
           </a:p>
           <a:p>
             <a:pPr marL="285750" indent="-285750">
@@ -13113,22 +13155,22 @@
               <a:buChar char="•"/>
             </a:pPr>
             <a:r>
-              <a:rPr lang="en-US" altLang="zh-TW" dirty="0"/>
+              <a:rPr lang="en-US" altLang="zh-TW" sz="2400" dirty="0"/>
               <a:t>00357121</a:t>
             </a:r>
             <a:r>
-              <a:rPr lang="zh-TW" altLang="en-US" dirty="0"/>
+              <a:rPr lang="zh-TW" altLang="en-US" sz="2400" dirty="0"/>
               <a:t> 黃炫愷 </a:t>
             </a:r>
             <a:r>
-              <a:rPr lang="en-US" altLang="zh-TW" dirty="0"/>
+              <a:rPr lang="en-US" altLang="zh-TW" sz="2400" dirty="0"/>
               <a:t>:</a:t>
             </a:r>
             <a:r>
-              <a:rPr lang="zh-TW" altLang="en-US" dirty="0"/>
+              <a:rPr lang="zh-TW" altLang="en-US" sz="2400" dirty="0"/>
               <a:t> </a:t>
             </a:r>
-            <a:endParaRPr lang="en-US" altLang="zh-TW" dirty="0"/>
+            <a:endParaRPr lang="en-US" altLang="zh-TW" sz="2400" dirty="0"/>
           </a:p>
           <a:p>
             <a:pPr marL="742950" lvl="1" indent="-285750">
@@ -13136,18 +13178,18 @@
               <a:buChar char="•"/>
             </a:pPr>
             <a:r>
-              <a:rPr lang="zh-TW" altLang="en-US" dirty="0"/>
+              <a:rPr lang="zh-TW" altLang="en-US" sz="2400" dirty="0"/>
               <a:t>網頁製作 </a:t>
             </a:r>
             <a:r>
-              <a:rPr lang="en-US" altLang="zh-TW" dirty="0"/>
+              <a:rPr lang="en-US" altLang="zh-TW" sz="2400" dirty="0"/>
               <a:t>:</a:t>
             </a:r>
             <a:r>
-              <a:rPr lang="zh-TW" altLang="en-US" dirty="0"/>
+              <a:rPr lang="zh-TW" altLang="en-US" sz="2400" dirty="0"/>
               <a:t> 住、行</a:t>
             </a:r>
-            <a:endParaRPr lang="en-US" altLang="zh-TW" dirty="0"/>
+            <a:endParaRPr lang="en-US" altLang="zh-TW" sz="2400" dirty="0"/>
           </a:p>
           <a:p>
             <a:pPr marL="742950" lvl="1" indent="-285750">
@@ -13155,39 +13197,39 @@
               <a:buChar char="•"/>
             </a:pPr>
             <a:r>
-              <a:rPr lang="zh-TW" altLang="en-US" dirty="0"/>
+              <a:rPr lang="zh-TW" altLang="en-US" sz="2400" dirty="0"/>
               <a:t>版面設計與調整 </a:t>
             </a:r>
             <a:r>
-              <a:rPr lang="en-US" altLang="zh-TW" dirty="0"/>
+              <a:rPr lang="en-US" altLang="zh-TW" sz="2400" dirty="0"/>
               <a:t>:</a:t>
             </a:r>
             <a:r>
-              <a:rPr lang="zh-TW" altLang="en-US" dirty="0"/>
+              <a:rPr lang="zh-TW" altLang="en-US" sz="2400" dirty="0"/>
               <a:t> 首頁、住、行</a:t>
             </a:r>
-            <a:endParaRPr lang="en-US" altLang="zh-TW" dirty="0"/>
+            <a:endParaRPr lang="en-US" altLang="zh-TW" sz="2400" dirty="0"/>
           </a:p>
           <a:p>
             <a:pPr marL="742950" lvl="1" indent="-285750">
               <a:buFont typeface="Arial" panose="020B0604020202020204" pitchFamily="34" charset="0"/>
               <a:buChar char="•"/>
             </a:pPr>
-            <a:endParaRPr lang="en-US" altLang="zh-TW" dirty="0"/>
+            <a:endParaRPr lang="en-US" altLang="zh-TW" sz="2400" dirty="0"/>
           </a:p>
           <a:p>
             <a:pPr marL="285750" indent="-285750">
               <a:buFont typeface="Arial" panose="020B0604020202020204" pitchFamily="34" charset="0"/>
               <a:buChar char="•"/>
             </a:pPr>
-            <a:endParaRPr lang="en-US" altLang="zh-TW" dirty="0"/>
+            <a:endParaRPr lang="en-US" altLang="zh-TW" sz="2400" dirty="0"/>
           </a:p>
           <a:p>
             <a:pPr marL="285750" indent="-285750">
               <a:buFont typeface="Arial" panose="020B0604020202020204" pitchFamily="34" charset="0"/>
               <a:buChar char="•"/>
             </a:pPr>
-            <a:endParaRPr lang="zh-TW" altLang="en-US" dirty="0"/>
+            <a:endParaRPr lang="zh-TW" altLang="en-US" sz="2400" dirty="0"/>
           </a:p>
         </p:txBody>
       </p:sp>

--- a/document.pptx
+++ b/document.pptx
@@ -1782,1033 +1782,6 @@
       <dsp:cNvGrpSpPr/>
     </dsp:nvGrpSpPr>
     <dsp:grpSpPr/>
-    <dsp:sp modelId="{BFD332D0-E2AB-4382-8B88-F32D648965EA}">
-      <dsp:nvSpPr>
-        <dsp:cNvPr id="0" name=""/>
-        <dsp:cNvSpPr/>
-      </dsp:nvSpPr>
-      <dsp:spPr>
-        <a:xfrm>
-          <a:off x="5559038" y="2268247"/>
-          <a:ext cx="4767501" cy="734124"/>
-        </a:xfrm>
-        <a:custGeom>
-          <a:avLst/>
-          <a:gdLst/>
-          <a:ahLst/>
-          <a:cxnLst/>
-          <a:rect l="0" t="0" r="0" b="0"/>
-          <a:pathLst>
-            <a:path>
-              <a:moveTo>
-                <a:pt x="0" y="0"/>
-              </a:moveTo>
-              <a:lnTo>
-                <a:pt x="0" y="568640"/>
-              </a:lnTo>
-              <a:lnTo>
-                <a:pt x="4767501" y="568640"/>
-              </a:lnTo>
-              <a:lnTo>
-                <a:pt x="4767501" y="734124"/>
-              </a:lnTo>
-            </a:path>
-          </a:pathLst>
-        </a:custGeom>
-        <a:noFill/>
-        <a:ln w="15875" cap="rnd" cmpd="sng" algn="ctr">
-          <a:solidFill>
-            <a:schemeClr val="accent1">
-              <a:shade val="60000"/>
-              <a:hueOff val="0"/>
-              <a:satOff val="0"/>
-              <a:lumOff val="0"/>
-              <a:alphaOff val="0"/>
-            </a:schemeClr>
-          </a:solidFill>
-          <a:prstDash val="solid"/>
-        </a:ln>
-        <a:effectLst/>
-      </dsp:spPr>
-      <dsp:style>
-        <a:lnRef idx="2">
-          <a:scrgbClr r="0" g="0" b="0"/>
-        </a:lnRef>
-        <a:fillRef idx="0">
-          <a:scrgbClr r="0" g="0" b="0"/>
-        </a:fillRef>
-        <a:effectRef idx="0">
-          <a:scrgbClr r="0" g="0" b="0"/>
-        </a:effectRef>
-        <a:fontRef idx="minor"/>
-      </dsp:style>
-    </dsp:sp>
-    <dsp:sp modelId="{28D9CCBA-3EEA-429C-B355-98B6E167DE71}">
-      <dsp:nvSpPr>
-        <dsp:cNvPr id="0" name=""/>
-        <dsp:cNvSpPr/>
-      </dsp:nvSpPr>
-      <dsp:spPr>
-        <a:xfrm>
-          <a:off x="5559038" y="2268247"/>
-          <a:ext cx="2888176" cy="736779"/>
-        </a:xfrm>
-        <a:custGeom>
-          <a:avLst/>
-          <a:gdLst/>
-          <a:ahLst/>
-          <a:cxnLst/>
-          <a:rect l="0" t="0" r="0" b="0"/>
-          <a:pathLst>
-            <a:path>
-              <a:moveTo>
-                <a:pt x="0" y="0"/>
-              </a:moveTo>
-              <a:lnTo>
-                <a:pt x="0" y="571296"/>
-              </a:lnTo>
-              <a:lnTo>
-                <a:pt x="2888176" y="571296"/>
-              </a:lnTo>
-              <a:lnTo>
-                <a:pt x="2888176" y="736779"/>
-              </a:lnTo>
-            </a:path>
-          </a:pathLst>
-        </a:custGeom>
-        <a:noFill/>
-        <a:ln w="15875" cap="rnd" cmpd="sng" algn="ctr">
-          <a:solidFill>
-            <a:schemeClr val="accent1">
-              <a:shade val="60000"/>
-              <a:hueOff val="0"/>
-              <a:satOff val="0"/>
-              <a:lumOff val="0"/>
-              <a:alphaOff val="0"/>
-            </a:schemeClr>
-          </a:solidFill>
-          <a:prstDash val="solid"/>
-        </a:ln>
-        <a:effectLst/>
-      </dsp:spPr>
-      <dsp:style>
-        <a:lnRef idx="2">
-          <a:scrgbClr r="0" g="0" b="0"/>
-        </a:lnRef>
-        <a:fillRef idx="0">
-          <a:scrgbClr r="0" g="0" b="0"/>
-        </a:fillRef>
-        <a:effectRef idx="0">
-          <a:scrgbClr r="0" g="0" b="0"/>
-        </a:effectRef>
-        <a:fontRef idx="minor"/>
-      </dsp:style>
-    </dsp:sp>
-    <dsp:sp modelId="{2DDE91B6-B9C6-4437-8A72-3B1CD1705ABF}">
-      <dsp:nvSpPr>
-        <dsp:cNvPr id="0" name=""/>
-        <dsp:cNvSpPr/>
-      </dsp:nvSpPr>
-      <dsp:spPr>
-        <a:xfrm>
-          <a:off x="5559038" y="2268247"/>
-          <a:ext cx="953500" cy="739561"/>
-        </a:xfrm>
-        <a:custGeom>
-          <a:avLst/>
-          <a:gdLst/>
-          <a:ahLst/>
-          <a:cxnLst/>
-          <a:rect l="0" t="0" r="0" b="0"/>
-          <a:pathLst>
-            <a:path>
-              <a:moveTo>
-                <a:pt x="0" y="0"/>
-              </a:moveTo>
-              <a:lnTo>
-                <a:pt x="0" y="574078"/>
-              </a:lnTo>
-              <a:lnTo>
-                <a:pt x="953500" y="574078"/>
-              </a:lnTo>
-              <a:lnTo>
-                <a:pt x="953500" y="739561"/>
-              </a:lnTo>
-            </a:path>
-          </a:pathLst>
-        </a:custGeom>
-        <a:noFill/>
-        <a:ln w="15875" cap="rnd" cmpd="sng" algn="ctr">
-          <a:solidFill>
-            <a:schemeClr val="accent1">
-              <a:shade val="60000"/>
-              <a:hueOff val="0"/>
-              <a:satOff val="0"/>
-              <a:lumOff val="0"/>
-              <a:alphaOff val="0"/>
-            </a:schemeClr>
-          </a:solidFill>
-          <a:prstDash val="solid"/>
-        </a:ln>
-        <a:effectLst/>
-      </dsp:spPr>
-      <dsp:style>
-        <a:lnRef idx="2">
-          <a:scrgbClr r="0" g="0" b="0"/>
-        </a:lnRef>
-        <a:fillRef idx="0">
-          <a:scrgbClr r="0" g="0" b="0"/>
-        </a:fillRef>
-        <a:effectRef idx="0">
-          <a:scrgbClr r="0" g="0" b="0"/>
-        </a:effectRef>
-        <a:fontRef idx="minor"/>
-      </dsp:style>
-    </dsp:sp>
-    <dsp:sp modelId="{338F4282-948E-4269-A687-04439903067B}">
-      <dsp:nvSpPr>
-        <dsp:cNvPr id="0" name=""/>
-        <dsp:cNvSpPr/>
-      </dsp:nvSpPr>
-      <dsp:spPr>
-        <a:xfrm>
-          <a:off x="4605538" y="2268247"/>
-          <a:ext cx="953500" cy="739561"/>
-        </a:xfrm>
-        <a:custGeom>
-          <a:avLst/>
-          <a:gdLst/>
-          <a:ahLst/>
-          <a:cxnLst/>
-          <a:rect l="0" t="0" r="0" b="0"/>
-          <a:pathLst>
-            <a:path>
-              <a:moveTo>
-                <a:pt x="953500" y="0"/>
-              </a:moveTo>
-              <a:lnTo>
-                <a:pt x="953500" y="574078"/>
-              </a:lnTo>
-              <a:lnTo>
-                <a:pt x="0" y="574078"/>
-              </a:lnTo>
-              <a:lnTo>
-                <a:pt x="0" y="739561"/>
-              </a:lnTo>
-            </a:path>
-          </a:pathLst>
-        </a:custGeom>
-        <a:noFill/>
-        <a:ln w="15875" cap="rnd" cmpd="sng" algn="ctr">
-          <a:solidFill>
-            <a:schemeClr val="accent1">
-              <a:shade val="60000"/>
-              <a:hueOff val="0"/>
-              <a:satOff val="0"/>
-              <a:lumOff val="0"/>
-              <a:alphaOff val="0"/>
-            </a:schemeClr>
-          </a:solidFill>
-          <a:prstDash val="solid"/>
-        </a:ln>
-        <a:effectLst/>
-      </dsp:spPr>
-      <dsp:style>
-        <a:lnRef idx="2">
-          <a:scrgbClr r="0" g="0" b="0"/>
-        </a:lnRef>
-        <a:fillRef idx="0">
-          <a:scrgbClr r="0" g="0" b="0"/>
-        </a:fillRef>
-        <a:effectRef idx="0">
-          <a:scrgbClr r="0" g="0" b="0"/>
-        </a:effectRef>
-        <a:fontRef idx="minor"/>
-      </dsp:style>
-    </dsp:sp>
-    <dsp:sp modelId="{45948BA5-B8E4-42FA-9246-8A27DB4F6F15}">
-      <dsp:nvSpPr>
-        <dsp:cNvPr id="0" name=""/>
-        <dsp:cNvSpPr/>
-      </dsp:nvSpPr>
-      <dsp:spPr>
-        <a:xfrm>
-          <a:off x="2698537" y="2268247"/>
-          <a:ext cx="2860500" cy="739561"/>
-        </a:xfrm>
-        <a:custGeom>
-          <a:avLst/>
-          <a:gdLst/>
-          <a:ahLst/>
-          <a:cxnLst/>
-          <a:rect l="0" t="0" r="0" b="0"/>
-          <a:pathLst>
-            <a:path>
-              <a:moveTo>
-                <a:pt x="2860500" y="0"/>
-              </a:moveTo>
-              <a:lnTo>
-                <a:pt x="2860500" y="574078"/>
-              </a:lnTo>
-              <a:lnTo>
-                <a:pt x="0" y="574078"/>
-              </a:lnTo>
-              <a:lnTo>
-                <a:pt x="0" y="739561"/>
-              </a:lnTo>
-            </a:path>
-          </a:pathLst>
-        </a:custGeom>
-        <a:noFill/>
-        <a:ln w="15875" cap="rnd" cmpd="sng" algn="ctr">
-          <a:solidFill>
-            <a:schemeClr val="accent1">
-              <a:shade val="60000"/>
-              <a:hueOff val="0"/>
-              <a:satOff val="0"/>
-              <a:lumOff val="0"/>
-              <a:alphaOff val="0"/>
-            </a:schemeClr>
-          </a:solidFill>
-          <a:prstDash val="solid"/>
-        </a:ln>
-        <a:effectLst/>
-      </dsp:spPr>
-      <dsp:style>
-        <a:lnRef idx="2">
-          <a:scrgbClr r="0" g="0" b="0"/>
-        </a:lnRef>
-        <a:fillRef idx="0">
-          <a:scrgbClr r="0" g="0" b="0"/>
-        </a:fillRef>
-        <a:effectRef idx="0">
-          <a:scrgbClr r="0" g="0" b="0"/>
-        </a:effectRef>
-        <a:fontRef idx="minor"/>
-      </dsp:style>
-    </dsp:sp>
-    <dsp:sp modelId="{B5BC34DB-018C-4A62-963B-A48FBF5439C5}">
-      <dsp:nvSpPr>
-        <dsp:cNvPr id="0" name=""/>
-        <dsp:cNvSpPr/>
-      </dsp:nvSpPr>
-      <dsp:spPr>
-        <a:xfrm>
-          <a:off x="788016" y="2268247"/>
-          <a:ext cx="4771021" cy="735708"/>
-        </a:xfrm>
-        <a:custGeom>
-          <a:avLst/>
-          <a:gdLst/>
-          <a:ahLst/>
-          <a:cxnLst/>
-          <a:rect l="0" t="0" r="0" b="0"/>
-          <a:pathLst>
-            <a:path>
-              <a:moveTo>
-                <a:pt x="4771021" y="0"/>
-              </a:moveTo>
-              <a:lnTo>
-                <a:pt x="4771021" y="570224"/>
-              </a:lnTo>
-              <a:lnTo>
-                <a:pt x="0" y="570224"/>
-              </a:lnTo>
-              <a:lnTo>
-                <a:pt x="0" y="735708"/>
-              </a:lnTo>
-            </a:path>
-          </a:pathLst>
-        </a:custGeom>
-        <a:noFill/>
-        <a:ln w="15875" cap="rnd" cmpd="sng" algn="ctr">
-          <a:solidFill>
-            <a:schemeClr val="accent1">
-              <a:shade val="60000"/>
-              <a:hueOff val="0"/>
-              <a:satOff val="0"/>
-              <a:lumOff val="0"/>
-              <a:alphaOff val="0"/>
-            </a:schemeClr>
-          </a:solidFill>
-          <a:prstDash val="solid"/>
-        </a:ln>
-        <a:effectLst/>
-      </dsp:spPr>
-      <dsp:style>
-        <a:lnRef idx="2">
-          <a:scrgbClr r="0" g="0" b="0"/>
-        </a:lnRef>
-        <a:fillRef idx="0">
-          <a:scrgbClr r="0" g="0" b="0"/>
-        </a:fillRef>
-        <a:effectRef idx="0">
-          <a:scrgbClr r="0" g="0" b="0"/>
-        </a:effectRef>
-        <a:fontRef idx="minor"/>
-      </dsp:style>
-    </dsp:sp>
-    <dsp:sp modelId="{EF09773A-9064-45E7-B31C-BD5E458A9496}">
-      <dsp:nvSpPr>
-        <dsp:cNvPr id="0" name=""/>
-        <dsp:cNvSpPr/>
-      </dsp:nvSpPr>
-      <dsp:spPr>
-        <a:xfrm>
-          <a:off x="4771021" y="1480231"/>
-          <a:ext cx="1576033" cy="788016"/>
-        </a:xfrm>
-        <a:prstGeom prst="rect">
-          <a:avLst/>
-        </a:prstGeom>
-        <a:solidFill>
-          <a:schemeClr val="accent1">
-            <a:hueOff val="0"/>
-            <a:satOff val="0"/>
-            <a:lumOff val="0"/>
-            <a:alphaOff val="0"/>
-          </a:schemeClr>
-        </a:solidFill>
-        <a:ln w="15875" cap="rnd" cmpd="sng" algn="ctr">
-          <a:solidFill>
-            <a:schemeClr val="lt1">
-              <a:hueOff val="0"/>
-              <a:satOff val="0"/>
-              <a:lumOff val="0"/>
-              <a:alphaOff val="0"/>
-            </a:schemeClr>
-          </a:solidFill>
-          <a:prstDash val="solid"/>
-        </a:ln>
-        <a:effectLst/>
-      </dsp:spPr>
-      <dsp:style>
-        <a:lnRef idx="2">
-          <a:scrgbClr r="0" g="0" b="0"/>
-        </a:lnRef>
-        <a:fillRef idx="1">
-          <a:scrgbClr r="0" g="0" b="0"/>
-        </a:fillRef>
-        <a:effectRef idx="0">
-          <a:scrgbClr r="0" g="0" b="0"/>
-        </a:effectRef>
-        <a:fontRef idx="minor">
-          <a:schemeClr val="lt1"/>
-        </a:fontRef>
-      </dsp:style>
-      <dsp:txBody>
-        <a:bodyPr spcFirstLastPara="0" vert="horz" wrap="square" lIns="15240" tIns="15240" rIns="15240" bIns="15240" numCol="1" spcCol="1270" anchor="ctr" anchorCtr="0">
-          <a:noAutofit/>
-        </a:bodyPr>
-        <a:lstStyle/>
-        <a:p>
-          <a:pPr lvl="0" algn="ctr" defTabSz="1066800">
-            <a:lnSpc>
-              <a:spcPct val="90000"/>
-            </a:lnSpc>
-            <a:spcBef>
-              <a:spcPct val="0"/>
-            </a:spcBef>
-            <a:spcAft>
-              <a:spcPct val="35000"/>
-            </a:spcAft>
-          </a:pPr>
-          <a:r>
-            <a:rPr lang="zh-TW" altLang="en-US" sz="2400" kern="1200" dirty="0" smtClean="0"/>
-            <a:t>網站架構</a:t>
-          </a:r>
-          <a:endParaRPr lang="zh-TW" altLang="en-US" sz="2400" kern="1200" dirty="0"/>
-        </a:p>
-      </dsp:txBody>
-      <dsp:txXfrm>
-        <a:off x="4771021" y="1480231"/>
-        <a:ext cx="1576033" cy="788016"/>
-      </dsp:txXfrm>
-    </dsp:sp>
-    <dsp:sp modelId="{C9414637-4C3E-4C04-AD8D-393CDDA64A19}">
-      <dsp:nvSpPr>
-        <dsp:cNvPr id="0" name=""/>
-        <dsp:cNvSpPr/>
-      </dsp:nvSpPr>
-      <dsp:spPr>
-        <a:xfrm>
-          <a:off x="0" y="3003956"/>
-          <a:ext cx="1576033" cy="788016"/>
-        </a:xfrm>
-        <a:prstGeom prst="rect">
-          <a:avLst/>
-        </a:prstGeom>
-        <a:solidFill>
-          <a:schemeClr val="accent1">
-            <a:hueOff val="0"/>
-            <a:satOff val="0"/>
-            <a:lumOff val="0"/>
-            <a:alphaOff val="0"/>
-          </a:schemeClr>
-        </a:solidFill>
-        <a:ln w="15875" cap="rnd" cmpd="sng" algn="ctr">
-          <a:solidFill>
-            <a:schemeClr val="lt1">
-              <a:hueOff val="0"/>
-              <a:satOff val="0"/>
-              <a:lumOff val="0"/>
-              <a:alphaOff val="0"/>
-            </a:schemeClr>
-          </a:solidFill>
-          <a:prstDash val="solid"/>
-        </a:ln>
-        <a:effectLst/>
-      </dsp:spPr>
-      <dsp:style>
-        <a:lnRef idx="2">
-          <a:scrgbClr r="0" g="0" b="0"/>
-        </a:lnRef>
-        <a:fillRef idx="1">
-          <a:scrgbClr r="0" g="0" b="0"/>
-        </a:fillRef>
-        <a:effectRef idx="0">
-          <a:scrgbClr r="0" g="0" b="0"/>
-        </a:effectRef>
-        <a:fontRef idx="minor">
-          <a:schemeClr val="lt1"/>
-        </a:fontRef>
-      </dsp:style>
-      <dsp:txBody>
-        <a:bodyPr spcFirstLastPara="0" vert="horz" wrap="square" lIns="8890" tIns="8890" rIns="8890" bIns="8890" numCol="1" spcCol="1270" anchor="ctr" anchorCtr="0">
-          <a:noAutofit/>
-        </a:bodyPr>
-        <a:lstStyle/>
-        <a:p>
-          <a:pPr lvl="0" algn="ctr" defTabSz="622300">
-            <a:lnSpc>
-              <a:spcPct val="90000"/>
-            </a:lnSpc>
-            <a:spcBef>
-              <a:spcPct val="0"/>
-            </a:spcBef>
-            <a:spcAft>
-              <a:spcPct val="35000"/>
-            </a:spcAft>
-          </a:pPr>
-          <a:r>
-            <a:rPr lang="zh-TW" altLang="en-US" sz="1400" kern="1200" dirty="0" smtClean="0"/>
-            <a:t>首頁</a:t>
-          </a:r>
-          <a:r>
-            <a:rPr lang="en-US" altLang="zh-TW" sz="3200" kern="1200" dirty="0" smtClean="0"/>
-            <a:t/>
-          </a:r>
-          <a:br>
-            <a:rPr lang="en-US" altLang="zh-TW" sz="3200" kern="1200" dirty="0" smtClean="0"/>
-          </a:br>
-          <a:r>
-            <a:rPr lang="en-US" altLang="zh-TW" sz="1400" kern="1200" dirty="0" smtClean="0"/>
-            <a:t>(</a:t>
-          </a:r>
-          <a:r>
-            <a:rPr lang="zh-TW" altLang="en-US" sz="1400" kern="1200" dirty="0" smtClean="0"/>
-            <a:t>海大簡介</a:t>
-          </a:r>
-          <a:r>
-            <a:rPr lang="en-US" altLang="zh-TW" sz="1400" kern="1200" dirty="0" smtClean="0"/>
-            <a:t>)</a:t>
-          </a:r>
-          <a:endParaRPr lang="zh-TW" altLang="en-US" sz="1400" kern="1200" dirty="0"/>
-        </a:p>
-      </dsp:txBody>
-      <dsp:txXfrm>
-        <a:off x="0" y="3003956"/>
-        <a:ext cx="1576033" cy="788016"/>
-      </dsp:txXfrm>
-    </dsp:sp>
-    <dsp:sp modelId="{E0EB96A7-03E4-4690-80AD-28F30E00DB22}">
-      <dsp:nvSpPr>
-        <dsp:cNvPr id="0" name=""/>
-        <dsp:cNvSpPr/>
-      </dsp:nvSpPr>
-      <dsp:spPr>
-        <a:xfrm>
-          <a:off x="1910520" y="3007809"/>
-          <a:ext cx="1576033" cy="788016"/>
-        </a:xfrm>
-        <a:prstGeom prst="rect">
-          <a:avLst/>
-        </a:prstGeom>
-        <a:solidFill>
-          <a:schemeClr val="accent1">
-            <a:hueOff val="0"/>
-            <a:satOff val="0"/>
-            <a:lumOff val="0"/>
-            <a:alphaOff val="0"/>
-          </a:schemeClr>
-        </a:solidFill>
-        <a:ln w="15875" cap="rnd" cmpd="sng" algn="ctr">
-          <a:solidFill>
-            <a:schemeClr val="lt1">
-              <a:hueOff val="0"/>
-              <a:satOff val="0"/>
-              <a:lumOff val="0"/>
-              <a:alphaOff val="0"/>
-            </a:schemeClr>
-          </a:solidFill>
-          <a:prstDash val="solid"/>
-        </a:ln>
-        <a:effectLst/>
-      </dsp:spPr>
-      <dsp:style>
-        <a:lnRef idx="2">
-          <a:scrgbClr r="0" g="0" b="0"/>
-        </a:lnRef>
-        <a:fillRef idx="1">
-          <a:scrgbClr r="0" g="0" b="0"/>
-        </a:fillRef>
-        <a:effectRef idx="0">
-          <a:scrgbClr r="0" g="0" b="0"/>
-        </a:effectRef>
-        <a:fontRef idx="minor">
-          <a:schemeClr val="lt1"/>
-        </a:fontRef>
-      </dsp:style>
-      <dsp:txBody>
-        <a:bodyPr spcFirstLastPara="0" vert="horz" wrap="square" lIns="8890" tIns="8890" rIns="8890" bIns="8890" numCol="1" spcCol="1270" anchor="ctr" anchorCtr="0">
-          <a:noAutofit/>
-        </a:bodyPr>
-        <a:lstStyle/>
-        <a:p>
-          <a:pPr lvl="0" algn="ctr" defTabSz="622300">
-            <a:lnSpc>
-              <a:spcPct val="90000"/>
-            </a:lnSpc>
-            <a:spcBef>
-              <a:spcPct val="0"/>
-            </a:spcBef>
-            <a:spcAft>
-              <a:spcPct val="35000"/>
-            </a:spcAft>
-          </a:pPr>
-          <a:r>
-            <a:rPr lang="zh-TW" altLang="en-US" sz="1400" kern="1200" dirty="0" smtClean="0"/>
-            <a:t>食</a:t>
-          </a:r>
-          <a:r>
-            <a:rPr lang="en-US" altLang="zh-TW" sz="1400" kern="1200" dirty="0" smtClean="0"/>
-            <a:t/>
-          </a:r>
-          <a:br>
-            <a:rPr lang="en-US" altLang="zh-TW" sz="1400" kern="1200" dirty="0" smtClean="0"/>
-          </a:br>
-          <a:r>
-            <a:rPr lang="zh-TW" altLang="en-US" sz="1400" kern="1200" dirty="0" smtClean="0"/>
-            <a:t> </a:t>
-          </a:r>
-          <a:r>
-            <a:rPr lang="en-US" altLang="zh-TW" sz="1400" kern="1200" dirty="0" smtClean="0"/>
-            <a:t>(</a:t>
-          </a:r>
-          <a:r>
-            <a:rPr lang="zh-TW" altLang="en-US" sz="1400" kern="1200" dirty="0" smtClean="0"/>
-            <a:t>學校附近美食</a:t>
-          </a:r>
-          <a:r>
-            <a:rPr lang="en-US" altLang="zh-TW" sz="1400" kern="1200" dirty="0" smtClean="0"/>
-            <a:t>)</a:t>
-          </a:r>
-          <a:endParaRPr lang="zh-TW" altLang="en-US" sz="1400" kern="1200" dirty="0"/>
-        </a:p>
-      </dsp:txBody>
-      <dsp:txXfrm>
-        <a:off x="1910520" y="3007809"/>
-        <a:ext cx="1576033" cy="788016"/>
-      </dsp:txXfrm>
-    </dsp:sp>
-    <dsp:sp modelId="{671B9302-A755-428C-AECC-BA9B35E19CDC}">
-      <dsp:nvSpPr>
-        <dsp:cNvPr id="0" name=""/>
-        <dsp:cNvSpPr/>
-      </dsp:nvSpPr>
-      <dsp:spPr>
-        <a:xfrm>
-          <a:off x="3817521" y="3007809"/>
-          <a:ext cx="1576033" cy="788016"/>
-        </a:xfrm>
-        <a:prstGeom prst="rect">
-          <a:avLst/>
-        </a:prstGeom>
-        <a:solidFill>
-          <a:schemeClr val="accent1">
-            <a:hueOff val="0"/>
-            <a:satOff val="0"/>
-            <a:lumOff val="0"/>
-            <a:alphaOff val="0"/>
-          </a:schemeClr>
-        </a:solidFill>
-        <a:ln w="15875" cap="rnd" cmpd="sng" algn="ctr">
-          <a:solidFill>
-            <a:schemeClr val="lt1">
-              <a:hueOff val="0"/>
-              <a:satOff val="0"/>
-              <a:lumOff val="0"/>
-              <a:alphaOff val="0"/>
-            </a:schemeClr>
-          </a:solidFill>
-          <a:prstDash val="solid"/>
-        </a:ln>
-        <a:effectLst/>
-      </dsp:spPr>
-      <dsp:style>
-        <a:lnRef idx="2">
-          <a:scrgbClr r="0" g="0" b="0"/>
-        </a:lnRef>
-        <a:fillRef idx="1">
-          <a:scrgbClr r="0" g="0" b="0"/>
-        </a:fillRef>
-        <a:effectRef idx="0">
-          <a:scrgbClr r="0" g="0" b="0"/>
-        </a:effectRef>
-        <a:fontRef idx="minor">
-          <a:schemeClr val="lt1"/>
-        </a:fontRef>
-      </dsp:style>
-      <dsp:txBody>
-        <a:bodyPr spcFirstLastPara="0" vert="horz" wrap="square" lIns="8890" tIns="8890" rIns="8890" bIns="8890" numCol="1" spcCol="1270" anchor="ctr" anchorCtr="0">
-          <a:noAutofit/>
-        </a:bodyPr>
-        <a:lstStyle/>
-        <a:p>
-          <a:pPr lvl="0" algn="ctr" defTabSz="622300">
-            <a:lnSpc>
-              <a:spcPct val="90000"/>
-            </a:lnSpc>
-            <a:spcBef>
-              <a:spcPct val="0"/>
-            </a:spcBef>
-            <a:spcAft>
-              <a:spcPct val="35000"/>
-            </a:spcAft>
-          </a:pPr>
-          <a:r>
-            <a:rPr lang="zh-TW" altLang="en-US" sz="1400" kern="1200" dirty="0" smtClean="0"/>
-            <a:t>住</a:t>
-          </a:r>
-          <a:r>
-            <a:rPr lang="en-US" altLang="zh-TW" sz="1400" kern="1200" dirty="0" smtClean="0"/>
-            <a:t/>
-          </a:r>
-          <a:br>
-            <a:rPr lang="en-US" altLang="zh-TW" sz="1400" kern="1200" dirty="0" smtClean="0"/>
-          </a:br>
-          <a:r>
-            <a:rPr lang="zh-TW" altLang="en-US" sz="1400" kern="1200" dirty="0" smtClean="0"/>
-            <a:t> </a:t>
-          </a:r>
-          <a:r>
-            <a:rPr lang="en-US" altLang="zh-TW" sz="1400" kern="1200" dirty="0" smtClean="0"/>
-            <a:t>(</a:t>
-          </a:r>
-          <a:r>
-            <a:rPr lang="zh-TW" altLang="en-US" sz="1400" kern="1200" dirty="0" smtClean="0"/>
-            <a:t>租屋資訊</a:t>
-          </a:r>
-          <a:r>
-            <a:rPr lang="en-US" altLang="zh-TW" sz="1400" kern="1200" dirty="0" smtClean="0"/>
-            <a:t>)</a:t>
-          </a:r>
-          <a:endParaRPr lang="zh-TW" altLang="en-US" sz="1400" kern="1200" dirty="0"/>
-        </a:p>
-      </dsp:txBody>
-      <dsp:txXfrm>
-        <a:off x="3817521" y="3007809"/>
-        <a:ext cx="1576033" cy="788016"/>
-      </dsp:txXfrm>
-    </dsp:sp>
-    <dsp:sp modelId="{0B7746AF-9222-473E-ADCA-FC9B62CA4FA8}">
-      <dsp:nvSpPr>
-        <dsp:cNvPr id="0" name=""/>
-        <dsp:cNvSpPr/>
-      </dsp:nvSpPr>
-      <dsp:spPr>
-        <a:xfrm>
-          <a:off x="5724522" y="3007809"/>
-          <a:ext cx="1576033" cy="788016"/>
-        </a:xfrm>
-        <a:prstGeom prst="rect">
-          <a:avLst/>
-        </a:prstGeom>
-        <a:solidFill>
-          <a:schemeClr val="accent1">
-            <a:hueOff val="0"/>
-            <a:satOff val="0"/>
-            <a:lumOff val="0"/>
-            <a:alphaOff val="0"/>
-          </a:schemeClr>
-        </a:solidFill>
-        <a:ln w="15875" cap="rnd" cmpd="sng" algn="ctr">
-          <a:solidFill>
-            <a:schemeClr val="lt1">
-              <a:hueOff val="0"/>
-              <a:satOff val="0"/>
-              <a:lumOff val="0"/>
-              <a:alphaOff val="0"/>
-            </a:schemeClr>
-          </a:solidFill>
-          <a:prstDash val="solid"/>
-        </a:ln>
-        <a:effectLst/>
-      </dsp:spPr>
-      <dsp:style>
-        <a:lnRef idx="2">
-          <a:scrgbClr r="0" g="0" b="0"/>
-        </a:lnRef>
-        <a:fillRef idx="1">
-          <a:scrgbClr r="0" g="0" b="0"/>
-        </a:fillRef>
-        <a:effectRef idx="0">
-          <a:scrgbClr r="0" g="0" b="0"/>
-        </a:effectRef>
-        <a:fontRef idx="minor">
-          <a:schemeClr val="lt1"/>
-        </a:fontRef>
-      </dsp:style>
-      <dsp:txBody>
-        <a:bodyPr spcFirstLastPara="0" vert="horz" wrap="square" lIns="8890" tIns="8890" rIns="8890" bIns="8890" numCol="1" spcCol="1270" anchor="ctr" anchorCtr="0">
-          <a:noAutofit/>
-        </a:bodyPr>
-        <a:lstStyle/>
-        <a:p>
-          <a:pPr lvl="0" algn="ctr" defTabSz="622300">
-            <a:lnSpc>
-              <a:spcPct val="90000"/>
-            </a:lnSpc>
-            <a:spcBef>
-              <a:spcPct val="0"/>
-            </a:spcBef>
-            <a:spcAft>
-              <a:spcPct val="35000"/>
-            </a:spcAft>
-          </a:pPr>
-          <a:r>
-            <a:rPr lang="zh-TW" altLang="en-US" sz="1400" kern="1200" dirty="0" smtClean="0"/>
-            <a:t>行 </a:t>
-          </a:r>
-          <a:r>
-            <a:rPr lang="en-US" altLang="zh-TW" sz="1400" kern="1200" dirty="0" smtClean="0"/>
-            <a:t/>
-          </a:r>
-          <a:br>
-            <a:rPr lang="en-US" altLang="zh-TW" sz="1400" kern="1200" dirty="0" smtClean="0"/>
-          </a:br>
-          <a:r>
-            <a:rPr lang="en-US" altLang="zh-TW" sz="1400" kern="1200" dirty="0" smtClean="0"/>
-            <a:t>(</a:t>
-          </a:r>
-          <a:r>
-            <a:rPr lang="zh-TW" altLang="en-US" sz="1400" kern="1200" dirty="0" smtClean="0"/>
-            <a:t>海大公車資訊</a:t>
-          </a:r>
-          <a:r>
-            <a:rPr lang="en-US" altLang="zh-TW" sz="1400" kern="1200" dirty="0" smtClean="0"/>
-            <a:t>)</a:t>
-          </a:r>
-          <a:endParaRPr lang="zh-TW" altLang="en-US" sz="1400" kern="1200" dirty="0"/>
-        </a:p>
-      </dsp:txBody>
-      <dsp:txXfrm>
-        <a:off x="5724522" y="3007809"/>
-        <a:ext cx="1576033" cy="788016"/>
-      </dsp:txXfrm>
-    </dsp:sp>
-    <dsp:sp modelId="{4A54EB2C-BBBA-40AE-A886-50D780179212}">
-      <dsp:nvSpPr>
-        <dsp:cNvPr id="0" name=""/>
-        <dsp:cNvSpPr/>
-      </dsp:nvSpPr>
-      <dsp:spPr>
-        <a:xfrm>
-          <a:off x="7659197" y="3005027"/>
-          <a:ext cx="1576033" cy="788016"/>
-        </a:xfrm>
-        <a:prstGeom prst="rect">
-          <a:avLst/>
-        </a:prstGeom>
-        <a:solidFill>
-          <a:schemeClr val="accent1">
-            <a:hueOff val="0"/>
-            <a:satOff val="0"/>
-            <a:lumOff val="0"/>
-            <a:alphaOff val="0"/>
-          </a:schemeClr>
-        </a:solidFill>
-        <a:ln w="15875" cap="rnd" cmpd="sng" algn="ctr">
-          <a:solidFill>
-            <a:schemeClr val="lt1">
-              <a:hueOff val="0"/>
-              <a:satOff val="0"/>
-              <a:lumOff val="0"/>
-              <a:alphaOff val="0"/>
-            </a:schemeClr>
-          </a:solidFill>
-          <a:prstDash val="solid"/>
-        </a:ln>
-        <a:effectLst/>
-      </dsp:spPr>
-      <dsp:style>
-        <a:lnRef idx="2">
-          <a:scrgbClr r="0" g="0" b="0"/>
-        </a:lnRef>
-        <a:fillRef idx="1">
-          <a:scrgbClr r="0" g="0" b="0"/>
-        </a:fillRef>
-        <a:effectRef idx="0">
-          <a:scrgbClr r="0" g="0" b="0"/>
-        </a:effectRef>
-        <a:fontRef idx="minor">
-          <a:schemeClr val="lt1"/>
-        </a:fontRef>
-      </dsp:style>
-      <dsp:txBody>
-        <a:bodyPr spcFirstLastPara="0" vert="horz" wrap="square" lIns="8890" tIns="8890" rIns="8890" bIns="8890" numCol="1" spcCol="1270" anchor="ctr" anchorCtr="0">
-          <a:noAutofit/>
-        </a:bodyPr>
-        <a:lstStyle/>
-        <a:p>
-          <a:pPr lvl="0" algn="ctr" defTabSz="622300">
-            <a:lnSpc>
-              <a:spcPct val="90000"/>
-            </a:lnSpc>
-            <a:spcBef>
-              <a:spcPct val="0"/>
-            </a:spcBef>
-            <a:spcAft>
-              <a:spcPct val="35000"/>
-            </a:spcAft>
-          </a:pPr>
-          <a:r>
-            <a:rPr lang="zh-TW" altLang="en-US" sz="1400" kern="1200" dirty="0" smtClean="0"/>
-            <a:t>旅遊</a:t>
-          </a:r>
-          <a:r>
-            <a:rPr lang="en-US" altLang="zh-TW" sz="1400" kern="1200" dirty="0" smtClean="0"/>
-            <a:t/>
-          </a:r>
-          <a:br>
-            <a:rPr lang="en-US" altLang="zh-TW" sz="1400" kern="1200" dirty="0" smtClean="0"/>
-          </a:br>
-          <a:r>
-            <a:rPr lang="en-US" altLang="zh-TW" sz="1400" kern="1200" dirty="0" smtClean="0"/>
-            <a:t>(</a:t>
-          </a:r>
-          <a:r>
-            <a:rPr lang="zh-TW" altLang="en-US" sz="1400" kern="1200" dirty="0" smtClean="0"/>
-            <a:t>基隆有名景點</a:t>
-          </a:r>
-          <a:r>
-            <a:rPr lang="en-US" altLang="zh-TW" sz="1400" kern="1200" dirty="0" smtClean="0"/>
-            <a:t>)</a:t>
-          </a:r>
-          <a:endParaRPr lang="zh-TW" altLang="en-US" sz="1400" kern="1200" dirty="0"/>
-        </a:p>
-      </dsp:txBody>
-      <dsp:txXfrm>
-        <a:off x="7659197" y="3005027"/>
-        <a:ext cx="1576033" cy="788016"/>
-      </dsp:txXfrm>
-    </dsp:sp>
-    <dsp:sp modelId="{64EA9517-9A88-4858-977F-393065092BB2}">
-      <dsp:nvSpPr>
-        <dsp:cNvPr id="0" name=""/>
-        <dsp:cNvSpPr/>
-      </dsp:nvSpPr>
-      <dsp:spPr>
-        <a:xfrm>
-          <a:off x="9538523" y="3002372"/>
-          <a:ext cx="1576033" cy="788016"/>
-        </a:xfrm>
-        <a:prstGeom prst="rect">
-          <a:avLst/>
-        </a:prstGeom>
-        <a:solidFill>
-          <a:schemeClr val="accent1">
-            <a:hueOff val="0"/>
-            <a:satOff val="0"/>
-            <a:lumOff val="0"/>
-            <a:alphaOff val="0"/>
-          </a:schemeClr>
-        </a:solidFill>
-        <a:ln w="15875" cap="rnd" cmpd="sng" algn="ctr">
-          <a:solidFill>
-            <a:schemeClr val="lt1">
-              <a:hueOff val="0"/>
-              <a:satOff val="0"/>
-              <a:lumOff val="0"/>
-              <a:alphaOff val="0"/>
-            </a:schemeClr>
-          </a:solidFill>
-          <a:prstDash val="solid"/>
-        </a:ln>
-        <a:effectLst/>
-      </dsp:spPr>
-      <dsp:style>
-        <a:lnRef idx="2">
-          <a:scrgbClr r="0" g="0" b="0"/>
-        </a:lnRef>
-        <a:fillRef idx="1">
-          <a:scrgbClr r="0" g="0" b="0"/>
-        </a:fillRef>
-        <a:effectRef idx="0">
-          <a:scrgbClr r="0" g="0" b="0"/>
-        </a:effectRef>
-        <a:fontRef idx="minor">
-          <a:schemeClr val="lt1"/>
-        </a:fontRef>
-      </dsp:style>
-      <dsp:txBody>
-        <a:bodyPr spcFirstLastPara="0" vert="horz" wrap="square" lIns="8890" tIns="8890" rIns="8890" bIns="8890" numCol="1" spcCol="1270" anchor="ctr" anchorCtr="0">
-          <a:noAutofit/>
-        </a:bodyPr>
-        <a:lstStyle/>
-        <a:p>
-          <a:pPr lvl="0" algn="ctr" defTabSz="622300">
-            <a:lnSpc>
-              <a:spcPct val="90000"/>
-            </a:lnSpc>
-            <a:spcBef>
-              <a:spcPct val="0"/>
-            </a:spcBef>
-            <a:spcAft>
-              <a:spcPct val="35000"/>
-            </a:spcAft>
-          </a:pPr>
-          <a:r>
-            <a:rPr lang="zh-TW" altLang="en-US" sz="1400" kern="1200" dirty="0" smtClean="0"/>
-            <a:t>海大行事曆</a:t>
-          </a:r>
-          <a:r>
-            <a:rPr lang="en-US" altLang="zh-TW" sz="1400" kern="1200" dirty="0" smtClean="0"/>
-            <a:t/>
-          </a:r>
-          <a:br>
-            <a:rPr lang="en-US" altLang="zh-TW" sz="1400" kern="1200" dirty="0" smtClean="0"/>
-          </a:br>
-          <a:r>
-            <a:rPr lang="en-US" altLang="zh-TW" sz="1400" kern="1200" dirty="0" smtClean="0"/>
-            <a:t>(</a:t>
-          </a:r>
-          <a:r>
-            <a:rPr lang="zh-TW" altLang="en-US" sz="1400" kern="1200" dirty="0" smtClean="0"/>
-            <a:t>當年度行事曆</a:t>
-          </a:r>
-          <a:r>
-            <a:rPr lang="en-US" altLang="zh-TW" sz="1400" kern="1200" dirty="0" smtClean="0"/>
-            <a:t>)</a:t>
-          </a:r>
-          <a:endParaRPr lang="zh-TW" altLang="en-US" sz="1400" kern="1200" dirty="0"/>
-        </a:p>
-      </dsp:txBody>
-      <dsp:txXfrm>
-        <a:off x="9538523" y="3002372"/>
-        <a:ext cx="1576033" cy="788016"/>
-      </dsp:txXfrm>
-    </dsp:sp>
   </dsp:spTree>
 </dsp:drawing>
 </file>
@@ -12876,8 +11849,8 @@
         </p:nvSpPr>
         <p:spPr>
           <a:xfrm>
-            <a:off x="2081217" y="1694750"/>
-            <a:ext cx="8566667" cy="2677656"/>
+            <a:off x="2081217" y="1823539"/>
+            <a:ext cx="9702952" cy="3046988"/>
           </a:xfrm>
           <a:prstGeom prst="rect">
             <a:avLst/>
@@ -12968,7 +11941,33 @@
             </a:r>
             <a:r>
               <a:rPr lang="en-US" altLang="zh-TW" sz="2400" dirty="0" smtClean="0"/>
-              <a:t> : w3.css</a:t>
+              <a:t> : </a:t>
+            </a:r>
+            <a:r>
+              <a:rPr lang="en-US" altLang="zh-TW" sz="2400" dirty="0" smtClean="0"/>
+              <a:t>w3.css</a:t>
+            </a:r>
+          </a:p>
+          <a:p>
+            <a:pPr marL="285750" indent="-285750">
+              <a:buFont typeface="Arial" panose="020B0604020202020204" pitchFamily="34" charset="0"/>
+              <a:buChar char="•"/>
+            </a:pPr>
+            <a:r>
+              <a:rPr lang="en-US" altLang="zh-TW" sz="2400" dirty="0" smtClean="0"/>
+              <a:t>Travel page </a:t>
+            </a:r>
+            <a:r>
+              <a:rPr lang="en-US" altLang="zh-TW" sz="2400" dirty="0"/>
+              <a:t>source link </a:t>
+            </a:r>
+            <a:r>
+              <a:rPr lang="en-US" altLang="zh-TW" sz="2400" dirty="0" smtClean="0"/>
+              <a:t>: http</a:t>
+            </a:r>
+            <a:r>
+              <a:rPr lang="en-US" altLang="zh-TW" sz="2400" dirty="0"/>
+              <a:t>://ebus.klcba.gov.tw/klebus/</a:t>
             </a:r>
             <a:endParaRPr lang="en-US" altLang="zh-TW" sz="2400" dirty="0"/>
           </a:p>

--- a/document.pptx
+++ b/document.pptx
@@ -1782,6 +1782,1033 @@
       <dsp:cNvGrpSpPr/>
     </dsp:nvGrpSpPr>
     <dsp:grpSpPr/>
+    <dsp:sp modelId="{BFD332D0-E2AB-4382-8B88-F32D648965EA}">
+      <dsp:nvSpPr>
+        <dsp:cNvPr id="0" name=""/>
+        <dsp:cNvSpPr/>
+      </dsp:nvSpPr>
+      <dsp:spPr>
+        <a:xfrm>
+          <a:off x="5559038" y="2268247"/>
+          <a:ext cx="4767501" cy="734124"/>
+        </a:xfrm>
+        <a:custGeom>
+          <a:avLst/>
+          <a:gdLst/>
+          <a:ahLst/>
+          <a:cxnLst/>
+          <a:rect l="0" t="0" r="0" b="0"/>
+          <a:pathLst>
+            <a:path>
+              <a:moveTo>
+                <a:pt x="0" y="0"/>
+              </a:moveTo>
+              <a:lnTo>
+                <a:pt x="0" y="568640"/>
+              </a:lnTo>
+              <a:lnTo>
+                <a:pt x="4767501" y="568640"/>
+              </a:lnTo>
+              <a:lnTo>
+                <a:pt x="4767501" y="734124"/>
+              </a:lnTo>
+            </a:path>
+          </a:pathLst>
+        </a:custGeom>
+        <a:noFill/>
+        <a:ln w="15875" cap="rnd" cmpd="sng" algn="ctr">
+          <a:solidFill>
+            <a:schemeClr val="accent1">
+              <a:shade val="60000"/>
+              <a:hueOff val="0"/>
+              <a:satOff val="0"/>
+              <a:lumOff val="0"/>
+              <a:alphaOff val="0"/>
+            </a:schemeClr>
+          </a:solidFill>
+          <a:prstDash val="solid"/>
+        </a:ln>
+        <a:effectLst/>
+      </dsp:spPr>
+      <dsp:style>
+        <a:lnRef idx="2">
+          <a:scrgbClr r="0" g="0" b="0"/>
+        </a:lnRef>
+        <a:fillRef idx="0">
+          <a:scrgbClr r="0" g="0" b="0"/>
+        </a:fillRef>
+        <a:effectRef idx="0">
+          <a:scrgbClr r="0" g="0" b="0"/>
+        </a:effectRef>
+        <a:fontRef idx="minor"/>
+      </dsp:style>
+    </dsp:sp>
+    <dsp:sp modelId="{28D9CCBA-3EEA-429C-B355-98B6E167DE71}">
+      <dsp:nvSpPr>
+        <dsp:cNvPr id="0" name=""/>
+        <dsp:cNvSpPr/>
+      </dsp:nvSpPr>
+      <dsp:spPr>
+        <a:xfrm>
+          <a:off x="5559038" y="2268247"/>
+          <a:ext cx="2888176" cy="736779"/>
+        </a:xfrm>
+        <a:custGeom>
+          <a:avLst/>
+          <a:gdLst/>
+          <a:ahLst/>
+          <a:cxnLst/>
+          <a:rect l="0" t="0" r="0" b="0"/>
+          <a:pathLst>
+            <a:path>
+              <a:moveTo>
+                <a:pt x="0" y="0"/>
+              </a:moveTo>
+              <a:lnTo>
+                <a:pt x="0" y="571296"/>
+              </a:lnTo>
+              <a:lnTo>
+                <a:pt x="2888176" y="571296"/>
+              </a:lnTo>
+              <a:lnTo>
+                <a:pt x="2888176" y="736779"/>
+              </a:lnTo>
+            </a:path>
+          </a:pathLst>
+        </a:custGeom>
+        <a:noFill/>
+        <a:ln w="15875" cap="rnd" cmpd="sng" algn="ctr">
+          <a:solidFill>
+            <a:schemeClr val="accent1">
+              <a:shade val="60000"/>
+              <a:hueOff val="0"/>
+              <a:satOff val="0"/>
+              <a:lumOff val="0"/>
+              <a:alphaOff val="0"/>
+            </a:schemeClr>
+          </a:solidFill>
+          <a:prstDash val="solid"/>
+        </a:ln>
+        <a:effectLst/>
+      </dsp:spPr>
+      <dsp:style>
+        <a:lnRef idx="2">
+          <a:scrgbClr r="0" g="0" b="0"/>
+        </a:lnRef>
+        <a:fillRef idx="0">
+          <a:scrgbClr r="0" g="0" b="0"/>
+        </a:fillRef>
+        <a:effectRef idx="0">
+          <a:scrgbClr r="0" g="0" b="0"/>
+        </a:effectRef>
+        <a:fontRef idx="minor"/>
+      </dsp:style>
+    </dsp:sp>
+    <dsp:sp modelId="{2DDE91B6-B9C6-4437-8A72-3B1CD1705ABF}">
+      <dsp:nvSpPr>
+        <dsp:cNvPr id="0" name=""/>
+        <dsp:cNvSpPr/>
+      </dsp:nvSpPr>
+      <dsp:spPr>
+        <a:xfrm>
+          <a:off x="5559038" y="2268247"/>
+          <a:ext cx="953500" cy="739561"/>
+        </a:xfrm>
+        <a:custGeom>
+          <a:avLst/>
+          <a:gdLst/>
+          <a:ahLst/>
+          <a:cxnLst/>
+          <a:rect l="0" t="0" r="0" b="0"/>
+          <a:pathLst>
+            <a:path>
+              <a:moveTo>
+                <a:pt x="0" y="0"/>
+              </a:moveTo>
+              <a:lnTo>
+                <a:pt x="0" y="574078"/>
+              </a:lnTo>
+              <a:lnTo>
+                <a:pt x="953500" y="574078"/>
+              </a:lnTo>
+              <a:lnTo>
+                <a:pt x="953500" y="739561"/>
+              </a:lnTo>
+            </a:path>
+          </a:pathLst>
+        </a:custGeom>
+        <a:noFill/>
+        <a:ln w="15875" cap="rnd" cmpd="sng" algn="ctr">
+          <a:solidFill>
+            <a:schemeClr val="accent1">
+              <a:shade val="60000"/>
+              <a:hueOff val="0"/>
+              <a:satOff val="0"/>
+              <a:lumOff val="0"/>
+              <a:alphaOff val="0"/>
+            </a:schemeClr>
+          </a:solidFill>
+          <a:prstDash val="solid"/>
+        </a:ln>
+        <a:effectLst/>
+      </dsp:spPr>
+      <dsp:style>
+        <a:lnRef idx="2">
+          <a:scrgbClr r="0" g="0" b="0"/>
+        </a:lnRef>
+        <a:fillRef idx="0">
+          <a:scrgbClr r="0" g="0" b="0"/>
+        </a:fillRef>
+        <a:effectRef idx="0">
+          <a:scrgbClr r="0" g="0" b="0"/>
+        </a:effectRef>
+        <a:fontRef idx="minor"/>
+      </dsp:style>
+    </dsp:sp>
+    <dsp:sp modelId="{338F4282-948E-4269-A687-04439903067B}">
+      <dsp:nvSpPr>
+        <dsp:cNvPr id="0" name=""/>
+        <dsp:cNvSpPr/>
+      </dsp:nvSpPr>
+      <dsp:spPr>
+        <a:xfrm>
+          <a:off x="4605538" y="2268247"/>
+          <a:ext cx="953500" cy="739561"/>
+        </a:xfrm>
+        <a:custGeom>
+          <a:avLst/>
+          <a:gdLst/>
+          <a:ahLst/>
+          <a:cxnLst/>
+          <a:rect l="0" t="0" r="0" b="0"/>
+          <a:pathLst>
+            <a:path>
+              <a:moveTo>
+                <a:pt x="953500" y="0"/>
+              </a:moveTo>
+              <a:lnTo>
+                <a:pt x="953500" y="574078"/>
+              </a:lnTo>
+              <a:lnTo>
+                <a:pt x="0" y="574078"/>
+              </a:lnTo>
+              <a:lnTo>
+                <a:pt x="0" y="739561"/>
+              </a:lnTo>
+            </a:path>
+          </a:pathLst>
+        </a:custGeom>
+        <a:noFill/>
+        <a:ln w="15875" cap="rnd" cmpd="sng" algn="ctr">
+          <a:solidFill>
+            <a:schemeClr val="accent1">
+              <a:shade val="60000"/>
+              <a:hueOff val="0"/>
+              <a:satOff val="0"/>
+              <a:lumOff val="0"/>
+              <a:alphaOff val="0"/>
+            </a:schemeClr>
+          </a:solidFill>
+          <a:prstDash val="solid"/>
+        </a:ln>
+        <a:effectLst/>
+      </dsp:spPr>
+      <dsp:style>
+        <a:lnRef idx="2">
+          <a:scrgbClr r="0" g="0" b="0"/>
+        </a:lnRef>
+        <a:fillRef idx="0">
+          <a:scrgbClr r="0" g="0" b="0"/>
+        </a:fillRef>
+        <a:effectRef idx="0">
+          <a:scrgbClr r="0" g="0" b="0"/>
+        </a:effectRef>
+        <a:fontRef idx="minor"/>
+      </dsp:style>
+    </dsp:sp>
+    <dsp:sp modelId="{45948BA5-B8E4-42FA-9246-8A27DB4F6F15}">
+      <dsp:nvSpPr>
+        <dsp:cNvPr id="0" name=""/>
+        <dsp:cNvSpPr/>
+      </dsp:nvSpPr>
+      <dsp:spPr>
+        <a:xfrm>
+          <a:off x="2698537" y="2268247"/>
+          <a:ext cx="2860500" cy="739561"/>
+        </a:xfrm>
+        <a:custGeom>
+          <a:avLst/>
+          <a:gdLst/>
+          <a:ahLst/>
+          <a:cxnLst/>
+          <a:rect l="0" t="0" r="0" b="0"/>
+          <a:pathLst>
+            <a:path>
+              <a:moveTo>
+                <a:pt x="2860500" y="0"/>
+              </a:moveTo>
+              <a:lnTo>
+                <a:pt x="2860500" y="574078"/>
+              </a:lnTo>
+              <a:lnTo>
+                <a:pt x="0" y="574078"/>
+              </a:lnTo>
+              <a:lnTo>
+                <a:pt x="0" y="739561"/>
+              </a:lnTo>
+            </a:path>
+          </a:pathLst>
+        </a:custGeom>
+        <a:noFill/>
+        <a:ln w="15875" cap="rnd" cmpd="sng" algn="ctr">
+          <a:solidFill>
+            <a:schemeClr val="accent1">
+              <a:shade val="60000"/>
+              <a:hueOff val="0"/>
+              <a:satOff val="0"/>
+              <a:lumOff val="0"/>
+              <a:alphaOff val="0"/>
+            </a:schemeClr>
+          </a:solidFill>
+          <a:prstDash val="solid"/>
+        </a:ln>
+        <a:effectLst/>
+      </dsp:spPr>
+      <dsp:style>
+        <a:lnRef idx="2">
+          <a:scrgbClr r="0" g="0" b="0"/>
+        </a:lnRef>
+        <a:fillRef idx="0">
+          <a:scrgbClr r="0" g="0" b="0"/>
+        </a:fillRef>
+        <a:effectRef idx="0">
+          <a:scrgbClr r="0" g="0" b="0"/>
+        </a:effectRef>
+        <a:fontRef idx="minor"/>
+      </dsp:style>
+    </dsp:sp>
+    <dsp:sp modelId="{B5BC34DB-018C-4A62-963B-A48FBF5439C5}">
+      <dsp:nvSpPr>
+        <dsp:cNvPr id="0" name=""/>
+        <dsp:cNvSpPr/>
+      </dsp:nvSpPr>
+      <dsp:spPr>
+        <a:xfrm>
+          <a:off x="788016" y="2268247"/>
+          <a:ext cx="4771021" cy="735708"/>
+        </a:xfrm>
+        <a:custGeom>
+          <a:avLst/>
+          <a:gdLst/>
+          <a:ahLst/>
+          <a:cxnLst/>
+          <a:rect l="0" t="0" r="0" b="0"/>
+          <a:pathLst>
+            <a:path>
+              <a:moveTo>
+                <a:pt x="4771021" y="0"/>
+              </a:moveTo>
+              <a:lnTo>
+                <a:pt x="4771021" y="570224"/>
+              </a:lnTo>
+              <a:lnTo>
+                <a:pt x="0" y="570224"/>
+              </a:lnTo>
+              <a:lnTo>
+                <a:pt x="0" y="735708"/>
+              </a:lnTo>
+            </a:path>
+          </a:pathLst>
+        </a:custGeom>
+        <a:noFill/>
+        <a:ln w="15875" cap="rnd" cmpd="sng" algn="ctr">
+          <a:solidFill>
+            <a:schemeClr val="accent1">
+              <a:shade val="60000"/>
+              <a:hueOff val="0"/>
+              <a:satOff val="0"/>
+              <a:lumOff val="0"/>
+              <a:alphaOff val="0"/>
+            </a:schemeClr>
+          </a:solidFill>
+          <a:prstDash val="solid"/>
+        </a:ln>
+        <a:effectLst/>
+      </dsp:spPr>
+      <dsp:style>
+        <a:lnRef idx="2">
+          <a:scrgbClr r="0" g="0" b="0"/>
+        </a:lnRef>
+        <a:fillRef idx="0">
+          <a:scrgbClr r="0" g="0" b="0"/>
+        </a:fillRef>
+        <a:effectRef idx="0">
+          <a:scrgbClr r="0" g="0" b="0"/>
+        </a:effectRef>
+        <a:fontRef idx="minor"/>
+      </dsp:style>
+    </dsp:sp>
+    <dsp:sp modelId="{EF09773A-9064-45E7-B31C-BD5E458A9496}">
+      <dsp:nvSpPr>
+        <dsp:cNvPr id="0" name=""/>
+        <dsp:cNvSpPr/>
+      </dsp:nvSpPr>
+      <dsp:spPr>
+        <a:xfrm>
+          <a:off x="4771021" y="1480231"/>
+          <a:ext cx="1576033" cy="788016"/>
+        </a:xfrm>
+        <a:prstGeom prst="rect">
+          <a:avLst/>
+        </a:prstGeom>
+        <a:solidFill>
+          <a:schemeClr val="accent1">
+            <a:hueOff val="0"/>
+            <a:satOff val="0"/>
+            <a:lumOff val="0"/>
+            <a:alphaOff val="0"/>
+          </a:schemeClr>
+        </a:solidFill>
+        <a:ln w="15875" cap="rnd" cmpd="sng" algn="ctr">
+          <a:solidFill>
+            <a:schemeClr val="lt1">
+              <a:hueOff val="0"/>
+              <a:satOff val="0"/>
+              <a:lumOff val="0"/>
+              <a:alphaOff val="0"/>
+            </a:schemeClr>
+          </a:solidFill>
+          <a:prstDash val="solid"/>
+        </a:ln>
+        <a:effectLst/>
+      </dsp:spPr>
+      <dsp:style>
+        <a:lnRef idx="2">
+          <a:scrgbClr r="0" g="0" b="0"/>
+        </a:lnRef>
+        <a:fillRef idx="1">
+          <a:scrgbClr r="0" g="0" b="0"/>
+        </a:fillRef>
+        <a:effectRef idx="0">
+          <a:scrgbClr r="0" g="0" b="0"/>
+        </a:effectRef>
+        <a:fontRef idx="minor">
+          <a:schemeClr val="lt1"/>
+        </a:fontRef>
+      </dsp:style>
+      <dsp:txBody>
+        <a:bodyPr spcFirstLastPara="0" vert="horz" wrap="square" lIns="15240" tIns="15240" rIns="15240" bIns="15240" numCol="1" spcCol="1270" anchor="ctr" anchorCtr="0">
+          <a:noAutofit/>
+        </a:bodyPr>
+        <a:lstStyle/>
+        <a:p>
+          <a:pPr lvl="0" algn="ctr" defTabSz="1066800">
+            <a:lnSpc>
+              <a:spcPct val="90000"/>
+            </a:lnSpc>
+            <a:spcBef>
+              <a:spcPct val="0"/>
+            </a:spcBef>
+            <a:spcAft>
+              <a:spcPct val="35000"/>
+            </a:spcAft>
+          </a:pPr>
+          <a:r>
+            <a:rPr lang="zh-TW" altLang="en-US" sz="2400" kern="1200" dirty="0" smtClean="0"/>
+            <a:t>網站架構</a:t>
+          </a:r>
+          <a:endParaRPr lang="zh-TW" altLang="en-US" sz="2400" kern="1200" dirty="0"/>
+        </a:p>
+      </dsp:txBody>
+      <dsp:txXfrm>
+        <a:off x="4771021" y="1480231"/>
+        <a:ext cx="1576033" cy="788016"/>
+      </dsp:txXfrm>
+    </dsp:sp>
+    <dsp:sp modelId="{C9414637-4C3E-4C04-AD8D-393CDDA64A19}">
+      <dsp:nvSpPr>
+        <dsp:cNvPr id="0" name=""/>
+        <dsp:cNvSpPr/>
+      </dsp:nvSpPr>
+      <dsp:spPr>
+        <a:xfrm>
+          <a:off x="0" y="3003956"/>
+          <a:ext cx="1576033" cy="788016"/>
+        </a:xfrm>
+        <a:prstGeom prst="rect">
+          <a:avLst/>
+        </a:prstGeom>
+        <a:solidFill>
+          <a:schemeClr val="accent1">
+            <a:hueOff val="0"/>
+            <a:satOff val="0"/>
+            <a:lumOff val="0"/>
+            <a:alphaOff val="0"/>
+          </a:schemeClr>
+        </a:solidFill>
+        <a:ln w="15875" cap="rnd" cmpd="sng" algn="ctr">
+          <a:solidFill>
+            <a:schemeClr val="lt1">
+              <a:hueOff val="0"/>
+              <a:satOff val="0"/>
+              <a:lumOff val="0"/>
+              <a:alphaOff val="0"/>
+            </a:schemeClr>
+          </a:solidFill>
+          <a:prstDash val="solid"/>
+        </a:ln>
+        <a:effectLst/>
+      </dsp:spPr>
+      <dsp:style>
+        <a:lnRef idx="2">
+          <a:scrgbClr r="0" g="0" b="0"/>
+        </a:lnRef>
+        <a:fillRef idx="1">
+          <a:scrgbClr r="0" g="0" b="0"/>
+        </a:fillRef>
+        <a:effectRef idx="0">
+          <a:scrgbClr r="0" g="0" b="0"/>
+        </a:effectRef>
+        <a:fontRef idx="minor">
+          <a:schemeClr val="lt1"/>
+        </a:fontRef>
+      </dsp:style>
+      <dsp:txBody>
+        <a:bodyPr spcFirstLastPara="0" vert="horz" wrap="square" lIns="8890" tIns="8890" rIns="8890" bIns="8890" numCol="1" spcCol="1270" anchor="ctr" anchorCtr="0">
+          <a:noAutofit/>
+        </a:bodyPr>
+        <a:lstStyle/>
+        <a:p>
+          <a:pPr lvl="0" algn="ctr" defTabSz="622300">
+            <a:lnSpc>
+              <a:spcPct val="90000"/>
+            </a:lnSpc>
+            <a:spcBef>
+              <a:spcPct val="0"/>
+            </a:spcBef>
+            <a:spcAft>
+              <a:spcPct val="35000"/>
+            </a:spcAft>
+          </a:pPr>
+          <a:r>
+            <a:rPr lang="zh-TW" altLang="en-US" sz="1400" kern="1200" dirty="0" smtClean="0"/>
+            <a:t>首頁</a:t>
+          </a:r>
+          <a:r>
+            <a:rPr lang="en-US" altLang="zh-TW" sz="3200" kern="1200" dirty="0" smtClean="0"/>
+            <a:t/>
+          </a:r>
+          <a:br>
+            <a:rPr lang="en-US" altLang="zh-TW" sz="3200" kern="1200" dirty="0" smtClean="0"/>
+          </a:br>
+          <a:r>
+            <a:rPr lang="en-US" altLang="zh-TW" sz="1400" kern="1200" dirty="0" smtClean="0"/>
+            <a:t>(</a:t>
+          </a:r>
+          <a:r>
+            <a:rPr lang="zh-TW" altLang="en-US" sz="1400" kern="1200" dirty="0" smtClean="0"/>
+            <a:t>海大簡介</a:t>
+          </a:r>
+          <a:r>
+            <a:rPr lang="en-US" altLang="zh-TW" sz="1400" kern="1200" dirty="0" smtClean="0"/>
+            <a:t>)</a:t>
+          </a:r>
+          <a:endParaRPr lang="zh-TW" altLang="en-US" sz="1400" kern="1200" dirty="0"/>
+        </a:p>
+      </dsp:txBody>
+      <dsp:txXfrm>
+        <a:off x="0" y="3003956"/>
+        <a:ext cx="1576033" cy="788016"/>
+      </dsp:txXfrm>
+    </dsp:sp>
+    <dsp:sp modelId="{E0EB96A7-03E4-4690-80AD-28F30E00DB22}">
+      <dsp:nvSpPr>
+        <dsp:cNvPr id="0" name=""/>
+        <dsp:cNvSpPr/>
+      </dsp:nvSpPr>
+      <dsp:spPr>
+        <a:xfrm>
+          <a:off x="1910520" y="3007809"/>
+          <a:ext cx="1576033" cy="788016"/>
+        </a:xfrm>
+        <a:prstGeom prst="rect">
+          <a:avLst/>
+        </a:prstGeom>
+        <a:solidFill>
+          <a:schemeClr val="accent1">
+            <a:hueOff val="0"/>
+            <a:satOff val="0"/>
+            <a:lumOff val="0"/>
+            <a:alphaOff val="0"/>
+          </a:schemeClr>
+        </a:solidFill>
+        <a:ln w="15875" cap="rnd" cmpd="sng" algn="ctr">
+          <a:solidFill>
+            <a:schemeClr val="lt1">
+              <a:hueOff val="0"/>
+              <a:satOff val="0"/>
+              <a:lumOff val="0"/>
+              <a:alphaOff val="0"/>
+            </a:schemeClr>
+          </a:solidFill>
+          <a:prstDash val="solid"/>
+        </a:ln>
+        <a:effectLst/>
+      </dsp:spPr>
+      <dsp:style>
+        <a:lnRef idx="2">
+          <a:scrgbClr r="0" g="0" b="0"/>
+        </a:lnRef>
+        <a:fillRef idx="1">
+          <a:scrgbClr r="0" g="0" b="0"/>
+        </a:fillRef>
+        <a:effectRef idx="0">
+          <a:scrgbClr r="0" g="0" b="0"/>
+        </a:effectRef>
+        <a:fontRef idx="minor">
+          <a:schemeClr val="lt1"/>
+        </a:fontRef>
+      </dsp:style>
+      <dsp:txBody>
+        <a:bodyPr spcFirstLastPara="0" vert="horz" wrap="square" lIns="8890" tIns="8890" rIns="8890" bIns="8890" numCol="1" spcCol="1270" anchor="ctr" anchorCtr="0">
+          <a:noAutofit/>
+        </a:bodyPr>
+        <a:lstStyle/>
+        <a:p>
+          <a:pPr lvl="0" algn="ctr" defTabSz="622300">
+            <a:lnSpc>
+              <a:spcPct val="90000"/>
+            </a:lnSpc>
+            <a:spcBef>
+              <a:spcPct val="0"/>
+            </a:spcBef>
+            <a:spcAft>
+              <a:spcPct val="35000"/>
+            </a:spcAft>
+          </a:pPr>
+          <a:r>
+            <a:rPr lang="zh-TW" altLang="en-US" sz="1400" kern="1200" dirty="0" smtClean="0"/>
+            <a:t>食</a:t>
+          </a:r>
+          <a:r>
+            <a:rPr lang="en-US" altLang="zh-TW" sz="1400" kern="1200" dirty="0" smtClean="0"/>
+            <a:t/>
+          </a:r>
+          <a:br>
+            <a:rPr lang="en-US" altLang="zh-TW" sz="1400" kern="1200" dirty="0" smtClean="0"/>
+          </a:br>
+          <a:r>
+            <a:rPr lang="zh-TW" altLang="en-US" sz="1400" kern="1200" dirty="0" smtClean="0"/>
+            <a:t> </a:t>
+          </a:r>
+          <a:r>
+            <a:rPr lang="en-US" altLang="zh-TW" sz="1400" kern="1200" dirty="0" smtClean="0"/>
+            <a:t>(</a:t>
+          </a:r>
+          <a:r>
+            <a:rPr lang="zh-TW" altLang="en-US" sz="1400" kern="1200" dirty="0" smtClean="0"/>
+            <a:t>學校附近美食</a:t>
+          </a:r>
+          <a:r>
+            <a:rPr lang="en-US" altLang="zh-TW" sz="1400" kern="1200" dirty="0" smtClean="0"/>
+            <a:t>)</a:t>
+          </a:r>
+          <a:endParaRPr lang="zh-TW" altLang="en-US" sz="1400" kern="1200" dirty="0"/>
+        </a:p>
+      </dsp:txBody>
+      <dsp:txXfrm>
+        <a:off x="1910520" y="3007809"/>
+        <a:ext cx="1576033" cy="788016"/>
+      </dsp:txXfrm>
+    </dsp:sp>
+    <dsp:sp modelId="{671B9302-A755-428C-AECC-BA9B35E19CDC}">
+      <dsp:nvSpPr>
+        <dsp:cNvPr id="0" name=""/>
+        <dsp:cNvSpPr/>
+      </dsp:nvSpPr>
+      <dsp:spPr>
+        <a:xfrm>
+          <a:off x="3817521" y="3007809"/>
+          <a:ext cx="1576033" cy="788016"/>
+        </a:xfrm>
+        <a:prstGeom prst="rect">
+          <a:avLst/>
+        </a:prstGeom>
+        <a:solidFill>
+          <a:schemeClr val="accent1">
+            <a:hueOff val="0"/>
+            <a:satOff val="0"/>
+            <a:lumOff val="0"/>
+            <a:alphaOff val="0"/>
+          </a:schemeClr>
+        </a:solidFill>
+        <a:ln w="15875" cap="rnd" cmpd="sng" algn="ctr">
+          <a:solidFill>
+            <a:schemeClr val="lt1">
+              <a:hueOff val="0"/>
+              <a:satOff val="0"/>
+              <a:lumOff val="0"/>
+              <a:alphaOff val="0"/>
+            </a:schemeClr>
+          </a:solidFill>
+          <a:prstDash val="solid"/>
+        </a:ln>
+        <a:effectLst/>
+      </dsp:spPr>
+      <dsp:style>
+        <a:lnRef idx="2">
+          <a:scrgbClr r="0" g="0" b="0"/>
+        </a:lnRef>
+        <a:fillRef idx="1">
+          <a:scrgbClr r="0" g="0" b="0"/>
+        </a:fillRef>
+        <a:effectRef idx="0">
+          <a:scrgbClr r="0" g="0" b="0"/>
+        </a:effectRef>
+        <a:fontRef idx="minor">
+          <a:schemeClr val="lt1"/>
+        </a:fontRef>
+      </dsp:style>
+      <dsp:txBody>
+        <a:bodyPr spcFirstLastPara="0" vert="horz" wrap="square" lIns="8890" tIns="8890" rIns="8890" bIns="8890" numCol="1" spcCol="1270" anchor="ctr" anchorCtr="0">
+          <a:noAutofit/>
+        </a:bodyPr>
+        <a:lstStyle/>
+        <a:p>
+          <a:pPr lvl="0" algn="ctr" defTabSz="622300">
+            <a:lnSpc>
+              <a:spcPct val="90000"/>
+            </a:lnSpc>
+            <a:spcBef>
+              <a:spcPct val="0"/>
+            </a:spcBef>
+            <a:spcAft>
+              <a:spcPct val="35000"/>
+            </a:spcAft>
+          </a:pPr>
+          <a:r>
+            <a:rPr lang="zh-TW" altLang="en-US" sz="1400" kern="1200" dirty="0" smtClean="0"/>
+            <a:t>住</a:t>
+          </a:r>
+          <a:r>
+            <a:rPr lang="en-US" altLang="zh-TW" sz="1400" kern="1200" dirty="0" smtClean="0"/>
+            <a:t/>
+          </a:r>
+          <a:br>
+            <a:rPr lang="en-US" altLang="zh-TW" sz="1400" kern="1200" dirty="0" smtClean="0"/>
+          </a:br>
+          <a:r>
+            <a:rPr lang="zh-TW" altLang="en-US" sz="1400" kern="1200" dirty="0" smtClean="0"/>
+            <a:t> </a:t>
+          </a:r>
+          <a:r>
+            <a:rPr lang="en-US" altLang="zh-TW" sz="1400" kern="1200" dirty="0" smtClean="0"/>
+            <a:t>(</a:t>
+          </a:r>
+          <a:r>
+            <a:rPr lang="zh-TW" altLang="en-US" sz="1400" kern="1200" dirty="0" smtClean="0"/>
+            <a:t>租屋資訊</a:t>
+          </a:r>
+          <a:r>
+            <a:rPr lang="en-US" altLang="zh-TW" sz="1400" kern="1200" dirty="0" smtClean="0"/>
+            <a:t>)</a:t>
+          </a:r>
+          <a:endParaRPr lang="zh-TW" altLang="en-US" sz="1400" kern="1200" dirty="0"/>
+        </a:p>
+      </dsp:txBody>
+      <dsp:txXfrm>
+        <a:off x="3817521" y="3007809"/>
+        <a:ext cx="1576033" cy="788016"/>
+      </dsp:txXfrm>
+    </dsp:sp>
+    <dsp:sp modelId="{0B7746AF-9222-473E-ADCA-FC9B62CA4FA8}">
+      <dsp:nvSpPr>
+        <dsp:cNvPr id="0" name=""/>
+        <dsp:cNvSpPr/>
+      </dsp:nvSpPr>
+      <dsp:spPr>
+        <a:xfrm>
+          <a:off x="5724522" y="3007809"/>
+          <a:ext cx="1576033" cy="788016"/>
+        </a:xfrm>
+        <a:prstGeom prst="rect">
+          <a:avLst/>
+        </a:prstGeom>
+        <a:solidFill>
+          <a:schemeClr val="accent1">
+            <a:hueOff val="0"/>
+            <a:satOff val="0"/>
+            <a:lumOff val="0"/>
+            <a:alphaOff val="0"/>
+          </a:schemeClr>
+        </a:solidFill>
+        <a:ln w="15875" cap="rnd" cmpd="sng" algn="ctr">
+          <a:solidFill>
+            <a:schemeClr val="lt1">
+              <a:hueOff val="0"/>
+              <a:satOff val="0"/>
+              <a:lumOff val="0"/>
+              <a:alphaOff val="0"/>
+            </a:schemeClr>
+          </a:solidFill>
+          <a:prstDash val="solid"/>
+        </a:ln>
+        <a:effectLst/>
+      </dsp:spPr>
+      <dsp:style>
+        <a:lnRef idx="2">
+          <a:scrgbClr r="0" g="0" b="0"/>
+        </a:lnRef>
+        <a:fillRef idx="1">
+          <a:scrgbClr r="0" g="0" b="0"/>
+        </a:fillRef>
+        <a:effectRef idx="0">
+          <a:scrgbClr r="0" g="0" b="0"/>
+        </a:effectRef>
+        <a:fontRef idx="minor">
+          <a:schemeClr val="lt1"/>
+        </a:fontRef>
+      </dsp:style>
+      <dsp:txBody>
+        <a:bodyPr spcFirstLastPara="0" vert="horz" wrap="square" lIns="8890" tIns="8890" rIns="8890" bIns="8890" numCol="1" spcCol="1270" anchor="ctr" anchorCtr="0">
+          <a:noAutofit/>
+        </a:bodyPr>
+        <a:lstStyle/>
+        <a:p>
+          <a:pPr lvl="0" algn="ctr" defTabSz="622300">
+            <a:lnSpc>
+              <a:spcPct val="90000"/>
+            </a:lnSpc>
+            <a:spcBef>
+              <a:spcPct val="0"/>
+            </a:spcBef>
+            <a:spcAft>
+              <a:spcPct val="35000"/>
+            </a:spcAft>
+          </a:pPr>
+          <a:r>
+            <a:rPr lang="zh-TW" altLang="en-US" sz="1400" kern="1200" dirty="0" smtClean="0"/>
+            <a:t>行 </a:t>
+          </a:r>
+          <a:r>
+            <a:rPr lang="en-US" altLang="zh-TW" sz="1400" kern="1200" dirty="0" smtClean="0"/>
+            <a:t/>
+          </a:r>
+          <a:br>
+            <a:rPr lang="en-US" altLang="zh-TW" sz="1400" kern="1200" dirty="0" smtClean="0"/>
+          </a:br>
+          <a:r>
+            <a:rPr lang="en-US" altLang="zh-TW" sz="1400" kern="1200" dirty="0" smtClean="0"/>
+            <a:t>(</a:t>
+          </a:r>
+          <a:r>
+            <a:rPr lang="zh-TW" altLang="en-US" sz="1400" kern="1200" dirty="0" smtClean="0"/>
+            <a:t>海大公車資訊</a:t>
+          </a:r>
+          <a:r>
+            <a:rPr lang="en-US" altLang="zh-TW" sz="1400" kern="1200" dirty="0" smtClean="0"/>
+            <a:t>)</a:t>
+          </a:r>
+          <a:endParaRPr lang="zh-TW" altLang="en-US" sz="1400" kern="1200" dirty="0"/>
+        </a:p>
+      </dsp:txBody>
+      <dsp:txXfrm>
+        <a:off x="5724522" y="3007809"/>
+        <a:ext cx="1576033" cy="788016"/>
+      </dsp:txXfrm>
+    </dsp:sp>
+    <dsp:sp modelId="{4A54EB2C-BBBA-40AE-A886-50D780179212}">
+      <dsp:nvSpPr>
+        <dsp:cNvPr id="0" name=""/>
+        <dsp:cNvSpPr/>
+      </dsp:nvSpPr>
+      <dsp:spPr>
+        <a:xfrm>
+          <a:off x="7659197" y="3005027"/>
+          <a:ext cx="1576033" cy="788016"/>
+        </a:xfrm>
+        <a:prstGeom prst="rect">
+          <a:avLst/>
+        </a:prstGeom>
+        <a:solidFill>
+          <a:schemeClr val="accent1">
+            <a:hueOff val="0"/>
+            <a:satOff val="0"/>
+            <a:lumOff val="0"/>
+            <a:alphaOff val="0"/>
+          </a:schemeClr>
+        </a:solidFill>
+        <a:ln w="15875" cap="rnd" cmpd="sng" algn="ctr">
+          <a:solidFill>
+            <a:schemeClr val="lt1">
+              <a:hueOff val="0"/>
+              <a:satOff val="0"/>
+              <a:lumOff val="0"/>
+              <a:alphaOff val="0"/>
+            </a:schemeClr>
+          </a:solidFill>
+          <a:prstDash val="solid"/>
+        </a:ln>
+        <a:effectLst/>
+      </dsp:spPr>
+      <dsp:style>
+        <a:lnRef idx="2">
+          <a:scrgbClr r="0" g="0" b="0"/>
+        </a:lnRef>
+        <a:fillRef idx="1">
+          <a:scrgbClr r="0" g="0" b="0"/>
+        </a:fillRef>
+        <a:effectRef idx="0">
+          <a:scrgbClr r="0" g="0" b="0"/>
+        </a:effectRef>
+        <a:fontRef idx="minor">
+          <a:schemeClr val="lt1"/>
+        </a:fontRef>
+      </dsp:style>
+      <dsp:txBody>
+        <a:bodyPr spcFirstLastPara="0" vert="horz" wrap="square" lIns="8890" tIns="8890" rIns="8890" bIns="8890" numCol="1" spcCol="1270" anchor="ctr" anchorCtr="0">
+          <a:noAutofit/>
+        </a:bodyPr>
+        <a:lstStyle/>
+        <a:p>
+          <a:pPr lvl="0" algn="ctr" defTabSz="622300">
+            <a:lnSpc>
+              <a:spcPct val="90000"/>
+            </a:lnSpc>
+            <a:spcBef>
+              <a:spcPct val="0"/>
+            </a:spcBef>
+            <a:spcAft>
+              <a:spcPct val="35000"/>
+            </a:spcAft>
+          </a:pPr>
+          <a:r>
+            <a:rPr lang="zh-TW" altLang="en-US" sz="1400" kern="1200" dirty="0" smtClean="0"/>
+            <a:t>旅遊</a:t>
+          </a:r>
+          <a:r>
+            <a:rPr lang="en-US" altLang="zh-TW" sz="1400" kern="1200" dirty="0" smtClean="0"/>
+            <a:t/>
+          </a:r>
+          <a:br>
+            <a:rPr lang="en-US" altLang="zh-TW" sz="1400" kern="1200" dirty="0" smtClean="0"/>
+          </a:br>
+          <a:r>
+            <a:rPr lang="en-US" altLang="zh-TW" sz="1400" kern="1200" dirty="0" smtClean="0"/>
+            <a:t>(</a:t>
+          </a:r>
+          <a:r>
+            <a:rPr lang="zh-TW" altLang="en-US" sz="1400" kern="1200" dirty="0" smtClean="0"/>
+            <a:t>基隆有名景點</a:t>
+          </a:r>
+          <a:r>
+            <a:rPr lang="en-US" altLang="zh-TW" sz="1400" kern="1200" dirty="0" smtClean="0"/>
+            <a:t>)</a:t>
+          </a:r>
+          <a:endParaRPr lang="zh-TW" altLang="en-US" sz="1400" kern="1200" dirty="0"/>
+        </a:p>
+      </dsp:txBody>
+      <dsp:txXfrm>
+        <a:off x="7659197" y="3005027"/>
+        <a:ext cx="1576033" cy="788016"/>
+      </dsp:txXfrm>
+    </dsp:sp>
+    <dsp:sp modelId="{64EA9517-9A88-4858-977F-393065092BB2}">
+      <dsp:nvSpPr>
+        <dsp:cNvPr id="0" name=""/>
+        <dsp:cNvSpPr/>
+      </dsp:nvSpPr>
+      <dsp:spPr>
+        <a:xfrm>
+          <a:off x="9538523" y="3002372"/>
+          <a:ext cx="1576033" cy="788016"/>
+        </a:xfrm>
+        <a:prstGeom prst="rect">
+          <a:avLst/>
+        </a:prstGeom>
+        <a:solidFill>
+          <a:schemeClr val="accent1">
+            <a:hueOff val="0"/>
+            <a:satOff val="0"/>
+            <a:lumOff val="0"/>
+            <a:alphaOff val="0"/>
+          </a:schemeClr>
+        </a:solidFill>
+        <a:ln w="15875" cap="rnd" cmpd="sng" algn="ctr">
+          <a:solidFill>
+            <a:schemeClr val="lt1">
+              <a:hueOff val="0"/>
+              <a:satOff val="0"/>
+              <a:lumOff val="0"/>
+              <a:alphaOff val="0"/>
+            </a:schemeClr>
+          </a:solidFill>
+          <a:prstDash val="solid"/>
+        </a:ln>
+        <a:effectLst/>
+      </dsp:spPr>
+      <dsp:style>
+        <a:lnRef idx="2">
+          <a:scrgbClr r="0" g="0" b="0"/>
+        </a:lnRef>
+        <a:fillRef idx="1">
+          <a:scrgbClr r="0" g="0" b="0"/>
+        </a:fillRef>
+        <a:effectRef idx="0">
+          <a:scrgbClr r="0" g="0" b="0"/>
+        </a:effectRef>
+        <a:fontRef idx="minor">
+          <a:schemeClr val="lt1"/>
+        </a:fontRef>
+      </dsp:style>
+      <dsp:txBody>
+        <a:bodyPr spcFirstLastPara="0" vert="horz" wrap="square" lIns="8890" tIns="8890" rIns="8890" bIns="8890" numCol="1" spcCol="1270" anchor="ctr" anchorCtr="0">
+          <a:noAutofit/>
+        </a:bodyPr>
+        <a:lstStyle/>
+        <a:p>
+          <a:pPr lvl="0" algn="ctr" defTabSz="622300">
+            <a:lnSpc>
+              <a:spcPct val="90000"/>
+            </a:lnSpc>
+            <a:spcBef>
+              <a:spcPct val="0"/>
+            </a:spcBef>
+            <a:spcAft>
+              <a:spcPct val="35000"/>
+            </a:spcAft>
+          </a:pPr>
+          <a:r>
+            <a:rPr lang="zh-TW" altLang="en-US" sz="1400" kern="1200" dirty="0" smtClean="0"/>
+            <a:t>海大行事曆</a:t>
+          </a:r>
+          <a:r>
+            <a:rPr lang="en-US" altLang="zh-TW" sz="1400" kern="1200" dirty="0" smtClean="0"/>
+            <a:t/>
+          </a:r>
+          <a:br>
+            <a:rPr lang="en-US" altLang="zh-TW" sz="1400" kern="1200" dirty="0" smtClean="0"/>
+          </a:br>
+          <a:r>
+            <a:rPr lang="en-US" altLang="zh-TW" sz="1400" kern="1200" dirty="0" smtClean="0"/>
+            <a:t>(</a:t>
+          </a:r>
+          <a:r>
+            <a:rPr lang="zh-TW" altLang="en-US" sz="1400" kern="1200" dirty="0" smtClean="0"/>
+            <a:t>當年度行事曆</a:t>
+          </a:r>
+          <a:r>
+            <a:rPr lang="en-US" altLang="zh-TW" sz="1400" kern="1200" dirty="0" smtClean="0"/>
+            <a:t>)</a:t>
+          </a:r>
+          <a:endParaRPr lang="zh-TW" altLang="en-US" sz="1400" kern="1200" dirty="0"/>
+        </a:p>
+      </dsp:txBody>
+      <dsp:txXfrm>
+        <a:off x="9538523" y="3002372"/>
+        <a:ext cx="1576033" cy="788016"/>
+      </dsp:txXfrm>
+    </dsp:sp>
   </dsp:spTree>
 </dsp:drawing>
 </file>
@@ -4155,7 +5182,7 @@
             <a:fld id="{8E36636D-D922-432D-A958-524484B5923D}" type="datetimeFigureOut">
               <a:rPr lang="en-US" smtClean="0"/>
               <a:pPr/>
-              <a:t>6/17/2016</a:t>
+              <a:t>6/27/2016</a:t>
             </a:fld>
             <a:endParaRPr lang="en-US" dirty="0"/>
           </a:p>
@@ -4495,7 +5522,7 @@
             <a:fld id="{8E36636D-D922-432D-A958-524484B5923D}" type="datetimeFigureOut">
               <a:rPr lang="en-US" smtClean="0"/>
               <a:pPr/>
-              <a:t>6/17/2016</a:t>
+              <a:t>6/27/2016</a:t>
             </a:fld>
             <a:endParaRPr lang="en-US" dirty="0"/>
           </a:p>
@@ -4898,7 +5925,7 @@
             <a:fld id="{8E36636D-D922-432D-A958-524484B5923D}" type="datetimeFigureOut">
               <a:rPr lang="en-US" smtClean="0"/>
               <a:pPr/>
-              <a:t>6/17/2016</a:t>
+              <a:t>6/27/2016</a:t>
             </a:fld>
             <a:endParaRPr lang="en-US" dirty="0"/>
           </a:p>
@@ -5236,7 +6263,7 @@
             <a:fld id="{8E36636D-D922-432D-A958-524484B5923D}" type="datetimeFigureOut">
               <a:rPr lang="en-US" smtClean="0"/>
               <a:pPr/>
-              <a:t>6/17/2016</a:t>
+              <a:t>6/27/2016</a:t>
             </a:fld>
             <a:endParaRPr lang="en-US" dirty="0"/>
           </a:p>
@@ -5558,7 +6585,7 @@
             <a:fld id="{8E36636D-D922-432D-A958-524484B5923D}" type="datetimeFigureOut">
               <a:rPr lang="en-US" smtClean="0"/>
               <a:pPr/>
-              <a:t>6/17/2016</a:t>
+              <a:t>6/27/2016</a:t>
             </a:fld>
             <a:endParaRPr lang="en-US" dirty="0"/>
           </a:p>
@@ -5956,7 +6983,7 @@
             <a:fld id="{8E36636D-D922-432D-A958-524484B5923D}" type="datetimeFigureOut">
               <a:rPr lang="en-US" smtClean="0"/>
               <a:pPr/>
-              <a:t>6/17/2016</a:t>
+              <a:t>6/27/2016</a:t>
             </a:fld>
             <a:endParaRPr lang="en-US" dirty="0"/>
           </a:p>
@@ -6215,7 +7242,7 @@
             <a:fld id="{8E36636D-D922-432D-A958-524484B5923D}" type="datetimeFigureOut">
               <a:rPr lang="en-US" smtClean="0"/>
               <a:pPr/>
-              <a:t>6/17/2016</a:t>
+              <a:t>6/27/2016</a:t>
             </a:fld>
             <a:endParaRPr lang="en-US" dirty="0"/>
           </a:p>
@@ -6479,7 +7506,7 @@
             <a:fld id="{8E36636D-D922-432D-A958-524484B5923D}" type="datetimeFigureOut">
               <a:rPr lang="en-US" smtClean="0"/>
               <a:pPr/>
-              <a:t>6/17/2016</a:t>
+              <a:t>6/27/2016</a:t>
             </a:fld>
             <a:endParaRPr lang="en-US" dirty="0"/>
           </a:p>
@@ -6743,7 +7770,7 @@
             <a:fld id="{8E36636D-D922-432D-A958-524484B5923D}" type="datetimeFigureOut">
               <a:rPr lang="en-US" smtClean="0"/>
               <a:pPr/>
-              <a:t>6/17/2016</a:t>
+              <a:t>6/27/2016</a:t>
             </a:fld>
             <a:endParaRPr lang="en-US" dirty="0"/>
           </a:p>
@@ -7074,7 +8101,7 @@
             <a:fld id="{8E36636D-D922-432D-A958-524484B5923D}" type="datetimeFigureOut">
               <a:rPr lang="en-US" smtClean="0"/>
               <a:pPr/>
-              <a:t>6/17/2016</a:t>
+              <a:t>6/27/2016</a:t>
             </a:fld>
             <a:endParaRPr lang="en-US" dirty="0"/>
           </a:p>
@@ -7399,7 +8426,7 @@
             <a:fld id="{8E36636D-D922-432D-A958-524484B5923D}" type="datetimeFigureOut">
               <a:rPr lang="en-US" smtClean="0"/>
               <a:pPr/>
-              <a:t>6/17/2016</a:t>
+              <a:t>6/27/2016</a:t>
             </a:fld>
             <a:endParaRPr lang="en-US" dirty="0"/>
           </a:p>
@@ -7858,7 +8885,7 @@
             <a:fld id="{8E36636D-D922-432D-A958-524484B5923D}" type="datetimeFigureOut">
               <a:rPr lang="en-US" smtClean="0"/>
               <a:pPr/>
-              <a:t>6/17/2016</a:t>
+              <a:t>6/27/2016</a:t>
             </a:fld>
             <a:endParaRPr lang="en-US" dirty="0"/>
           </a:p>
@@ -8065,7 +9092,7 @@
             <a:fld id="{8E36636D-D922-432D-A958-524484B5923D}" type="datetimeFigureOut">
               <a:rPr lang="en-US" smtClean="0"/>
               <a:pPr/>
-              <a:t>6/17/2016</a:t>
+              <a:t>6/27/2016</a:t>
             </a:fld>
             <a:endParaRPr lang="en-US" dirty="0"/>
           </a:p>
@@ -8244,7 +9271,7 @@
             <a:fld id="{8E36636D-D922-432D-A958-524484B5923D}" type="datetimeFigureOut">
               <a:rPr lang="en-US" smtClean="0"/>
               <a:pPr/>
-              <a:t>6/17/2016</a:t>
+              <a:t>6/27/2016</a:t>
             </a:fld>
             <a:endParaRPr lang="en-US" dirty="0"/>
           </a:p>
@@ -8579,7 +9606,7 @@
             <a:fld id="{8E36636D-D922-432D-A958-524484B5923D}" type="datetimeFigureOut">
               <a:rPr lang="en-US" smtClean="0"/>
               <a:pPr/>
-              <a:t>6/17/2016</a:t>
+              <a:t>6/27/2016</a:t>
             </a:fld>
             <a:endParaRPr lang="en-US" dirty="0"/>
           </a:p>
@@ -8926,7 +9953,7 @@
             <a:fld id="{8E36636D-D922-432D-A958-524484B5923D}" type="datetimeFigureOut">
               <a:rPr lang="en-US" smtClean="0"/>
               <a:pPr/>
-              <a:t>6/17/2016</a:t>
+              <a:t>6/27/2016</a:t>
             </a:fld>
             <a:endParaRPr lang="en-US" dirty="0"/>
           </a:p>
@@ -10982,7 +12009,7 @@
             <a:fld id="{8E36636D-D922-432D-A958-524484B5923D}" type="datetimeFigureOut">
               <a:rPr lang="en-US" smtClean="0"/>
               <a:pPr/>
-              <a:t>6/17/2016</a:t>
+              <a:t>6/27/2016</a:t>
             </a:fld>
             <a:endParaRPr lang="en-US" dirty="0"/>
           </a:p>
@@ -11850,7 +12877,7 @@
         <p:spPr>
           <a:xfrm>
             <a:off x="2081217" y="1823539"/>
-            <a:ext cx="9702952" cy="3046988"/>
+            <a:ext cx="9702952" cy="4893647"/>
           </a:xfrm>
           <a:prstGeom prst="rect">
             <a:avLst/>
@@ -11954,21 +12981,84 @@
               <a:buChar char="•"/>
             </a:pPr>
             <a:r>
+              <a:rPr lang="zh-TW" altLang="en-US" sz="2400" dirty="0" smtClean="0"/>
+              <a:t>首頁使用框架</a:t>
+            </a:r>
+            <a:r>
+              <a:rPr lang="en-US" altLang="zh-TW" sz="2400" dirty="0" smtClean="0">
+                <a:hlinkClick r:id="rId2"/>
+              </a:rPr>
+              <a:t>http</a:t>
+            </a:r>
+            <a:r>
+              <a:rPr lang="en-US" altLang="zh-TW" sz="2400" dirty="0">
+                <a:hlinkClick r:id="rId2"/>
+              </a:rPr>
+              <a:t>://</a:t>
+            </a:r>
+            <a:r>
+              <a:rPr lang="en-US" altLang="zh-TW" sz="2400" dirty="0" smtClean="0">
+                <a:hlinkClick r:id="rId2"/>
+              </a:rPr>
+              <a:t>www.w3schools.com/w3css/tryit.asp?filename=tryw3css_templates_parallax&amp;stacked=h</a:t>
+            </a:r>
+            <a:endParaRPr lang="en-US" altLang="zh-TW" sz="2400" dirty="0" smtClean="0"/>
+          </a:p>
+          <a:p>
+            <a:pPr marL="285750" indent="-285750">
+              <a:buFont typeface="Arial" panose="020B0604020202020204" pitchFamily="34" charset="0"/>
+              <a:buChar char="•"/>
+            </a:pPr>
+            <a:r>
               <a:rPr lang="en-US" altLang="zh-TW" sz="2400" dirty="0" smtClean="0"/>
-              <a:t>Travel page </a:t>
-            </a:r>
-            <a:r>
-              <a:rPr lang="en-US" altLang="zh-TW" sz="2400" dirty="0"/>
-              <a:t>source link </a:t>
+              <a:t>Travel page source link : </a:t>
+            </a:r>
+            <a:r>
+              <a:rPr lang="en-US" altLang="zh-TW" sz="2400" dirty="0" smtClean="0">
+                <a:hlinkClick r:id="rId3"/>
+              </a:rPr>
+              <a:t>http://ebus.klcba.gov.tw/klebus/</a:t>
+            </a:r>
+            <a:endParaRPr lang="en-US" altLang="zh-TW" sz="2400" dirty="0" smtClean="0"/>
+          </a:p>
+          <a:p>
+            <a:pPr marL="285750" indent="-285750">
+              <a:buFont typeface="Arial" panose="020B0604020202020204" pitchFamily="34" charset="0"/>
+              <a:buChar char="•"/>
+            </a:pPr>
+            <a:r>
+              <a:rPr lang="zh-TW" altLang="en-US" sz="2400" dirty="0" smtClean="0"/>
+              <a:t>基隆公車動態網站 </a:t>
             </a:r>
             <a:r>
               <a:rPr lang="en-US" altLang="zh-TW" sz="2400" dirty="0" smtClean="0"/>
-              <a:t>: http</a:t>
-            </a:r>
-            <a:r>
-              <a:rPr lang="en-US" altLang="zh-TW" sz="2400" dirty="0"/>
-              <a:t>://ebus.klcba.gov.tw/klebus/</a:t>
-            </a:r>
+              <a:t>:</a:t>
+            </a:r>
+            <a:r>
+              <a:rPr lang="zh-TW" altLang="en-US" sz="2400" dirty="0" smtClean="0"/>
+              <a:t> </a:t>
+            </a:r>
+            <a:r>
+              <a:rPr lang="en-US" altLang="zh-TW" sz="2400" dirty="0" smtClean="0">
+                <a:hlinkClick r:id="rId3"/>
+              </a:rPr>
+              <a:t>http</a:t>
+            </a:r>
+            <a:r>
+              <a:rPr lang="en-US" altLang="zh-TW" sz="2400" dirty="0">
+                <a:hlinkClick r:id="rId3"/>
+              </a:rPr>
+              <a:t>://ebus.klcba.gov.tw/klebus</a:t>
+            </a:r>
+            <a:r>
+              <a:rPr lang="en-US" altLang="zh-TW" sz="2400" dirty="0" smtClean="0">
+                <a:hlinkClick r:id="rId3"/>
+              </a:rPr>
+              <a:t>/</a:t>
+            </a:r>
+            <a:endParaRPr lang="en-US" altLang="zh-TW" sz="2400" dirty="0" smtClean="0"/>
+          </a:p>
+          <a:p>
             <a:endParaRPr lang="en-US" altLang="zh-TW" sz="2400" dirty="0"/>
           </a:p>
         </p:txBody>
